--- a/notes/Intro-Python-2.pptx
+++ b/notes/Intro-Python-2.pptx
@@ -90,8 +90,8 @@
         </p:nvSpPr>
         <p:spPr>
           <a:xfrm>
-            <a:off x="216000" y="812520"/>
-            <a:ext cx="7127280" cy="4008960"/>
+            <a:off x="75600" y="742680"/>
+            <a:ext cx="6517440" cy="3665520"/>
           </a:xfrm>
           <a:prstGeom prst="rect">
             <a:avLst/>
@@ -113,103 +113,7 @@
               <a:rPr b="0" lang="en-IN" sz="4400" spc="-1" strike="noStrike">
                 <a:latin typeface="Arial"/>
               </a:rPr>
-              <a:t>C</a:t>
-            </a:r>
-            <a:r>
-              <a:rPr b="0" lang="en-IN" sz="4400" spc="-1" strike="noStrike">
-                <a:latin typeface="Arial"/>
-              </a:rPr>
-              <a:t>li</a:t>
-            </a:r>
-            <a:r>
-              <a:rPr b="0" lang="en-IN" sz="4400" spc="-1" strike="noStrike">
-                <a:latin typeface="Arial"/>
-              </a:rPr>
-              <a:t>c</a:t>
-            </a:r>
-            <a:r>
-              <a:rPr b="0" lang="en-IN" sz="4400" spc="-1" strike="noStrike">
-                <a:latin typeface="Arial"/>
-              </a:rPr>
-              <a:t>k </a:t>
-            </a:r>
-            <a:r>
-              <a:rPr b="0" lang="en-IN" sz="4400" spc="-1" strike="noStrike">
-                <a:latin typeface="Arial"/>
-              </a:rPr>
-              <a:t>t</a:t>
-            </a:r>
-            <a:r>
-              <a:rPr b="0" lang="en-IN" sz="4400" spc="-1" strike="noStrike">
-                <a:latin typeface="Arial"/>
-              </a:rPr>
-              <a:t>o </a:t>
-            </a:r>
-            <a:r>
-              <a:rPr b="0" lang="en-IN" sz="4400" spc="-1" strike="noStrike">
-                <a:latin typeface="Arial"/>
-              </a:rPr>
-              <a:t>m</a:t>
-            </a:r>
-            <a:r>
-              <a:rPr b="0" lang="en-IN" sz="4400" spc="-1" strike="noStrike">
-                <a:latin typeface="Arial"/>
-              </a:rPr>
-              <a:t>o</a:t>
-            </a:r>
-            <a:r>
-              <a:rPr b="0" lang="en-IN" sz="4400" spc="-1" strike="noStrike">
-                <a:latin typeface="Arial"/>
-              </a:rPr>
-              <a:t>v</a:t>
-            </a:r>
-            <a:r>
-              <a:rPr b="0" lang="en-IN" sz="4400" spc="-1" strike="noStrike">
-                <a:latin typeface="Arial"/>
-              </a:rPr>
-              <a:t>e </a:t>
-            </a:r>
-            <a:r>
-              <a:rPr b="0" lang="en-IN" sz="4400" spc="-1" strike="noStrike">
-                <a:latin typeface="Arial"/>
-              </a:rPr>
-              <a:t>t</a:t>
-            </a:r>
-            <a:r>
-              <a:rPr b="0" lang="en-IN" sz="4400" spc="-1" strike="noStrike">
-                <a:latin typeface="Arial"/>
-              </a:rPr>
-              <a:t>h</a:t>
-            </a:r>
-            <a:r>
-              <a:rPr b="0" lang="en-IN" sz="4400" spc="-1" strike="noStrike">
-                <a:latin typeface="Arial"/>
-              </a:rPr>
-              <a:t>e </a:t>
-            </a:r>
-            <a:r>
-              <a:rPr b="0" lang="en-IN" sz="4400" spc="-1" strike="noStrike">
-                <a:latin typeface="Arial"/>
-              </a:rPr>
-              <a:t>s</a:t>
-            </a:r>
-            <a:r>
-              <a:rPr b="0" lang="en-IN" sz="4400" spc="-1" strike="noStrike">
-                <a:latin typeface="Arial"/>
-              </a:rPr>
-              <a:t>li</a:t>
-            </a:r>
-            <a:r>
-              <a:rPr b="0" lang="en-IN" sz="4400" spc="-1" strike="noStrike">
-                <a:latin typeface="Arial"/>
-              </a:rPr>
-              <a:t>d</a:t>
-            </a:r>
-            <a:r>
-              <a:rPr b="0" lang="en-IN" sz="4400" spc="-1" strike="noStrike">
-                <a:latin typeface="Arial"/>
-              </a:rPr>
-              <a:t>e</a:t>
+              <a:t>Click to move the slide</a:t>
             </a:r>
             <a:endParaRPr b="0" lang="en-IN" sz="4400" spc="-1" strike="noStrike">
               <a:latin typeface="Arial"/>
@@ -229,8 +133,8 @@
         </p:nvSpPr>
         <p:spPr>
           <a:xfrm>
-            <a:off x="756000" y="5078520"/>
-            <a:ext cx="6047640" cy="4811040"/>
+            <a:off x="666720" y="4643280"/>
+            <a:ext cx="5334840" cy="4398480"/>
           </a:xfrm>
           <a:prstGeom prst="rect">
             <a:avLst/>
@@ -270,7 +174,7 @@
         <p:spPr>
           <a:xfrm>
             <a:off x="0" y="0"/>
-            <a:ext cx="3280680" cy="534240"/>
+            <a:ext cx="2893680" cy="488160"/>
           </a:xfrm>
           <a:prstGeom prst="rect">
             <a:avLst/>
@@ -309,8 +213,8 @@
         </p:nvSpPr>
         <p:spPr>
           <a:xfrm>
-            <a:off x="4278960" y="0"/>
-            <a:ext cx="3280680" cy="534240"/>
+            <a:off x="3774960" y="0"/>
+            <a:ext cx="2893680" cy="488160"/>
           </a:xfrm>
           <a:prstGeom prst="rect">
             <a:avLst/>
@@ -360,8 +264,8 @@
         </p:nvSpPr>
         <p:spPr>
           <a:xfrm>
-            <a:off x="0" y="10157400"/>
-            <a:ext cx="3280680" cy="534240"/>
+            <a:off x="0" y="9287280"/>
+            <a:ext cx="2893680" cy="488160"/>
           </a:xfrm>
           <a:prstGeom prst="rect">
             <a:avLst/>
@@ -407,8 +311,8 @@
         </p:nvSpPr>
         <p:spPr>
           <a:xfrm>
-            <a:off x="4278960" y="10157400"/>
-            <a:ext cx="3280680" cy="534240"/>
+            <a:off x="3774960" y="9287280"/>
+            <a:ext cx="2893680" cy="488160"/>
           </a:xfrm>
           <a:prstGeom prst="rect">
             <a:avLst/>
@@ -434,7 +338,7 @@
             <a:pPr algn="r">
               <a:buNone/>
             </a:pPr>
-            <a:fld id="{1492E403-3C83-4A46-8DB8-618EB181CA3D}" type="slidenum">
+            <a:fld id="{584D43D0-729E-489F-8699-0B02EB598352}" type="slidenum">
               <a:rPr b="0" lang="en-IN" sz="1400" spc="-1" strike="noStrike">
                 <a:latin typeface="Times New Roman"/>
               </a:rPr>
@@ -482,7 +386,7 @@
         <p:spPr>
           <a:xfrm>
             <a:off x="403200" y="1222200"/>
-            <a:ext cx="5861520" cy="3297600"/>
+            <a:ext cx="5861160" cy="3297240"/>
           </a:xfrm>
           <a:prstGeom prst="rect">
             <a:avLst/>
@@ -505,7 +409,7 @@
         <p:spPr>
           <a:xfrm>
             <a:off x="667080" y="4704480"/>
-            <a:ext cx="5334120" cy="3848040"/>
+            <a:ext cx="5333760" cy="3847680"/>
           </a:xfrm>
           <a:prstGeom prst="rect">
             <a:avLst/>
@@ -628,7 +532,7 @@
         <p:spPr>
           <a:xfrm>
             <a:off x="3777480" y="9285480"/>
-            <a:ext cx="2889000" cy="489240"/>
+            <a:ext cx="2888640" cy="488880"/>
           </a:xfrm>
           <a:prstGeom prst="rect">
             <a:avLst/>
@@ -664,7 +568,7 @@
               </a:lnSpc>
               <a:buNone/>
             </a:pPr>
-            <a:fld id="{1D1CE5E5-346F-4688-A481-CF37F19113E3}" type="slidenum">
+            <a:fld id="{71E20A90-D4D6-47AD-9202-C3DA6C09ECB1}" type="slidenum">
               <a:rPr b="0" lang="en-US" sz="1200" spc="-1" strike="noStrike">
                 <a:solidFill>
                   <a:srgbClr val="000000"/>
@@ -715,7 +619,7 @@
         <p:spPr>
           <a:xfrm>
             <a:off x="403200" y="1222200"/>
-            <a:ext cx="5861520" cy="3297600"/>
+            <a:ext cx="5861160" cy="3297240"/>
           </a:xfrm>
           <a:prstGeom prst="rect">
             <a:avLst/>
@@ -738,7 +642,7 @@
         <p:spPr>
           <a:xfrm>
             <a:off x="667080" y="4704480"/>
-            <a:ext cx="5334120" cy="3848040"/>
+            <a:ext cx="5333760" cy="3847680"/>
           </a:xfrm>
           <a:prstGeom prst="rect">
             <a:avLst/>
@@ -847,7 +751,7 @@
         <p:spPr>
           <a:xfrm>
             <a:off x="3777480" y="9285480"/>
-            <a:ext cx="2889000" cy="489240"/>
+            <a:ext cx="2888640" cy="488880"/>
           </a:xfrm>
           <a:prstGeom prst="rect">
             <a:avLst/>
@@ -883,7 +787,7 @@
               </a:lnSpc>
               <a:buNone/>
             </a:pPr>
-            <a:fld id="{F700AD06-DCF3-4029-9FF8-37277C295305}" type="slidenum">
+            <a:fld id="{D6A910C2-162E-4707-9694-2541B720C311}" type="slidenum">
               <a:rPr b="0" lang="en-US" sz="1200" spc="-1" strike="noStrike">
                 <a:solidFill>
                   <a:srgbClr val="000000"/>
@@ -934,7 +838,7 @@
         <p:spPr>
           <a:xfrm>
             <a:off x="403200" y="1222200"/>
-            <a:ext cx="5861520" cy="3297600"/>
+            <a:ext cx="5861160" cy="3297240"/>
           </a:xfrm>
           <a:prstGeom prst="rect">
             <a:avLst/>
@@ -957,7 +861,7 @@
         <p:spPr>
           <a:xfrm>
             <a:off x="667080" y="4704480"/>
-            <a:ext cx="5334120" cy="3848040"/>
+            <a:ext cx="5333760" cy="3847680"/>
           </a:xfrm>
           <a:prstGeom prst="rect">
             <a:avLst/>
@@ -1046,7 +950,7 @@
         <p:spPr>
           <a:xfrm>
             <a:off x="3777480" y="9285480"/>
-            <a:ext cx="2889000" cy="489240"/>
+            <a:ext cx="2888640" cy="488880"/>
           </a:xfrm>
           <a:prstGeom prst="rect">
             <a:avLst/>
@@ -1082,7 +986,7 @@
               </a:lnSpc>
               <a:buNone/>
             </a:pPr>
-            <a:fld id="{7E02CD1B-2AEF-4CFD-8F67-14CD22F735CC}" type="slidenum">
+            <a:fld id="{BF23E726-381E-4660-B86E-E44F4403E189}" type="slidenum">
               <a:rPr b="0" lang="en-US" sz="1200" spc="-1" strike="noStrike">
                 <a:solidFill>
                   <a:srgbClr val="000000"/>
@@ -1133,7 +1037,7 @@
         <p:spPr>
           <a:xfrm>
             <a:off x="403200" y="1222200"/>
-            <a:ext cx="5861520" cy="3297600"/>
+            <a:ext cx="5861160" cy="3297240"/>
           </a:xfrm>
           <a:prstGeom prst="rect">
             <a:avLst/>
@@ -1156,7 +1060,7 @@
         <p:spPr>
           <a:xfrm>
             <a:off x="667080" y="4704480"/>
-            <a:ext cx="5334120" cy="3848040"/>
+            <a:ext cx="5333760" cy="3847680"/>
           </a:xfrm>
           <a:prstGeom prst="rect">
             <a:avLst/>
@@ -1205,7 +1109,7 @@
         <p:spPr>
           <a:xfrm>
             <a:off x="3777480" y="9285480"/>
-            <a:ext cx="2889000" cy="489240"/>
+            <a:ext cx="2888640" cy="488880"/>
           </a:xfrm>
           <a:prstGeom prst="rect">
             <a:avLst/>
@@ -1241,7 +1145,7 @@
               </a:lnSpc>
               <a:buNone/>
             </a:pPr>
-            <a:fld id="{6E9F327E-D02C-4707-973F-D3E8245F0374}" type="slidenum">
+            <a:fld id="{90456103-D973-4A39-A1EF-2118D4EC9CC2}" type="slidenum">
               <a:rPr b="0" lang="en-US" sz="1200" spc="-1" strike="noStrike">
                 <a:solidFill>
                   <a:srgbClr val="000000"/>
@@ -1292,7 +1196,7 @@
         <p:spPr>
           <a:xfrm>
             <a:off x="403200" y="1222200"/>
-            <a:ext cx="5861520" cy="3297600"/>
+            <a:ext cx="5861160" cy="3297240"/>
           </a:xfrm>
           <a:prstGeom prst="rect">
             <a:avLst/>
@@ -1315,7 +1219,7 @@
         <p:spPr>
           <a:xfrm>
             <a:off x="667080" y="4704480"/>
-            <a:ext cx="5334120" cy="3848040"/>
+            <a:ext cx="5333760" cy="3847680"/>
           </a:xfrm>
           <a:prstGeom prst="rect">
             <a:avLst/>
@@ -1349,7 +1253,7 @@
         <p:spPr>
           <a:xfrm>
             <a:off x="3777480" y="9285480"/>
-            <a:ext cx="2889000" cy="489240"/>
+            <a:ext cx="2888640" cy="488880"/>
           </a:xfrm>
           <a:prstGeom prst="rect">
             <a:avLst/>
@@ -1385,7 +1289,7 @@
               </a:lnSpc>
               <a:buNone/>
             </a:pPr>
-            <a:fld id="{1E9D3E4C-AD7C-4D10-AA2F-40BBEBF18633}" type="slidenum">
+            <a:fld id="{2CE44A96-88CC-4987-ABDD-33794EBB8758}" type="slidenum">
               <a:rPr b="0" lang="en-US" sz="1200" spc="-1" strike="noStrike">
                 <a:solidFill>
                   <a:srgbClr val="000000"/>
@@ -1436,7 +1340,7 @@
         <p:spPr>
           <a:xfrm>
             <a:off x="403200" y="1222200"/>
-            <a:ext cx="5861520" cy="3297600"/>
+            <a:ext cx="5861160" cy="3297240"/>
           </a:xfrm>
           <a:prstGeom prst="rect">
             <a:avLst/>
@@ -1459,7 +1363,7 @@
         <p:spPr>
           <a:xfrm>
             <a:off x="667080" y="4704480"/>
-            <a:ext cx="5334120" cy="3848040"/>
+            <a:ext cx="5333760" cy="3847680"/>
           </a:xfrm>
           <a:prstGeom prst="rect">
             <a:avLst/>
@@ -1493,7 +1397,7 @@
         <p:spPr>
           <a:xfrm>
             <a:off x="3777480" y="9285480"/>
-            <a:ext cx="2889000" cy="489240"/>
+            <a:ext cx="2888640" cy="488880"/>
           </a:xfrm>
           <a:prstGeom prst="rect">
             <a:avLst/>
@@ -1529,7 +1433,7 @@
               </a:lnSpc>
               <a:buNone/>
             </a:pPr>
-            <a:fld id="{2770A520-B91F-44E5-AAA8-9340971185DE}" type="slidenum">
+            <a:fld id="{744FF69F-B77C-421F-A5F5-A41FB92862B0}" type="slidenum">
               <a:rPr b="0" lang="en-US" sz="1200" spc="-1" strike="noStrike">
                 <a:solidFill>
                   <a:srgbClr val="000000"/>
@@ -1580,7 +1484,7 @@
         <p:spPr>
           <a:xfrm>
             <a:off x="403200" y="1222200"/>
-            <a:ext cx="5861520" cy="3297600"/>
+            <a:ext cx="5861160" cy="3297240"/>
           </a:xfrm>
           <a:prstGeom prst="rect">
             <a:avLst/>
@@ -1603,7 +1507,7 @@
         <p:spPr>
           <a:xfrm>
             <a:off x="667080" y="4704480"/>
-            <a:ext cx="5334120" cy="3848040"/>
+            <a:ext cx="5333760" cy="3847680"/>
           </a:xfrm>
           <a:prstGeom prst="rect">
             <a:avLst/>
@@ -1672,7 +1576,7 @@
         <p:spPr>
           <a:xfrm>
             <a:off x="3777480" y="9285480"/>
-            <a:ext cx="2889000" cy="489240"/>
+            <a:ext cx="2888640" cy="488880"/>
           </a:xfrm>
           <a:prstGeom prst="rect">
             <a:avLst/>
@@ -1708,7 +1612,7 @@
               </a:lnSpc>
               <a:buNone/>
             </a:pPr>
-            <a:fld id="{BC64033C-48E4-48F2-AC4F-F6B3F7FD14D5}" type="slidenum">
+            <a:fld id="{D3BA1DB3-614B-47FB-B542-11F951DCAAED}" type="slidenum">
               <a:rPr b="0" lang="en-US" sz="1200" spc="-1" strike="noStrike">
                 <a:solidFill>
                   <a:srgbClr val="000000"/>
@@ -1759,7 +1663,7 @@
         <p:spPr>
           <a:xfrm>
             <a:off x="403200" y="1222200"/>
-            <a:ext cx="5861520" cy="3297600"/>
+            <a:ext cx="5861160" cy="3297240"/>
           </a:xfrm>
           <a:prstGeom prst="rect">
             <a:avLst/>
@@ -1782,7 +1686,7 @@
         <p:spPr>
           <a:xfrm>
             <a:off x="667080" y="4704480"/>
-            <a:ext cx="5334120" cy="3848040"/>
+            <a:ext cx="5333760" cy="3847680"/>
           </a:xfrm>
           <a:prstGeom prst="rect">
             <a:avLst/>
@@ -1891,7 +1795,7 @@
         <p:spPr>
           <a:xfrm>
             <a:off x="3777480" y="9285480"/>
-            <a:ext cx="2889000" cy="489240"/>
+            <a:ext cx="2888640" cy="488880"/>
           </a:xfrm>
           <a:prstGeom prst="rect">
             <a:avLst/>
@@ -1927,7 +1831,7 @@
               </a:lnSpc>
               <a:buNone/>
             </a:pPr>
-            <a:fld id="{B81CD083-1765-41FB-8786-58638C33EE60}" type="slidenum">
+            <a:fld id="{83A8E595-7E5B-40D4-A010-82B6CE258C2B}" type="slidenum">
               <a:rPr b="0" lang="en-US" sz="1200" spc="-1" strike="noStrike">
                 <a:solidFill>
                   <a:srgbClr val="000000"/>
@@ -1978,7 +1882,7 @@
         <p:spPr>
           <a:xfrm>
             <a:off x="403200" y="1222200"/>
-            <a:ext cx="5861520" cy="3297600"/>
+            <a:ext cx="5861160" cy="3297240"/>
           </a:xfrm>
           <a:prstGeom prst="rect">
             <a:avLst/>
@@ -2001,7 +1905,7 @@
         <p:spPr>
           <a:xfrm>
             <a:off x="667080" y="4704480"/>
-            <a:ext cx="5334120" cy="3848040"/>
+            <a:ext cx="5333760" cy="3847680"/>
           </a:xfrm>
           <a:prstGeom prst="rect">
             <a:avLst/>
@@ -2035,7 +1939,7 @@
         <p:spPr>
           <a:xfrm>
             <a:off x="3777480" y="9285480"/>
-            <a:ext cx="2889000" cy="489240"/>
+            <a:ext cx="2888640" cy="488880"/>
           </a:xfrm>
           <a:prstGeom prst="rect">
             <a:avLst/>
@@ -2071,7 +1975,7 @@
               </a:lnSpc>
               <a:buNone/>
             </a:pPr>
-            <a:fld id="{B02E925A-A13A-4580-AE7F-C15412C24102}" type="slidenum">
+            <a:fld id="{A836C620-7BFC-453E-9419-10D7EBE142E0}" type="slidenum">
               <a:rPr b="0" lang="en-US" sz="1200" spc="-1" strike="noStrike">
                 <a:solidFill>
                   <a:srgbClr val="000000"/>
@@ -2122,7 +2026,7 @@
         <p:spPr>
           <a:xfrm>
             <a:off x="403200" y="1222200"/>
-            <a:ext cx="5861520" cy="3297600"/>
+            <a:ext cx="5861160" cy="3297240"/>
           </a:xfrm>
           <a:prstGeom prst="rect">
             <a:avLst/>
@@ -2145,7 +2049,7 @@
         <p:spPr>
           <a:xfrm>
             <a:off x="667080" y="4704480"/>
-            <a:ext cx="5334120" cy="3848040"/>
+            <a:ext cx="5333760" cy="3847680"/>
           </a:xfrm>
           <a:prstGeom prst="rect">
             <a:avLst/>
@@ -2194,7 +2098,7 @@
         <p:spPr>
           <a:xfrm>
             <a:off x="3777480" y="9285480"/>
-            <a:ext cx="2889000" cy="489240"/>
+            <a:ext cx="2888640" cy="488880"/>
           </a:xfrm>
           <a:prstGeom prst="rect">
             <a:avLst/>
@@ -2230,7 +2134,7 @@
               </a:lnSpc>
               <a:buNone/>
             </a:pPr>
-            <a:fld id="{E9823DB9-9461-4B22-BC7E-8FA6A769E3C7}" type="slidenum">
+            <a:fld id="{39E7CC7C-2B22-4265-9096-055314170B7A}" type="slidenum">
               <a:rPr b="0" lang="en-US" sz="1200" spc="-1" strike="noStrike">
                 <a:solidFill>
                   <a:srgbClr val="000000"/>
@@ -2281,7 +2185,7 @@
         <p:spPr>
           <a:xfrm>
             <a:off x="403200" y="1222200"/>
-            <a:ext cx="5861520" cy="3297600"/>
+            <a:ext cx="5861160" cy="3297240"/>
           </a:xfrm>
           <a:prstGeom prst="rect">
             <a:avLst/>
@@ -2304,7 +2208,7 @@
         <p:spPr>
           <a:xfrm>
             <a:off x="667080" y="4704480"/>
-            <a:ext cx="5334120" cy="3848040"/>
+            <a:ext cx="5333760" cy="3847680"/>
           </a:xfrm>
           <a:prstGeom prst="rect">
             <a:avLst/>
@@ -2447,7 +2351,7 @@
         <p:spPr>
           <a:xfrm>
             <a:off x="3777480" y="9285480"/>
-            <a:ext cx="2889000" cy="489240"/>
+            <a:ext cx="2888640" cy="488880"/>
           </a:xfrm>
           <a:prstGeom prst="rect">
             <a:avLst/>
@@ -2483,7 +2387,7 @@
               </a:lnSpc>
               <a:buNone/>
             </a:pPr>
-            <a:fld id="{9FE2EE6D-846F-4564-BB34-4DCF7FE01570}" type="slidenum">
+            <a:fld id="{4247FD33-2046-44C3-9AD6-F4F6E7ABBAB6}" type="slidenum">
               <a:rPr b="0" lang="en-US" sz="1200" spc="-1" strike="noStrike">
                 <a:solidFill>
                   <a:srgbClr val="000000"/>
@@ -2534,7 +2438,7 @@
         <p:spPr>
           <a:xfrm>
             <a:off x="403200" y="1222200"/>
-            <a:ext cx="5861520" cy="3297600"/>
+            <a:ext cx="5861160" cy="3297240"/>
           </a:xfrm>
           <a:prstGeom prst="rect">
             <a:avLst/>
@@ -2557,7 +2461,7 @@
         <p:spPr>
           <a:xfrm>
             <a:off x="667080" y="4704480"/>
-            <a:ext cx="5334120" cy="3848040"/>
+            <a:ext cx="5333760" cy="3847680"/>
           </a:xfrm>
           <a:prstGeom prst="rect">
             <a:avLst/>
@@ -2700,7 +2604,7 @@
         <p:spPr>
           <a:xfrm>
             <a:off x="3777480" y="9285480"/>
-            <a:ext cx="2889000" cy="489240"/>
+            <a:ext cx="2888640" cy="488880"/>
           </a:xfrm>
           <a:prstGeom prst="rect">
             <a:avLst/>
@@ -2736,7 +2640,7 @@
               </a:lnSpc>
               <a:buNone/>
             </a:pPr>
-            <a:fld id="{BEBA134D-7DC0-4CCC-8C83-C30415C15C44}" type="slidenum">
+            <a:fld id="{E19F2617-9D82-4CA8-90E8-7C88EDA9C5A7}" type="slidenum">
               <a:rPr b="0" lang="en-US" sz="1200" spc="-1" strike="noStrike">
                 <a:solidFill>
                   <a:srgbClr val="000000"/>
@@ -2787,7 +2691,7 @@
         <p:spPr>
           <a:xfrm>
             <a:off x="403200" y="1222200"/>
-            <a:ext cx="5861520" cy="3297600"/>
+            <a:ext cx="5861160" cy="3297240"/>
           </a:xfrm>
           <a:prstGeom prst="rect">
             <a:avLst/>
@@ -2810,7 +2714,7 @@
         <p:spPr>
           <a:xfrm>
             <a:off x="667080" y="4704480"/>
-            <a:ext cx="5334120" cy="3848040"/>
+            <a:ext cx="5333760" cy="3847680"/>
           </a:xfrm>
           <a:prstGeom prst="rect">
             <a:avLst/>
@@ -2899,7 +2803,7 @@
         <p:spPr>
           <a:xfrm>
             <a:off x="3777480" y="9285480"/>
-            <a:ext cx="2889000" cy="489240"/>
+            <a:ext cx="2888640" cy="488880"/>
           </a:xfrm>
           <a:prstGeom prst="rect">
             <a:avLst/>
@@ -2935,7 +2839,7 @@
               </a:lnSpc>
               <a:buNone/>
             </a:pPr>
-            <a:fld id="{142E083A-7607-4B96-AB82-F719CA1E4F93}" type="slidenum">
+            <a:fld id="{0370713C-C0F4-4326-872E-1D5D49DFF8F9}" type="slidenum">
               <a:rPr b="0" lang="en-US" sz="1200" spc="-1" strike="noStrike">
                 <a:solidFill>
                   <a:srgbClr val="000000"/>
@@ -2986,7 +2890,7 @@
         <p:spPr>
           <a:xfrm>
             <a:off x="403200" y="1222200"/>
-            <a:ext cx="5861520" cy="3297600"/>
+            <a:ext cx="5861160" cy="3297240"/>
           </a:xfrm>
           <a:prstGeom prst="rect">
             <a:avLst/>
@@ -3009,7 +2913,7 @@
         <p:spPr>
           <a:xfrm>
             <a:off x="667080" y="4704480"/>
-            <a:ext cx="5334120" cy="3848040"/>
+            <a:ext cx="5333760" cy="3847680"/>
           </a:xfrm>
           <a:prstGeom prst="rect">
             <a:avLst/>
@@ -3078,7 +2982,7 @@
         <p:spPr>
           <a:xfrm>
             <a:off x="3777480" y="9285480"/>
-            <a:ext cx="2889000" cy="489240"/>
+            <a:ext cx="2888640" cy="488880"/>
           </a:xfrm>
           <a:prstGeom prst="rect">
             <a:avLst/>
@@ -3114,7 +3018,7 @@
               </a:lnSpc>
               <a:buNone/>
             </a:pPr>
-            <a:fld id="{F362AA9C-CC4A-4ABC-BB46-6892A5CC5C09}" type="slidenum">
+            <a:fld id="{88780332-53BB-4644-8347-2E953D783404}" type="slidenum">
               <a:rPr b="0" lang="en-US" sz="1200" spc="-1" strike="noStrike">
                 <a:solidFill>
                   <a:srgbClr val="000000"/>
@@ -3165,7 +3069,7 @@
         <p:spPr>
           <a:xfrm>
             <a:off x="403200" y="1222200"/>
-            <a:ext cx="5861520" cy="3297600"/>
+            <a:ext cx="5861160" cy="3297240"/>
           </a:xfrm>
           <a:prstGeom prst="rect">
             <a:avLst/>
@@ -3188,7 +3092,7 @@
         <p:spPr>
           <a:xfrm>
             <a:off x="667080" y="4704480"/>
-            <a:ext cx="5334120" cy="3848040"/>
+            <a:ext cx="5333760" cy="3847680"/>
           </a:xfrm>
           <a:prstGeom prst="rect">
             <a:avLst/>
@@ -3311,7 +3215,7 @@
         <p:spPr>
           <a:xfrm>
             <a:off x="3777480" y="9285480"/>
-            <a:ext cx="2889000" cy="489240"/>
+            <a:ext cx="2888640" cy="488880"/>
           </a:xfrm>
           <a:prstGeom prst="rect">
             <a:avLst/>
@@ -3347,7 +3251,7 @@
               </a:lnSpc>
               <a:buNone/>
             </a:pPr>
-            <a:fld id="{EBA9FC7B-5F14-42EF-A373-AB52379085FB}" type="slidenum">
+            <a:fld id="{FCFE0723-4DFC-44A8-A55C-EEF1676996F3}" type="slidenum">
               <a:rPr b="0" lang="en-US" sz="1200" spc="-1" strike="noStrike">
                 <a:solidFill>
                   <a:srgbClr val="000000"/>
@@ -3398,7 +3302,7 @@
         <p:spPr>
           <a:xfrm>
             <a:off x="403200" y="1222200"/>
-            <a:ext cx="5861520" cy="3297600"/>
+            <a:ext cx="5861160" cy="3297240"/>
           </a:xfrm>
           <a:prstGeom prst="rect">
             <a:avLst/>
@@ -3421,7 +3325,7 @@
         <p:spPr>
           <a:xfrm>
             <a:off x="667080" y="4704480"/>
-            <a:ext cx="5334120" cy="3848040"/>
+            <a:ext cx="5333760" cy="3847680"/>
           </a:xfrm>
           <a:prstGeom prst="rect">
             <a:avLst/>
@@ -3550,7 +3454,7 @@
         <p:spPr>
           <a:xfrm>
             <a:off x="3777480" y="9285480"/>
-            <a:ext cx="2889000" cy="489240"/>
+            <a:ext cx="2888640" cy="488880"/>
           </a:xfrm>
           <a:prstGeom prst="rect">
             <a:avLst/>
@@ -3586,7 +3490,7 @@
               </a:lnSpc>
               <a:buNone/>
             </a:pPr>
-            <a:fld id="{C83A8F09-F713-46AE-8ECE-80536F7D628B}" type="slidenum">
+            <a:fld id="{99C1655A-974D-452D-B3C3-D98A5D1739C8}" type="slidenum">
               <a:rPr b="0" lang="en-US" sz="1200" spc="-1" strike="noStrike">
                 <a:solidFill>
                   <a:srgbClr val="000000"/>
@@ -3637,7 +3541,7 @@
         <p:spPr>
           <a:xfrm>
             <a:off x="403200" y="1222200"/>
-            <a:ext cx="5861520" cy="3297600"/>
+            <a:ext cx="5861160" cy="3297240"/>
           </a:xfrm>
           <a:prstGeom prst="rect">
             <a:avLst/>
@@ -3660,7 +3564,7 @@
         <p:spPr>
           <a:xfrm>
             <a:off x="667080" y="4704480"/>
-            <a:ext cx="5334120" cy="3848040"/>
+            <a:ext cx="5333760" cy="3847680"/>
           </a:xfrm>
           <a:prstGeom prst="rect">
             <a:avLst/>
@@ -3749,7 +3653,7 @@
         <p:spPr>
           <a:xfrm>
             <a:off x="3777480" y="9285480"/>
-            <a:ext cx="2889000" cy="489240"/>
+            <a:ext cx="2888640" cy="488880"/>
           </a:xfrm>
           <a:prstGeom prst="rect">
             <a:avLst/>
@@ -3785,7 +3689,7 @@
               </a:lnSpc>
               <a:buNone/>
             </a:pPr>
-            <a:fld id="{2B807B47-335E-4033-B291-65269D53CC49}" type="slidenum">
+            <a:fld id="{AD57FB19-D235-4125-B14C-491F40813D1A}" type="slidenum">
               <a:rPr b="0" lang="en-US" sz="1200" spc="-1" strike="noStrike">
                 <a:solidFill>
                   <a:srgbClr val="000000"/>
@@ -3836,7 +3740,7 @@
         <p:spPr>
           <a:xfrm>
             <a:off x="403200" y="1222200"/>
-            <a:ext cx="5861520" cy="3297600"/>
+            <a:ext cx="5861160" cy="3297240"/>
           </a:xfrm>
           <a:prstGeom prst="rect">
             <a:avLst/>
@@ -3859,7 +3763,7 @@
         <p:spPr>
           <a:xfrm>
             <a:off x="667080" y="4704480"/>
-            <a:ext cx="5334120" cy="3848040"/>
+            <a:ext cx="5333760" cy="3847680"/>
           </a:xfrm>
           <a:prstGeom prst="rect">
             <a:avLst/>
@@ -3928,7 +3832,7 @@
         <p:spPr>
           <a:xfrm>
             <a:off x="3777480" y="9285480"/>
-            <a:ext cx="2889000" cy="489240"/>
+            <a:ext cx="2888640" cy="488880"/>
           </a:xfrm>
           <a:prstGeom prst="rect">
             <a:avLst/>
@@ -3964,7 +3868,7 @@
               </a:lnSpc>
               <a:buNone/>
             </a:pPr>
-            <a:fld id="{6FF12342-6CF8-418F-AE64-291B4B4A63AF}" type="slidenum">
+            <a:fld id="{9117CE6A-A271-437E-92F7-8403494CAFE3}" type="slidenum">
               <a:rPr b="0" lang="en-US" sz="1200" spc="-1" strike="noStrike">
                 <a:solidFill>
                   <a:srgbClr val="000000"/>
@@ -4015,7 +3919,7 @@
         <p:spPr>
           <a:xfrm>
             <a:off x="403200" y="1222200"/>
-            <a:ext cx="5861520" cy="3297600"/>
+            <a:ext cx="5861160" cy="3297240"/>
           </a:xfrm>
           <a:prstGeom prst="rect">
             <a:avLst/>
@@ -4038,7 +3942,7 @@
         <p:spPr>
           <a:xfrm>
             <a:off x="667080" y="4704480"/>
-            <a:ext cx="5334120" cy="3848040"/>
+            <a:ext cx="5333760" cy="3847680"/>
           </a:xfrm>
           <a:prstGeom prst="rect">
             <a:avLst/>
@@ -4107,7 +4011,7 @@
         <p:spPr>
           <a:xfrm>
             <a:off x="3777480" y="9285480"/>
-            <a:ext cx="2889000" cy="489240"/>
+            <a:ext cx="2888640" cy="488880"/>
           </a:xfrm>
           <a:prstGeom prst="rect">
             <a:avLst/>
@@ -4143,7 +4047,7 @@
               </a:lnSpc>
               <a:buNone/>
             </a:pPr>
-            <a:fld id="{2D2CAAA0-027E-4DF8-8A75-9F954AA1F3DB}" type="slidenum">
+            <a:fld id="{2CB0837A-8624-4713-8C02-905523D132BD}" type="slidenum">
               <a:rPr b="0" lang="en-US" sz="1200" spc="-1" strike="noStrike">
                 <a:solidFill>
                   <a:srgbClr val="000000"/>
@@ -4194,7 +4098,7 @@
         <p:spPr>
           <a:xfrm>
             <a:off x="403200" y="1222200"/>
-            <a:ext cx="5861520" cy="3297600"/>
+            <a:ext cx="5861160" cy="3297240"/>
           </a:xfrm>
           <a:prstGeom prst="rect">
             <a:avLst/>
@@ -4217,7 +4121,7 @@
         <p:spPr>
           <a:xfrm>
             <a:off x="667080" y="4704480"/>
-            <a:ext cx="5334120" cy="3848040"/>
+            <a:ext cx="5333760" cy="3847680"/>
           </a:xfrm>
           <a:prstGeom prst="rect">
             <a:avLst/>
@@ -4326,7 +4230,7 @@
         <p:spPr>
           <a:xfrm>
             <a:off x="3777480" y="9285480"/>
-            <a:ext cx="2889000" cy="489240"/>
+            <a:ext cx="2888640" cy="488880"/>
           </a:xfrm>
           <a:prstGeom prst="rect">
             <a:avLst/>
@@ -4362,7 +4266,7 @@
               </a:lnSpc>
               <a:buNone/>
             </a:pPr>
-            <a:fld id="{6F8C1368-083C-4CB8-B1AD-06548AD19E35}" type="slidenum">
+            <a:fld id="{29E24C43-F40F-4C91-8AA0-E164BD3163BA}" type="slidenum">
               <a:rPr b="0" lang="en-US" sz="1200" spc="-1" strike="noStrike">
                 <a:solidFill>
                   <a:srgbClr val="000000"/>
@@ -4413,7 +4317,7 @@
         <p:spPr>
           <a:xfrm>
             <a:off x="403200" y="1222200"/>
-            <a:ext cx="5861520" cy="3297600"/>
+            <a:ext cx="5861160" cy="3297240"/>
           </a:xfrm>
           <a:prstGeom prst="rect">
             <a:avLst/>
@@ -4436,7 +4340,7 @@
         <p:spPr>
           <a:xfrm>
             <a:off x="667080" y="4704480"/>
-            <a:ext cx="5334120" cy="3848040"/>
+            <a:ext cx="5333760" cy="3847680"/>
           </a:xfrm>
           <a:prstGeom prst="rect">
             <a:avLst/>
@@ -4559,7 +4463,7 @@
         <p:spPr>
           <a:xfrm>
             <a:off x="3777480" y="9285480"/>
-            <a:ext cx="2889000" cy="489240"/>
+            <a:ext cx="2888640" cy="488880"/>
           </a:xfrm>
           <a:prstGeom prst="rect">
             <a:avLst/>
@@ -4595,7 +4499,7 @@
               </a:lnSpc>
               <a:buNone/>
             </a:pPr>
-            <a:fld id="{E9337B23-CE1B-407D-B3D6-278198E2C87F}" type="slidenum">
+            <a:fld id="{8300B4F2-64A3-419D-92DD-6E33E1E6B837}" type="slidenum">
               <a:rPr b="0" lang="en-US" sz="1200" spc="-1" strike="noStrike">
                 <a:solidFill>
                   <a:srgbClr val="000000"/>
@@ -4646,7 +4550,7 @@
         <p:spPr>
           <a:xfrm>
             <a:off x="403200" y="1222200"/>
-            <a:ext cx="5861520" cy="3297600"/>
+            <a:ext cx="5861160" cy="3297240"/>
           </a:xfrm>
           <a:prstGeom prst="rect">
             <a:avLst/>
@@ -4669,7 +4573,7 @@
         <p:spPr>
           <a:xfrm>
             <a:off x="667080" y="4704480"/>
-            <a:ext cx="5334120" cy="3848040"/>
+            <a:ext cx="5333760" cy="3847680"/>
           </a:xfrm>
           <a:prstGeom prst="rect">
             <a:avLst/>
@@ -4721,7 +4625,7 @@
         <p:spPr>
           <a:xfrm>
             <a:off x="3777480" y="9285480"/>
-            <a:ext cx="2889000" cy="489240"/>
+            <a:ext cx="2888640" cy="488880"/>
           </a:xfrm>
           <a:prstGeom prst="rect">
             <a:avLst/>
@@ -4757,7 +4661,7 @@
               </a:lnSpc>
               <a:buNone/>
             </a:pPr>
-            <a:fld id="{503F52D4-71D2-4C83-884F-7591F569E043}" type="slidenum">
+            <a:fld id="{2BDE5F5C-C734-49D0-A2A9-FED8C9DA41A5}" type="slidenum">
               <a:rPr b="0" lang="en-US" sz="1200" spc="-1" strike="noStrike">
                 <a:solidFill>
                   <a:srgbClr val="000000"/>
@@ -4765,7 +4669,7 @@
                 <a:latin typeface="+mn-lt"/>
                 <a:ea typeface="+mn-ea"/>
               </a:rPr>
-              <a:t>43</a:t>
+              <a:t>&lt;number&gt;</a:t>
             </a:fld>
             <a:endParaRPr b="0" lang="en-IN" sz="1200" spc="-1" strike="noStrike">
               <a:latin typeface="Times New Roman"/>
@@ -4808,7 +4712,7 @@
         <p:spPr>
           <a:xfrm>
             <a:off x="403200" y="1222200"/>
-            <a:ext cx="5861520" cy="3297600"/>
+            <a:ext cx="5861160" cy="3297240"/>
           </a:xfrm>
           <a:prstGeom prst="rect">
             <a:avLst/>
@@ -4831,7 +4735,7 @@
         <p:spPr>
           <a:xfrm>
             <a:off x="667080" y="4704480"/>
-            <a:ext cx="5334120" cy="3848040"/>
+            <a:ext cx="5333760" cy="3847680"/>
           </a:xfrm>
           <a:prstGeom prst="rect">
             <a:avLst/>
@@ -4920,7 +4824,7 @@
         <p:spPr>
           <a:xfrm>
             <a:off x="3777480" y="9285480"/>
-            <a:ext cx="2889000" cy="489240"/>
+            <a:ext cx="2888640" cy="488880"/>
           </a:xfrm>
           <a:prstGeom prst="rect">
             <a:avLst/>
@@ -4956,7 +4860,7 @@
               </a:lnSpc>
               <a:buNone/>
             </a:pPr>
-            <a:fld id="{1BC02BBC-EEE9-438A-A4B8-6B0CBEAADAF8}" type="slidenum">
+            <a:fld id="{CE441A1B-3402-4852-ADA8-CF2BF7EC3E4E}" type="slidenum">
               <a:rPr b="0" lang="en-US" sz="1200" spc="-1" strike="noStrike">
                 <a:solidFill>
                   <a:srgbClr val="000000"/>
@@ -5007,7 +4911,7 @@
         <p:spPr>
           <a:xfrm>
             <a:off x="403200" y="1222200"/>
-            <a:ext cx="5861520" cy="3297600"/>
+            <a:ext cx="5861160" cy="3297240"/>
           </a:xfrm>
           <a:prstGeom prst="rect">
             <a:avLst/>
@@ -5030,7 +4934,7 @@
         <p:spPr>
           <a:xfrm>
             <a:off x="667080" y="4704480"/>
-            <a:ext cx="5334120" cy="3848040"/>
+            <a:ext cx="5333760" cy="3847680"/>
           </a:xfrm>
           <a:prstGeom prst="rect">
             <a:avLst/>
@@ -5079,7 +4983,7 @@
         <p:spPr>
           <a:xfrm>
             <a:off x="3777480" y="9285480"/>
-            <a:ext cx="2889000" cy="489240"/>
+            <a:ext cx="2888640" cy="488880"/>
           </a:xfrm>
           <a:prstGeom prst="rect">
             <a:avLst/>
@@ -5115,7 +5019,7 @@
               </a:lnSpc>
               <a:buNone/>
             </a:pPr>
-            <a:fld id="{932081B1-DF69-4221-BE12-74443C6BEED6}" type="slidenum">
+            <a:fld id="{3A0862BC-9310-4351-95EF-F95510E79543}" type="slidenum">
               <a:rPr b="0" lang="en-US" sz="1200" spc="-1" strike="noStrike">
                 <a:solidFill>
                   <a:srgbClr val="000000"/>
@@ -5123,7 +5027,7 @@
                 <a:latin typeface="+mn-lt"/>
                 <a:ea typeface="+mn-ea"/>
               </a:rPr>
-              <a:t>43</a:t>
+              <a:t>&lt;number&gt;</a:t>
             </a:fld>
             <a:endParaRPr b="0" lang="en-IN" sz="1200" spc="-1" strike="noStrike">
               <a:latin typeface="Times New Roman"/>
@@ -5166,7 +5070,7 @@
         <p:spPr>
           <a:xfrm>
             <a:off x="403200" y="1222200"/>
-            <a:ext cx="5861520" cy="3297600"/>
+            <a:ext cx="5861160" cy="3297240"/>
           </a:xfrm>
           <a:prstGeom prst="rect">
             <a:avLst/>
@@ -5189,7 +5093,7 @@
         <p:spPr>
           <a:xfrm>
             <a:off x="667080" y="4704480"/>
-            <a:ext cx="5334120" cy="3848040"/>
+            <a:ext cx="5333760" cy="3847680"/>
           </a:xfrm>
           <a:prstGeom prst="rect">
             <a:avLst/>
@@ -5238,7 +5142,7 @@
         <p:spPr>
           <a:xfrm>
             <a:off x="3777480" y="9285480"/>
-            <a:ext cx="2889000" cy="489240"/>
+            <a:ext cx="2888640" cy="488880"/>
           </a:xfrm>
           <a:prstGeom prst="rect">
             <a:avLst/>
@@ -5274,7 +5178,7 @@
               </a:lnSpc>
               <a:buNone/>
             </a:pPr>
-            <a:fld id="{697729CC-4358-42CB-BD8A-90ACB748D78C}" type="slidenum">
+            <a:fld id="{DE193AE7-EC63-4C81-91CB-F2FC8D9A1980}" type="slidenum">
               <a:rPr b="0" lang="en-US" sz="1200" spc="-1" strike="noStrike">
                 <a:solidFill>
                   <a:srgbClr val="000000"/>
@@ -5325,7 +5229,7 @@
         <p:spPr>
           <a:xfrm>
             <a:off x="403200" y="1222200"/>
-            <a:ext cx="5861520" cy="3297600"/>
+            <a:ext cx="5861160" cy="3297240"/>
           </a:xfrm>
           <a:prstGeom prst="rect">
             <a:avLst/>
@@ -5348,7 +5252,7 @@
         <p:spPr>
           <a:xfrm>
             <a:off x="667080" y="4704480"/>
-            <a:ext cx="5334120" cy="3848040"/>
+            <a:ext cx="5333760" cy="3847680"/>
           </a:xfrm>
           <a:prstGeom prst="rect">
             <a:avLst/>
@@ -5437,7 +5341,7 @@
         <p:spPr>
           <a:xfrm>
             <a:off x="3777480" y="9285480"/>
-            <a:ext cx="2889000" cy="489240"/>
+            <a:ext cx="2888640" cy="488880"/>
           </a:xfrm>
           <a:prstGeom prst="rect">
             <a:avLst/>
@@ -5473,7 +5377,7 @@
               </a:lnSpc>
               <a:buNone/>
             </a:pPr>
-            <a:fld id="{91459DFE-A8A2-4649-80EC-0327E86A7488}" type="slidenum">
+            <a:fld id="{0E78916D-8922-4F05-8B72-BA75C5FDEBF9}" type="slidenum">
               <a:rPr b="0" lang="en-US" sz="1200" spc="-1" strike="noStrike">
                 <a:solidFill>
                   <a:srgbClr val="000000"/>
@@ -5524,7 +5428,7 @@
         <p:spPr>
           <a:xfrm>
             <a:off x="403200" y="1222200"/>
-            <a:ext cx="5861520" cy="3297600"/>
+            <a:ext cx="5861160" cy="3297240"/>
           </a:xfrm>
           <a:prstGeom prst="rect">
             <a:avLst/>
@@ -5547,7 +5451,7 @@
         <p:spPr>
           <a:xfrm>
             <a:off x="667080" y="4704480"/>
-            <a:ext cx="5334120" cy="3848040"/>
+            <a:ext cx="5333760" cy="3847680"/>
           </a:xfrm>
           <a:prstGeom prst="rect">
             <a:avLst/>
@@ -5596,7 +5500,7 @@
         <p:spPr>
           <a:xfrm>
             <a:off x="3777480" y="9285480"/>
-            <a:ext cx="2889000" cy="489240"/>
+            <a:ext cx="2888640" cy="488880"/>
           </a:xfrm>
           <a:prstGeom prst="rect">
             <a:avLst/>
@@ -5632,7 +5536,7 @@
               </a:lnSpc>
               <a:buNone/>
             </a:pPr>
-            <a:fld id="{73EABBE3-A569-4A5A-9AED-2EC575DD2C62}" type="slidenum">
+            <a:fld id="{C9728CC9-CE59-4192-8FF5-DE84EDD461F5}" type="slidenum">
               <a:rPr b="0" lang="en-US" sz="1200" spc="-1" strike="noStrike">
                 <a:solidFill>
                   <a:srgbClr val="000000"/>
@@ -5683,7 +5587,7 @@
         <p:spPr>
           <a:xfrm>
             <a:off x="403200" y="1222200"/>
-            <a:ext cx="5861520" cy="3297600"/>
+            <a:ext cx="5861160" cy="3297240"/>
           </a:xfrm>
           <a:prstGeom prst="rect">
             <a:avLst/>
@@ -5706,7 +5610,7 @@
         <p:spPr>
           <a:xfrm>
             <a:off x="667080" y="4704480"/>
-            <a:ext cx="5334120" cy="3848040"/>
+            <a:ext cx="5333760" cy="3847680"/>
           </a:xfrm>
           <a:prstGeom prst="rect">
             <a:avLst/>
@@ -5755,7 +5659,7 @@
         <p:spPr>
           <a:xfrm>
             <a:off x="3777480" y="9285480"/>
-            <a:ext cx="2889000" cy="489240"/>
+            <a:ext cx="2888640" cy="488880"/>
           </a:xfrm>
           <a:prstGeom prst="rect">
             <a:avLst/>
@@ -5791,7 +5695,7 @@
               </a:lnSpc>
               <a:buNone/>
             </a:pPr>
-            <a:fld id="{A6A967C3-7618-462B-A419-813BF5648ED0}" type="slidenum">
+            <a:fld id="{77A545D9-B71F-4A5E-ADD2-46805A8E9D85}" type="slidenum">
               <a:rPr b="0" lang="en-US" sz="1200" spc="-1" strike="noStrike">
                 <a:solidFill>
                   <a:srgbClr val="000000"/>
@@ -5842,7 +5746,7 @@
         <p:spPr>
           <a:xfrm>
             <a:off x="403200" y="1222200"/>
-            <a:ext cx="5861520" cy="3297600"/>
+            <a:ext cx="5861160" cy="3297240"/>
           </a:xfrm>
           <a:prstGeom prst="rect">
             <a:avLst/>
@@ -5865,7 +5769,7 @@
         <p:spPr>
           <a:xfrm>
             <a:off x="667080" y="4704480"/>
-            <a:ext cx="5334120" cy="3848040"/>
+            <a:ext cx="5333760" cy="3847680"/>
           </a:xfrm>
           <a:prstGeom prst="rect">
             <a:avLst/>
@@ -5914,7 +5818,7 @@
         <p:spPr>
           <a:xfrm>
             <a:off x="3777480" y="9285480"/>
-            <a:ext cx="2889000" cy="489240"/>
+            <a:ext cx="2888640" cy="488880"/>
           </a:xfrm>
           <a:prstGeom prst="rect">
             <a:avLst/>
@@ -5950,7 +5854,7 @@
               </a:lnSpc>
               <a:buNone/>
             </a:pPr>
-            <a:fld id="{04748450-3ACC-4770-8580-E5DA1ACDF846}" type="slidenum">
+            <a:fld id="{0BB3C274-7911-4A1D-856F-807AE57B942A}" type="slidenum">
               <a:rPr b="0" lang="en-US" sz="1200" spc="-1" strike="noStrike">
                 <a:solidFill>
                   <a:srgbClr val="000000"/>
@@ -6001,7 +5905,7 @@
         <p:spPr>
           <a:xfrm>
             <a:off x="403200" y="1222200"/>
-            <a:ext cx="5861520" cy="3297600"/>
+            <a:ext cx="5861160" cy="3297240"/>
           </a:xfrm>
           <a:prstGeom prst="rect">
             <a:avLst/>
@@ -6024,7 +5928,7 @@
         <p:spPr>
           <a:xfrm>
             <a:off x="667080" y="4704480"/>
-            <a:ext cx="5334120" cy="3848040"/>
+            <a:ext cx="5333760" cy="3847680"/>
           </a:xfrm>
           <a:prstGeom prst="rect">
             <a:avLst/>
@@ -6058,7 +5962,7 @@
         <p:spPr>
           <a:xfrm>
             <a:off x="3777480" y="9285480"/>
-            <a:ext cx="2889000" cy="489240"/>
+            <a:ext cx="2888640" cy="488880"/>
           </a:xfrm>
           <a:prstGeom prst="rect">
             <a:avLst/>
@@ -6094,7 +5998,7 @@
               </a:lnSpc>
               <a:buNone/>
             </a:pPr>
-            <a:fld id="{5F50DF00-BEF1-4B38-B147-60118199CAA6}" type="slidenum">
+            <a:fld id="{B983A91F-9ABF-46B9-9CBF-61914305B5FB}" type="slidenum">
               <a:rPr b="0" lang="en-US" sz="1200" spc="-1" strike="noStrike">
                 <a:solidFill>
                   <a:srgbClr val="000000"/>
@@ -6145,7 +6049,7 @@
         <p:spPr>
           <a:xfrm>
             <a:off x="403200" y="1222200"/>
-            <a:ext cx="5861520" cy="3297600"/>
+            <a:ext cx="5861160" cy="3297240"/>
           </a:xfrm>
           <a:prstGeom prst="rect">
             <a:avLst/>
@@ -6168,7 +6072,7 @@
         <p:spPr>
           <a:xfrm>
             <a:off x="667080" y="4704480"/>
-            <a:ext cx="5334120" cy="3848040"/>
+            <a:ext cx="5333760" cy="3847680"/>
           </a:xfrm>
           <a:prstGeom prst="rect">
             <a:avLst/>
@@ -6311,7 +6215,7 @@
         <p:spPr>
           <a:xfrm>
             <a:off x="3777480" y="9285480"/>
-            <a:ext cx="2889000" cy="489240"/>
+            <a:ext cx="2888640" cy="488880"/>
           </a:xfrm>
           <a:prstGeom prst="rect">
             <a:avLst/>
@@ -6347,7 +6251,7 @@
               </a:lnSpc>
               <a:buNone/>
             </a:pPr>
-            <a:fld id="{29C3D661-718C-4B20-AC4A-F61703AAD7E7}" type="slidenum">
+            <a:fld id="{67B34DB6-4BA5-4A59-A4F1-15BE18CE73BF}" type="slidenum">
               <a:rPr b="0" lang="en-US" sz="1200" spc="-1" strike="noStrike">
                 <a:solidFill>
                   <a:srgbClr val="000000"/>
@@ -6398,7 +6302,7 @@
         <p:spPr>
           <a:xfrm>
             <a:off x="403200" y="1222200"/>
-            <a:ext cx="5861520" cy="3297600"/>
+            <a:ext cx="5861160" cy="3297240"/>
           </a:xfrm>
           <a:prstGeom prst="rect">
             <a:avLst/>
@@ -6421,7 +6325,7 @@
         <p:spPr>
           <a:xfrm>
             <a:off x="667080" y="4704480"/>
-            <a:ext cx="5334120" cy="3848040"/>
+            <a:ext cx="5333760" cy="3847680"/>
           </a:xfrm>
           <a:prstGeom prst="rect">
             <a:avLst/>
@@ -6564,7 +6468,7 @@
         <p:spPr>
           <a:xfrm>
             <a:off x="3777480" y="9285480"/>
-            <a:ext cx="2889000" cy="489240"/>
+            <a:ext cx="2888640" cy="488880"/>
           </a:xfrm>
           <a:prstGeom prst="rect">
             <a:avLst/>
@@ -6600,7 +6504,7 @@
               </a:lnSpc>
               <a:buNone/>
             </a:pPr>
-            <a:fld id="{F137807A-5EB8-46D7-9385-AE656ADCC4D7}" type="slidenum">
+            <a:fld id="{B024A880-6AA3-4070-AC09-7402C65DC680}" type="slidenum">
               <a:rPr b="0" lang="en-US" sz="1200" spc="-1" strike="noStrike">
                 <a:solidFill>
                   <a:srgbClr val="000000"/>
@@ -6651,7 +6555,7 @@
         <p:spPr>
           <a:xfrm>
             <a:off x="403200" y="1222200"/>
-            <a:ext cx="5861520" cy="3297600"/>
+            <a:ext cx="5861160" cy="3297240"/>
           </a:xfrm>
           <a:prstGeom prst="rect">
             <a:avLst/>
@@ -6674,7 +6578,7 @@
         <p:spPr>
           <a:xfrm>
             <a:off x="667080" y="4704480"/>
-            <a:ext cx="5334120" cy="3848040"/>
+            <a:ext cx="5333760" cy="3847680"/>
           </a:xfrm>
           <a:prstGeom prst="rect">
             <a:avLst/>
@@ -6763,7 +6667,7 @@
         <p:spPr>
           <a:xfrm>
             <a:off x="3777480" y="9285480"/>
-            <a:ext cx="2889000" cy="489240"/>
+            <a:ext cx="2888640" cy="488880"/>
           </a:xfrm>
           <a:prstGeom prst="rect">
             <a:avLst/>
@@ -6799,7 +6703,7 @@
               </a:lnSpc>
               <a:buNone/>
             </a:pPr>
-            <a:fld id="{7509E3B6-D8D8-49AC-A0A5-87AAD3C4EB90}" type="slidenum">
+            <a:fld id="{1BAFDB07-4F34-46C1-B235-FC623ACA8CEE}" type="slidenum">
               <a:rPr b="0" lang="en-US" sz="1200" spc="-1" strike="noStrike">
                 <a:solidFill>
                   <a:srgbClr val="000000"/>
@@ -6850,7 +6754,7 @@
         <p:spPr>
           <a:xfrm>
             <a:off x="403200" y="1222200"/>
-            <a:ext cx="5861520" cy="3297600"/>
+            <a:ext cx="5861160" cy="3297240"/>
           </a:xfrm>
           <a:prstGeom prst="rect">
             <a:avLst/>
@@ -6873,7 +6777,7 @@
         <p:spPr>
           <a:xfrm>
             <a:off x="667080" y="4704480"/>
-            <a:ext cx="5334120" cy="3848040"/>
+            <a:ext cx="5333760" cy="3847680"/>
           </a:xfrm>
           <a:prstGeom prst="rect">
             <a:avLst/>
@@ -6907,7 +6811,7 @@
         <p:spPr>
           <a:xfrm>
             <a:off x="3777480" y="9285480"/>
-            <a:ext cx="2889000" cy="489240"/>
+            <a:ext cx="2888640" cy="488880"/>
           </a:xfrm>
           <a:prstGeom prst="rect">
             <a:avLst/>
@@ -6943,7 +6847,7 @@
               </a:lnSpc>
               <a:buNone/>
             </a:pPr>
-            <a:fld id="{2C8F5652-81CA-449C-9771-4FB6D89DAB05}" type="slidenum">
+            <a:fld id="{84877BB7-567A-4DA5-89A5-CE240DF4D97F}" type="slidenum">
               <a:rPr b="0" lang="en-US" sz="1200" spc="-1" strike="noStrike">
                 <a:solidFill>
                   <a:srgbClr val="000000"/>
@@ -6994,7 +6898,7 @@
         <p:spPr>
           <a:xfrm>
             <a:off x="403200" y="1222200"/>
-            <a:ext cx="5861520" cy="3297600"/>
+            <a:ext cx="5861160" cy="3297240"/>
           </a:xfrm>
           <a:prstGeom prst="rect">
             <a:avLst/>
@@ -7017,7 +6921,7 @@
         <p:spPr>
           <a:xfrm>
             <a:off x="667080" y="4704480"/>
-            <a:ext cx="5334120" cy="3848040"/>
+            <a:ext cx="5333760" cy="3847680"/>
           </a:xfrm>
           <a:prstGeom prst="rect">
             <a:avLst/>
@@ -7051,7 +6955,7 @@
         <p:spPr>
           <a:xfrm>
             <a:off x="3777480" y="9285480"/>
-            <a:ext cx="2889000" cy="489240"/>
+            <a:ext cx="2888640" cy="488880"/>
           </a:xfrm>
           <a:prstGeom prst="rect">
             <a:avLst/>
@@ -7087,7 +6991,7 @@
               </a:lnSpc>
               <a:buNone/>
             </a:pPr>
-            <a:fld id="{ABEB14EF-23BC-4EE8-8930-E2F41F59D8F0}" type="slidenum">
+            <a:fld id="{7E4FD434-D947-4B0B-9FE1-9E30359D7E24}" type="slidenum">
               <a:rPr b="0" lang="en-US" sz="1200" spc="-1" strike="noStrike">
                 <a:solidFill>
                   <a:srgbClr val="000000"/>
@@ -7159,7 +7063,7 @@
         <p:txBody>
           <a:bodyPr/>
           <a:p>
-            <a:fld id="{F454DB48-FAE1-47FE-9627-F55D8760E85E}" type="slidenum">
+            <a:fld id="{B00FF754-56DD-44CB-BDBA-8E7D52C0E569}" type="slidenum">
               <a:t>&lt;#&gt;</a:t>
             </a:fld>
           </a:p>
@@ -7347,7 +7251,7 @@
         <p:txBody>
           <a:bodyPr/>
           <a:p>
-            <a:fld id="{0B3D728C-B4FF-4023-8F8D-7C38C710BA3F}" type="slidenum">
+            <a:fld id="{21BFAD4F-B77F-47D8-8FFE-835E64327001}" type="slidenum">
               <a:t>&lt;#&gt;</a:t>
             </a:fld>
           </a:p>
@@ -7603,7 +7507,7 @@
         <p:txBody>
           <a:bodyPr/>
           <a:p>
-            <a:fld id="{D6DBDC47-046A-48FC-9DC6-908838E62DFA}" type="slidenum">
+            <a:fld id="{6B1290E2-AA76-4504-80D6-EC6117DDF807}" type="slidenum">
               <a:t>&lt;#&gt;</a:t>
             </a:fld>
           </a:p>
@@ -7927,7 +7831,7 @@
         <p:txBody>
           <a:bodyPr/>
           <a:p>
-            <a:fld id="{D3A63ED8-A13A-41A5-B1EC-3966422AED56}" type="slidenum">
+            <a:fld id="{DF1FE5C0-38CF-4E64-BAA3-20395EC50D07}" type="slidenum">
               <a:t>&lt;#&gt;</a:t>
             </a:fld>
           </a:p>
@@ -8010,7 +7914,7 @@
         <p:txBody>
           <a:bodyPr/>
           <a:p>
-            <a:fld id="{9BD3020B-9B32-4BB6-AAE2-52E60F78D487}" type="slidenum">
+            <a:fld id="{906401A3-9B30-43F0-8B76-AD1862BB3F33}" type="slidenum">
               <a:t>&lt;#&gt;</a:t>
             </a:fld>
           </a:p>
@@ -8167,7 +8071,7 @@
         <p:txBody>
           <a:bodyPr/>
           <a:p>
-            <a:fld id="{38C8A843-7F6A-4906-8EF7-0258593BF51E}" type="slidenum">
+            <a:fld id="{FEA6E6B4-8729-4088-B42C-92FE3ED66CB2}" type="slidenum">
               <a:t>&lt;#&gt;</a:t>
             </a:fld>
           </a:p>
@@ -8321,7 +8225,7 @@
         <p:txBody>
           <a:bodyPr/>
           <a:p>
-            <a:fld id="{CFD818F6-CF64-44F3-8716-BB260CB8C85B}" type="slidenum">
+            <a:fld id="{33E0A178-1E48-4CB5-B7BF-0D099903F716}" type="slidenum">
               <a:t>&lt;#&gt;</a:t>
             </a:fld>
           </a:p>
@@ -8509,7 +8413,7 @@
         <p:txBody>
           <a:bodyPr/>
           <a:p>
-            <a:fld id="{6C4899DA-D905-48DC-B456-49554B0B00FF}" type="slidenum">
+            <a:fld id="{BE3B17CF-306B-4F1C-9202-2036F920679F}" type="slidenum">
               <a:t>&lt;#&gt;</a:t>
             </a:fld>
           </a:p>
@@ -8629,7 +8533,7 @@
         <p:txBody>
           <a:bodyPr/>
           <a:p>
-            <a:fld id="{49ED426A-2858-4D5A-ACDB-CE452D28C9F2}" type="slidenum">
+            <a:fld id="{0E52AACE-3EEC-49FC-8E55-F16293B29D5E}" type="slidenum">
               <a:t>&lt;#&gt;</a:t>
             </a:fld>
           </a:p>
@@ -8749,7 +8653,7 @@
         <p:txBody>
           <a:bodyPr/>
           <a:p>
-            <a:fld id="{677717E9-AAD3-4276-A5E0-0DAC60B3AC48}" type="slidenum">
+            <a:fld id="{D9D1531F-3021-4F1D-ADE9-E602502BC448}" type="slidenum">
               <a:t>&lt;#&gt;</a:t>
             </a:fld>
           </a:p>
@@ -8971,7 +8875,7 @@
         <p:txBody>
           <a:bodyPr/>
           <a:p>
-            <a:fld id="{9FE433B6-1DE8-4371-9727-86009DBC4B4F}" type="slidenum">
+            <a:fld id="{ACD5B534-DB61-48E8-99D6-CDAF807AB904}" type="slidenum">
               <a:t>&lt;#&gt;</a:t>
             </a:fld>
           </a:p>
@@ -9128,7 +9032,7 @@
         <p:txBody>
           <a:bodyPr/>
           <a:p>
-            <a:fld id="{0A306327-ABCF-4990-8F4C-D6613BA00446}" type="slidenum">
+            <a:fld id="{0B262C8E-E9CF-4921-AE9B-F4E23381A23E}" type="slidenum">
               <a:t>&lt;#&gt;</a:t>
             </a:fld>
           </a:p>
@@ -9350,7 +9254,7 @@
         <p:txBody>
           <a:bodyPr/>
           <a:p>
-            <a:fld id="{A7933BC2-863A-4958-8A41-4DA5C48EE765}" type="slidenum">
+            <a:fld id="{286B9F27-C1BC-4CC8-A2E0-4EC7EDA10FB2}" type="slidenum">
               <a:t>&lt;#&gt;</a:t>
             </a:fld>
           </a:p>
@@ -9572,7 +9476,7 @@
         <p:txBody>
           <a:bodyPr/>
           <a:p>
-            <a:fld id="{8B36379B-D3B7-4E4C-A970-759BAA90D1D2}" type="slidenum">
+            <a:fld id="{09BB65EF-5F8A-429B-A53B-28B31BC7438F}" type="slidenum">
               <a:t>&lt;#&gt;</a:t>
             </a:fld>
           </a:p>
@@ -9760,7 +9664,7 @@
         <p:txBody>
           <a:bodyPr/>
           <a:p>
-            <a:fld id="{3800D6AF-8C49-4664-AEBC-1B9B60B837DB}" type="slidenum">
+            <a:fld id="{992D142B-AC02-4265-979C-061D21002B75}" type="slidenum">
               <a:t>&lt;#&gt;</a:t>
             </a:fld>
           </a:p>
@@ -10016,7 +9920,7 @@
         <p:txBody>
           <a:bodyPr/>
           <a:p>
-            <a:fld id="{339B6E0A-17D8-4D10-9339-658B08412F5C}" type="slidenum">
+            <a:fld id="{74DBFC22-0980-4DC6-9F93-AC45AA35DCAC}" type="slidenum">
               <a:t>&lt;#&gt;</a:t>
             </a:fld>
           </a:p>
@@ -10340,7 +10244,7 @@
         <p:txBody>
           <a:bodyPr/>
           <a:p>
-            <a:fld id="{C08F61AB-5885-4E5D-BB19-040F0CEB1C23}" type="slidenum">
+            <a:fld id="{07046A83-DF06-4FEC-8D8C-170009223489}" type="slidenum">
               <a:t>&lt;#&gt;</a:t>
             </a:fld>
           </a:p>
@@ -10891,7 +10795,7 @@
         <p:txBody>
           <a:bodyPr/>
           <a:p>
-            <a:fld id="{D94DA176-961D-4A83-A443-85760D051269}" type="slidenum">
+            <a:fld id="{B7BD8EFD-7383-4360-983E-3EB295285C4B}" type="slidenum">
               <a:t>&lt;#&gt;</a:t>
             </a:fld>
           </a:p>
@@ -12206,7 +12110,7 @@
         <p:txBody>
           <a:bodyPr/>
           <a:p>
-            <a:fld id="{4165963B-0350-4BD1-83A6-30AE7860152E}" type="slidenum">
+            <a:fld id="{174202EC-7464-44AA-BC9E-6454C504F61E}" type="slidenum">
               <a:t>&lt;#&gt;</a:t>
             </a:fld>
           </a:p>
@@ -12326,7 +12230,7 @@
         <p:txBody>
           <a:bodyPr/>
           <a:p>
-            <a:fld id="{820BE62A-3A5B-4CCE-80A2-DE27046C7086}" type="slidenum">
+            <a:fld id="{384AD9F0-CF41-4A3E-8422-56EF89531F3F}" type="slidenum">
               <a:t>&lt;#&gt;</a:t>
             </a:fld>
           </a:p>
@@ -12446,7 +12350,7 @@
         <p:txBody>
           <a:bodyPr/>
           <a:p>
-            <a:fld id="{96DF61B8-35AD-4813-BF9D-0A9553A33391}" type="slidenum">
+            <a:fld id="{FB07E8B1-07ED-4522-A402-DDD87AB0AF4F}" type="slidenum">
               <a:t>&lt;#&gt;</a:t>
             </a:fld>
           </a:p>
@@ -12668,7 +12572,7 @@
         <p:txBody>
           <a:bodyPr/>
           <a:p>
-            <a:fld id="{B54FB641-F61C-4B1C-AC58-4ACD4DD37A40}" type="slidenum">
+            <a:fld id="{7946C00F-0C17-4D93-92F6-EC9342DC31D4}" type="slidenum">
               <a:t>&lt;#&gt;</a:t>
             </a:fld>
           </a:p>
@@ -12890,7 +12794,7 @@
         <p:txBody>
           <a:bodyPr/>
           <a:p>
-            <a:fld id="{4B73E812-8E30-4DFC-B116-600EC465AA9B}" type="slidenum">
+            <a:fld id="{F6ABFC7E-1DD3-4C7F-BD7E-30F6B0F689D8}" type="slidenum">
               <a:t>&lt;#&gt;</a:t>
             </a:fld>
           </a:p>
@@ -13112,7 +13016,7 @@
         <p:txBody>
           <a:bodyPr/>
           <a:p>
-            <a:fld id="{183742AB-9296-402C-8C64-478C1621AA58}" type="slidenum">
+            <a:fld id="{5D112DAD-8C19-4262-BD2F-B303029621BA}" type="slidenum">
               <a:t>&lt;#&gt;</a:t>
             </a:fld>
           </a:p>
@@ -13168,42 +13072,212 @@
             <a:spLocks noGrp="1"/>
           </p:cNvSpPr>
           <p:nvPr>
-            <p:ph type="title"/>
-          </p:nvPr>
-        </p:nvSpPr>
-        <p:spPr>
-          <a:xfrm>
-            <a:off x="609480" y="273600"/>
-            <a:ext cx="10973160" cy="1144440"/>
-          </a:xfrm>
-          <a:prstGeom prst="rect">
-            <a:avLst/>
-          </a:prstGeom>
-          <a:noFill/>
-          <a:ln w="0">
-            <a:noFill/>
-          </a:ln>
-        </p:spPr>
-        <p:txBody>
-          <a:bodyPr lIns="0" rIns="0" tIns="46800" bIns="0" anchor="b">
+            <p:ph type="ftr" idx="1"/>
+          </p:nvPr>
+        </p:nvSpPr>
+        <p:spPr>
+          <a:xfrm>
+            <a:off x="4038480" y="6356520"/>
+            <a:ext cx="4113720" cy="363600"/>
+          </a:xfrm>
+          <a:prstGeom prst="rect">
+            <a:avLst/>
+          </a:prstGeom>
+          <a:noFill/>
+          <a:ln w="0">
+            <a:noFill/>
+          </a:ln>
+        </p:spPr>
+        <p:txBody>
+          <a:bodyPr lIns="90000" rIns="90000" tIns="45000" bIns="45000" anchor="ctr">
             <a:noAutofit/>
           </a:bodyPr>
-          <a:p>
-            <a:r>
-              <a:rPr b="0" lang="en-IN" sz="1800" spc="-1" strike="noStrike">
+          <a:lstStyle>
+            <a:lvl1pPr algn="ctr">
+              <a:lnSpc>
+                <a:spcPct val="100000"/>
+              </a:lnSpc>
+              <a:buNone/>
+              <a:defRPr b="0" lang="en-IN" sz="1400" spc="-1" strike="noStrike">
+                <a:latin typeface="Times New Roman"/>
+              </a:defRPr>
+            </a:lvl1pPr>
+          </a:lstStyle>
+          <a:p>
+            <a:pPr algn="ctr">
+              <a:lnSpc>
+                <a:spcPct val="100000"/>
+              </a:lnSpc>
+              <a:buNone/>
+            </a:pPr>
+            <a:r>
+              <a:rPr b="0" lang="en-IN" sz="1400" spc="-1" strike="noStrike">
+                <a:latin typeface="Times New Roman"/>
+              </a:rPr>
+              <a:t>&lt;footer&gt;</a:t>
+            </a:r>
+            <a:endParaRPr b="0" lang="en-IN" sz="1400" spc="-1" strike="noStrike">
+              <a:latin typeface="Times New Roman"/>
+            </a:endParaRPr>
+          </a:p>
+        </p:txBody>
+      </p:sp>
+      <p:sp>
+        <p:nvSpPr>
+          <p:cNvPr id="1" name="PlaceHolder 2"/>
+          <p:cNvSpPr>
+            <a:spLocks noGrp="1"/>
+          </p:cNvSpPr>
+          <p:nvPr>
+            <p:ph type="sldNum" idx="2"/>
+          </p:nvPr>
+        </p:nvSpPr>
+        <p:spPr>
+          <a:xfrm>
+            <a:off x="8611200" y="6356520"/>
+            <a:ext cx="2742120" cy="363600"/>
+          </a:xfrm>
+          <a:prstGeom prst="rect">
+            <a:avLst/>
+          </a:prstGeom>
+          <a:noFill/>
+          <a:ln w="0">
+            <a:noFill/>
+          </a:ln>
+        </p:spPr>
+        <p:txBody>
+          <a:bodyPr lIns="90000" rIns="90000" tIns="45000" bIns="45000" anchor="ctr">
+            <a:noAutofit/>
+          </a:bodyPr>
+          <a:lstStyle>
+            <a:lvl1pPr algn="r">
+              <a:lnSpc>
+                <a:spcPct val="100000"/>
+              </a:lnSpc>
+              <a:buNone/>
+              <a:defRPr b="0" lang="en-US" sz="1200" spc="-1" strike="noStrike">
+                <a:solidFill>
+                  <a:srgbClr val="8b8b8b"/>
+                </a:solidFill>
+                <a:latin typeface="Calibri"/>
+              </a:defRPr>
+            </a:lvl1pPr>
+          </a:lstStyle>
+          <a:p>
+            <a:pPr algn="r">
+              <a:lnSpc>
+                <a:spcPct val="100000"/>
+              </a:lnSpc>
+              <a:buNone/>
+            </a:pPr>
+            <a:fld id="{12777309-2645-4E23-BB91-783A58074D58}" type="slidenum">
+              <a:rPr b="0" lang="en-US" sz="1200" spc="-1" strike="noStrike">
+                <a:solidFill>
+                  <a:srgbClr val="8b8b8b"/>
+                </a:solidFill>
+                <a:latin typeface="Calibri"/>
+              </a:rPr>
+              <a:t>&lt;number&gt;</a:t>
+            </a:fld>
+            <a:endParaRPr b="0" lang="en-IN" sz="1200" spc="-1" strike="noStrike">
+              <a:latin typeface="Times New Roman"/>
+            </a:endParaRPr>
+          </a:p>
+        </p:txBody>
+      </p:sp>
+      <p:sp>
+        <p:nvSpPr>
+          <p:cNvPr id="2" name="PlaceHolder 3"/>
+          <p:cNvSpPr>
+            <a:spLocks noGrp="1"/>
+          </p:cNvSpPr>
+          <p:nvPr>
+            <p:ph type="dt" idx="3"/>
+          </p:nvPr>
+        </p:nvSpPr>
+        <p:spPr>
+          <a:xfrm>
+            <a:off x="838080" y="6356520"/>
+            <a:ext cx="2742120" cy="363600"/>
+          </a:xfrm>
+          <a:prstGeom prst="rect">
+            <a:avLst/>
+          </a:prstGeom>
+          <a:noFill/>
+          <a:ln w="0">
+            <a:noFill/>
+          </a:ln>
+        </p:spPr>
+        <p:txBody>
+          <a:bodyPr lIns="90000" rIns="90000" tIns="45000" bIns="45000" anchor="ctr">
+            <a:noAutofit/>
+          </a:bodyPr>
+          <a:lstStyle>
+            <a:lvl1pPr>
+              <a:defRPr b="0" lang="en-IN" sz="1400" spc="-1" strike="noStrike">
+                <a:latin typeface="Times New Roman"/>
+              </a:defRPr>
+            </a:lvl1pPr>
+          </a:lstStyle>
+          <a:p>
+            <a:r>
+              <a:rPr b="0" lang="en-IN" sz="1400" spc="-1" strike="noStrike">
+                <a:latin typeface="Times New Roman"/>
+              </a:rPr>
+              <a:t>&lt;date/time&gt;</a:t>
+            </a:r>
+            <a:endParaRPr b="0" lang="en-IN" sz="1400" spc="-1" strike="noStrike">
+              <a:latin typeface="Times New Roman"/>
+            </a:endParaRPr>
+          </a:p>
+        </p:txBody>
+      </p:sp>
+      <p:sp>
+        <p:nvSpPr>
+          <p:cNvPr id="3" name="PlaceHolder 4"/>
+          <p:cNvSpPr>
+            <a:spLocks noGrp="1"/>
+          </p:cNvSpPr>
+          <p:nvPr>
+            <p:ph type="title"/>
+          </p:nvPr>
+        </p:nvSpPr>
+        <p:spPr>
+          <a:xfrm>
+            <a:off x="609480" y="273600"/>
+            <a:ext cx="10973520" cy="1144800"/>
+          </a:xfrm>
+          <a:prstGeom prst="rect">
+            <a:avLst/>
+          </a:prstGeom>
+          <a:noFill/>
+          <a:ln w="0">
+            <a:noFill/>
+          </a:ln>
+        </p:spPr>
+        <p:txBody>
+          <a:bodyPr lIns="0" rIns="0" tIns="0" bIns="0" anchor="ctr">
+            <a:noAutofit/>
+          </a:bodyPr>
+          <a:p>
+            <a:pPr algn="ctr">
+              <a:buNone/>
+            </a:pPr>
+            <a:r>
+              <a:rPr b="0" lang="en-IN" sz="4400" spc="-1" strike="noStrike">
                 <a:latin typeface="Arial"/>
               </a:rPr>
               <a:t>Click to edit the title text format</a:t>
             </a:r>
-            <a:endParaRPr b="0" lang="en-IN" sz="1800" spc="-1" strike="noStrike">
-              <a:latin typeface="Arial"/>
-            </a:endParaRPr>
-          </a:p>
-        </p:txBody>
-      </p:sp>
-      <p:sp>
-        <p:nvSpPr>
-          <p:cNvPr id="1" name="PlaceHolder 2"/>
+            <a:endParaRPr b="0" lang="en-IN" sz="4400" spc="-1" strike="noStrike">
+              <a:latin typeface="Arial"/>
+            </a:endParaRPr>
+          </a:p>
+        </p:txBody>
+      </p:sp>
+      <p:sp>
+        <p:nvSpPr>
+          <p:cNvPr id="4" name="PlaceHolder 5"/>
           <p:cNvSpPr>
             <a:spLocks noGrp="1"/>
           </p:cNvSpPr>
@@ -13214,18 +13288,18 @@
         <p:spPr>
           <a:xfrm>
             <a:off x="609480" y="1604520"/>
-            <a:ext cx="10973160" cy="3976920"/>
-          </a:xfrm>
-          <a:prstGeom prst="rect">
-            <a:avLst/>
-          </a:prstGeom>
-          <a:noFill/>
-          <a:ln w="0">
-            <a:noFill/>
-          </a:ln>
-        </p:spPr>
-        <p:txBody>
-          <a:bodyPr lIns="90000" rIns="90000" tIns="46800" bIns="46800" anchor="t">
+            <a:ext cx="10973520" cy="3977280"/>
+          </a:xfrm>
+          <a:prstGeom prst="rect">
+            <a:avLst/>
+          </a:prstGeom>
+          <a:noFill/>
+          <a:ln w="0">
+            <a:noFill/>
+          </a:ln>
+        </p:spPr>
+        <p:txBody>
+          <a:bodyPr lIns="0" rIns="0" tIns="0" bIns="0" anchor="t">
             <a:normAutofit/>
           </a:bodyPr>
           <a:p>
@@ -13241,12 +13315,12 @@
               <a:buChar char=""/>
             </a:pPr>
             <a:r>
-              <a:rPr b="0" lang="en-IN" sz="1800" spc="-1" strike="noStrike">
+              <a:rPr b="0" lang="en-IN" sz="3200" spc="-1" strike="noStrike">
                 <a:latin typeface="Arial"/>
               </a:rPr>
               <a:t>Click to edit the outline text format</a:t>
             </a:r>
-            <a:endParaRPr b="0" lang="en-IN" sz="1800" spc="-1" strike="noStrike">
+            <a:endParaRPr b="0" lang="en-IN" sz="3200" spc="-1" strike="noStrike">
               <a:latin typeface="Arial"/>
             </a:endParaRPr>
           </a:p>
@@ -13263,12 +13337,12 @@
               <a:buChar char=""/>
             </a:pPr>
             <a:r>
-              <a:rPr b="0" lang="en-IN" sz="1800" spc="-1" strike="noStrike">
+              <a:rPr b="0" lang="en-IN" sz="2800" spc="-1" strike="noStrike">
                 <a:latin typeface="Arial"/>
               </a:rPr>
               <a:t>Second Outline Level</a:t>
             </a:r>
-            <a:endParaRPr b="0" lang="en-IN" sz="1800" spc="-1" strike="noStrike">
+            <a:endParaRPr b="0" lang="en-IN" sz="2800" spc="-1" strike="noStrike">
               <a:latin typeface="Arial"/>
             </a:endParaRPr>
           </a:p>
@@ -13285,12 +13359,12 @@
               <a:buChar char=""/>
             </a:pPr>
             <a:r>
-              <a:rPr b="0" lang="en-IN" sz="1800" spc="-1" strike="noStrike">
+              <a:rPr b="0" lang="en-IN" sz="2400" spc="-1" strike="noStrike">
                 <a:latin typeface="Arial"/>
               </a:rPr>
               <a:t>Third Outline Level</a:t>
             </a:r>
-            <a:endParaRPr b="0" lang="en-IN" sz="1800" spc="-1" strike="noStrike">
+            <a:endParaRPr b="0" lang="en-IN" sz="2400" spc="-1" strike="noStrike">
               <a:latin typeface="Arial"/>
             </a:endParaRPr>
           </a:p>
@@ -13307,12 +13381,12 @@
               <a:buChar char=""/>
             </a:pPr>
             <a:r>
-              <a:rPr b="0" lang="en-IN" sz="1800" spc="-1" strike="noStrike">
+              <a:rPr b="0" lang="en-IN" sz="2000" spc="-1" strike="noStrike">
                 <a:latin typeface="Arial"/>
               </a:rPr>
               <a:t>Fourth Outline Level</a:t>
             </a:r>
-            <a:endParaRPr b="0" lang="en-IN" sz="1800" spc="-1" strike="noStrike">
+            <a:endParaRPr b="0" lang="en-IN" sz="2000" spc="-1" strike="noStrike">
               <a:latin typeface="Arial"/>
             </a:endParaRPr>
           </a:p>
@@ -13329,12 +13403,12 @@
               <a:buChar char=""/>
             </a:pPr>
             <a:r>
-              <a:rPr b="0" lang="en-IN" sz="1800" spc="-1" strike="noStrike">
+              <a:rPr b="0" lang="en-IN" sz="2000" spc="-1" strike="noStrike">
                 <a:latin typeface="Arial"/>
               </a:rPr>
               <a:t>Fifth Outline Level</a:t>
             </a:r>
-            <a:endParaRPr b="0" lang="en-IN" sz="1800" spc="-1" strike="noStrike">
+            <a:endParaRPr b="0" lang="en-IN" sz="2000" spc="-1" strike="noStrike">
               <a:latin typeface="Arial"/>
             </a:endParaRPr>
           </a:p>
@@ -13351,12 +13425,12 @@
               <a:buChar char=""/>
             </a:pPr>
             <a:r>
-              <a:rPr b="0" lang="en-IN" sz="1800" spc="-1" strike="noStrike">
+              <a:rPr b="0" lang="en-IN" sz="2000" spc="-1" strike="noStrike">
                 <a:latin typeface="Arial"/>
               </a:rPr>
               <a:t>Sixth Outline Level</a:t>
             </a:r>
-            <a:endParaRPr b="0" lang="en-IN" sz="1800" spc="-1" strike="noStrike">
+            <a:endParaRPr b="0" lang="en-IN" sz="2000" spc="-1" strike="noStrike">
               <a:latin typeface="Arial"/>
             </a:endParaRPr>
           </a:p>
@@ -13373,180 +13447,13 @@
               <a:buChar char=""/>
             </a:pPr>
             <a:r>
-              <a:rPr b="0" lang="en-IN" sz="1800" spc="-1" strike="noStrike">
+              <a:rPr b="0" lang="en-IN" sz="2000" spc="-1" strike="noStrike">
                 <a:latin typeface="Arial"/>
               </a:rPr>
               <a:t>Seventh Outline Level</a:t>
             </a:r>
-            <a:endParaRPr b="0" lang="en-IN" sz="1800" spc="-1" strike="noStrike">
-              <a:latin typeface="Arial"/>
-            </a:endParaRPr>
-          </a:p>
-        </p:txBody>
-      </p:sp>
-      <p:sp>
-        <p:nvSpPr>
-          <p:cNvPr id="2" name="PlaceHolder 3"/>
-          <p:cNvSpPr>
-            <a:spLocks noGrp="1"/>
-          </p:cNvSpPr>
-          <p:nvPr>
-            <p:ph type="ftr" idx="1"/>
-          </p:nvPr>
-        </p:nvSpPr>
-        <p:spPr>
-          <a:xfrm>
-            <a:off x="4038480" y="6356520"/>
-            <a:ext cx="4114080" cy="363960"/>
-          </a:xfrm>
-          <a:prstGeom prst="rect">
-            <a:avLst/>
-          </a:prstGeom>
-          <a:noFill/>
-          <a:ln w="0">
-            <a:noFill/>
-          </a:ln>
-        </p:spPr>
-        <p:txBody>
-          <a:bodyPr lIns="90000" rIns="90000" tIns="45000" bIns="45000" anchor="ctr">
-            <a:noAutofit/>
-          </a:bodyPr>
-          <a:lstStyle>
-            <a:lvl1pPr algn="ctr">
-              <a:lnSpc>
-                <a:spcPct val="100000"/>
-              </a:lnSpc>
-              <a:buNone/>
-              <a:defRPr b="0" lang="en-IN" sz="1400" spc="-1" strike="noStrike">
-                <a:latin typeface="Times New Roman"/>
-              </a:defRPr>
-            </a:lvl1pPr>
-          </a:lstStyle>
-          <a:p>
-            <a:pPr algn="ctr">
-              <a:lnSpc>
-                <a:spcPct val="100000"/>
-              </a:lnSpc>
-              <a:buNone/>
-            </a:pPr>
-            <a:r>
-              <a:rPr b="0" lang="en-IN" sz="1400" spc="-1" strike="noStrike">
-                <a:latin typeface="Times New Roman"/>
-              </a:rPr>
-              <a:t>&lt;footer&gt;</a:t>
-            </a:r>
-            <a:endParaRPr b="0" lang="en-IN" sz="1400" spc="-1" strike="noStrike">
-              <a:latin typeface="Times New Roman"/>
-            </a:endParaRPr>
-          </a:p>
-        </p:txBody>
-      </p:sp>
-      <p:sp>
-        <p:nvSpPr>
-          <p:cNvPr id="3" name="PlaceHolder 4"/>
-          <p:cNvSpPr>
-            <a:spLocks noGrp="1"/>
-          </p:cNvSpPr>
-          <p:nvPr>
-            <p:ph type="sldNum" idx="2"/>
-          </p:nvPr>
-        </p:nvSpPr>
-        <p:spPr>
-          <a:xfrm>
-            <a:off x="8611200" y="6356520"/>
-            <a:ext cx="2742480" cy="363960"/>
-          </a:xfrm>
-          <a:prstGeom prst="rect">
-            <a:avLst/>
-          </a:prstGeom>
-          <a:noFill/>
-          <a:ln w="0">
-            <a:noFill/>
-          </a:ln>
-        </p:spPr>
-        <p:txBody>
-          <a:bodyPr lIns="90000" rIns="90000" tIns="45000" bIns="45000" anchor="ctr">
-            <a:noAutofit/>
-          </a:bodyPr>
-          <a:lstStyle>
-            <a:lvl1pPr algn="r">
-              <a:lnSpc>
-                <a:spcPct val="100000"/>
-              </a:lnSpc>
-              <a:buNone/>
-              <a:defRPr b="0" lang="en-US" sz="1200" spc="-1" strike="noStrike">
-                <a:solidFill>
-                  <a:srgbClr val="8b8b8b"/>
-                </a:solidFill>
-                <a:latin typeface="Calibri"/>
-              </a:defRPr>
-            </a:lvl1pPr>
-          </a:lstStyle>
-          <a:p>
-            <a:pPr algn="r">
-              <a:lnSpc>
-                <a:spcPct val="100000"/>
-              </a:lnSpc>
-              <a:buNone/>
-            </a:pPr>
-            <a:fld id="{D2DC55CD-DF41-45AA-B35E-43024536C67E}" type="slidenum">
-              <a:rPr b="0" lang="en-US" sz="1200" spc="-1" strike="noStrike">
-                <a:solidFill>
-                  <a:srgbClr val="8b8b8b"/>
-                </a:solidFill>
-                <a:latin typeface="Calibri"/>
-              </a:rPr>
-              <a:t>&lt;number&gt;</a:t>
-            </a:fld>
-            <a:endParaRPr b="0" lang="en-IN" sz="1200" spc="-1" strike="noStrike">
-              <a:latin typeface="Times New Roman"/>
-            </a:endParaRPr>
-          </a:p>
-        </p:txBody>
-      </p:sp>
-      <p:sp>
-        <p:nvSpPr>
-          <p:cNvPr id="4" name="PlaceHolder 5"/>
-          <p:cNvSpPr>
-            <a:spLocks noGrp="1"/>
-          </p:cNvSpPr>
-          <p:nvPr>
-            <p:ph type="dt" idx="3"/>
-          </p:nvPr>
-        </p:nvSpPr>
-        <p:spPr>
-          <a:xfrm>
-            <a:off x="838080" y="6356520"/>
-            <a:ext cx="2742480" cy="363960"/>
-          </a:xfrm>
-          <a:prstGeom prst="rect">
-            <a:avLst/>
-          </a:prstGeom>
-          <a:noFill/>
-          <a:ln w="0">
-            <a:noFill/>
-          </a:ln>
-        </p:spPr>
-        <p:txBody>
-          <a:bodyPr lIns="90000" rIns="90000" tIns="45000" bIns="45000" anchor="ctr">
-            <a:noAutofit/>
-          </a:bodyPr>
-          <a:lstStyle>
-            <a:lvl1pPr>
-              <a:defRPr b="0" lang="en-IN" sz="1400" spc="-1" strike="noStrike">
-                <a:latin typeface="Times New Roman"/>
-              </a:defRPr>
-            </a:lvl1pPr>
-          </a:lstStyle>
-          <a:p>
-            <a:r>
-              <a:rPr b="0" lang="en-IN" sz="1400" spc="-1" strike="noStrike">
-                <a:latin typeface="Times New Roman"/>
-              </a:rPr>
-              <a:t>&lt;date/time&gt;</a:t>
-            </a:r>
-            <a:endParaRPr b="0" lang="en-IN" sz="1400" spc="-1" strike="noStrike">
-              <a:latin typeface="Times New Roman"/>
+            <a:endParaRPr b="0" lang="en-IN" sz="2000" spc="-1" strike="noStrike">
+              <a:latin typeface="Arial"/>
             </a:endParaRPr>
           </a:p>
         </p:txBody>
@@ -13601,7 +13508,7 @@
         <p:spPr>
           <a:xfrm>
             <a:off x="4038480" y="6356520"/>
-            <a:ext cx="4114080" cy="363960"/>
+            <a:ext cx="4113720" cy="363600"/>
           </a:xfrm>
           <a:prstGeom prst="rect">
             <a:avLst/>
@@ -13658,7 +13565,7 @@
         <p:spPr>
           <a:xfrm>
             <a:off x="8611200" y="6356520"/>
-            <a:ext cx="2742480" cy="363960"/>
+            <a:ext cx="2742120" cy="363600"/>
           </a:xfrm>
           <a:prstGeom prst="rect">
             <a:avLst/>
@@ -13693,7 +13600,7 @@
               </a:lnSpc>
               <a:buNone/>
             </a:pPr>
-            <a:fld id="{A7D5B506-5F50-485B-8D62-E02AA08F27C9}" type="slidenum">
+            <a:fld id="{E2437797-6A5E-4C89-B1F8-8837E2C1B43A}" type="slidenum">
               <a:rPr b="0" lang="en-US" sz="1200" spc="-1" strike="noStrike">
                 <a:solidFill>
                   <a:srgbClr val="8b8b8b"/>
@@ -13721,7 +13628,7 @@
         <p:spPr>
           <a:xfrm>
             <a:off x="838080" y="6356520"/>
-            <a:ext cx="2742480" cy="363960"/>
+            <a:ext cx="2742120" cy="363600"/>
           </a:xfrm>
           <a:prstGeom prst="rect">
             <a:avLst/>
@@ -14004,14 +13911,6 @@
 <file path=ppt/slideMasters/slideMaster3.xml><?xml version="1.0" encoding="utf-8"?>
 <p:sldMaster xmlns:a="http://schemas.openxmlformats.org/drawingml/2006/main" xmlns:p="http://schemas.openxmlformats.org/presentationml/2006/main" xmlns:r="http://schemas.openxmlformats.org/officeDocument/2006/relationships" xmlns:p14="http://schemas.microsoft.com/office/powerpoint/2010/main" xmlns:p15="http://schemas.microsoft.com/office/powerpoint/2012/main" xmlns:mc="http://schemas.openxmlformats.org/markup-compatibility/2006">
   <p:cSld>
-    <p:bg>
-      <p:bgPr>
-        <a:blipFill rotWithShape="0">
-          <a:blip r:embed="rId2"/>
-          <a:stretch/>
-        </a:blipFill>
-      </p:bgPr>
-    </p:bg>
     <p:spTree>
       <p:nvGrpSpPr>
         <p:cNvPr id="1" name=""/>
@@ -14256,18 +14155,18 @@
   </p:cSld>
   <p:clrMap bg1="lt1" bg2="lt2" tx1="dk1" tx2="dk2" accent1="accent1" accent2="accent2" accent3="accent3" accent4="accent4" accent5="accent5" accent6="accent6" hlink="hlink" folHlink="folHlink"/>
   <p:sldLayoutIdLst>
-    <p:sldLayoutId id="2147483675" r:id="rId3"/>
-    <p:sldLayoutId id="2147483676" r:id="rId4"/>
-    <p:sldLayoutId id="2147483677" r:id="rId5"/>
-    <p:sldLayoutId id="2147483678" r:id="rId6"/>
-    <p:sldLayoutId id="2147483679" r:id="rId7"/>
-    <p:sldLayoutId id="2147483680" r:id="rId8"/>
-    <p:sldLayoutId id="2147483681" r:id="rId9"/>
-    <p:sldLayoutId id="2147483682" r:id="rId10"/>
-    <p:sldLayoutId id="2147483683" r:id="rId11"/>
-    <p:sldLayoutId id="2147483684" r:id="rId12"/>
-    <p:sldLayoutId id="2147483685" r:id="rId13"/>
-    <p:sldLayoutId id="2147483686" r:id="rId14"/>
+    <p:sldLayoutId id="2147483675" r:id="rId2"/>
+    <p:sldLayoutId id="2147483676" r:id="rId3"/>
+    <p:sldLayoutId id="2147483677" r:id="rId4"/>
+    <p:sldLayoutId id="2147483678" r:id="rId5"/>
+    <p:sldLayoutId id="2147483679" r:id="rId6"/>
+    <p:sldLayoutId id="2147483680" r:id="rId7"/>
+    <p:sldLayoutId id="2147483681" r:id="rId8"/>
+    <p:sldLayoutId id="2147483682" r:id="rId9"/>
+    <p:sldLayoutId id="2147483683" r:id="rId10"/>
+    <p:sldLayoutId id="2147483684" r:id="rId11"/>
+    <p:sldLayoutId id="2147483685" r:id="rId12"/>
+    <p:sldLayoutId id="2147483686" r:id="rId13"/>
   </p:sldLayoutIdLst>
 </p:sldMaster>
 </file>
@@ -14302,7 +14201,7 @@
         <p:spPr>
           <a:xfrm>
             <a:off x="2976840" y="2285640"/>
-            <a:ext cx="6158520" cy="2691360"/>
+            <a:ext cx="6158160" cy="2691000"/>
           </a:xfrm>
           <a:prstGeom prst="rect">
             <a:avLst/>
@@ -14325,7 +14224,7 @@
         <p:spPr>
           <a:xfrm>
             <a:off x="1523880" y="1851840"/>
-            <a:ext cx="9143640" cy="993240"/>
+            <a:ext cx="9143280" cy="992880"/>
           </a:xfrm>
           <a:prstGeom prst="rect">
             <a:avLst/>
@@ -14370,7 +14269,7 @@
         <p:spPr>
           <a:xfrm>
             <a:off x="4630680" y="4717800"/>
-            <a:ext cx="2742480" cy="516240"/>
+            <a:ext cx="2742120" cy="516240"/>
           </a:xfrm>
           <a:prstGeom prst="rect">
             <a:avLst/>
@@ -14451,7 +14350,7 @@
         <p:spPr>
           <a:xfrm>
             <a:off x="838080" y="365040"/>
-            <a:ext cx="10515600" cy="1324440"/>
+            <a:ext cx="10515240" cy="1324080"/>
           </a:xfrm>
           <a:prstGeom prst="rect">
             <a:avLst/>
@@ -14500,7 +14399,7 @@
         <p:spPr>
           <a:xfrm>
             <a:off x="838080" y="1825560"/>
-            <a:ext cx="10515600" cy="4350240"/>
+            <a:ext cx="10515240" cy="4349880"/>
           </a:xfrm>
           <a:prstGeom prst="rect">
             <a:avLst/>
@@ -14626,7 +14525,7 @@
         <p:spPr>
           <a:xfrm>
             <a:off x="1203120" y="2445840"/>
-            <a:ext cx="8891280" cy="1485720"/>
+            <a:ext cx="8890920" cy="1485360"/>
           </a:xfrm>
           <a:prstGeom prst="rect">
             <a:avLst/>
@@ -14674,7 +14573,7 @@
         <p:spPr>
           <a:xfrm>
             <a:off x="838080" y="365040"/>
-            <a:ext cx="10515600" cy="1324440"/>
+            <a:ext cx="10515240" cy="1324080"/>
           </a:xfrm>
           <a:prstGeom prst="rect">
             <a:avLst/>
@@ -14723,7 +14622,7 @@
         <p:spPr>
           <a:xfrm>
             <a:off x="5810400" y="818280"/>
-            <a:ext cx="5203440" cy="4968720"/>
+            <a:ext cx="5203080" cy="4968360"/>
           </a:xfrm>
           <a:prstGeom prst="rect">
             <a:avLst/>
@@ -14742,7 +14641,7 @@
         <p:spPr>
           <a:xfrm>
             <a:off x="838080" y="1614960"/>
-            <a:ext cx="4463280" cy="3015720"/>
+            <a:ext cx="4462920" cy="3015720"/>
           </a:xfrm>
           <a:prstGeom prst="rect">
             <a:avLst/>
@@ -14873,7 +14772,7 @@
         <p:spPr>
           <a:xfrm>
             <a:off x="9000000" y="6084000"/>
-            <a:ext cx="2520000" cy="720000"/>
+            <a:ext cx="2519640" cy="719640"/>
           </a:xfrm>
           <a:prstGeom prst="rect">
             <a:avLst/>
@@ -14899,19 +14798,20 @@
           </a:bodyPr>
           <a:p>
             <a:pPr algn="ctr">
+              <a:lnSpc>
+                <a:spcPct val="100000"/>
+              </a:lnSpc>
               <a:buNone/>
             </a:pPr>
             <a:r>
               <a:rPr b="0" lang="en-IN" sz="1800" spc="-1" strike="noStrike">
+                <a:solidFill>
+                  <a:srgbClr val="000000"/>
+                </a:solidFill>
                 <a:latin typeface="Arial"/>
-              </a:rPr>
-              <a:t>Days of the week in </a:t>
-            </a:r>
-            <a:r>
-              <a:rPr b="0" lang="en-IN" sz="1800" spc="-1" strike="noStrike">
-                <a:latin typeface="Arial"/>
-              </a:rPr>
-              <a:t>Scottish Gaelic</a:t>
+                <a:ea typeface="DejaVu Sans"/>
+              </a:rPr>
+              <a:t>Days of the week in Scottish Gaelic</a:t>
             </a:r>
             <a:endParaRPr b="0" lang="en-IN" sz="1800" spc="-1" strike="noStrike">
               <a:latin typeface="Arial"/>
@@ -14928,7 +14828,7 @@
         <p:spPr>
           <a:xfrm>
             <a:off x="7560000" y="36000"/>
-            <a:ext cx="2520000" cy="720000"/>
+            <a:ext cx="2519640" cy="719640"/>
           </a:xfrm>
           <a:prstGeom prst="rect">
             <a:avLst/>
@@ -14954,11 +14854,18 @@
           </a:bodyPr>
           <a:p>
             <a:pPr algn="ctr">
+              <a:lnSpc>
+                <a:spcPct val="100000"/>
+              </a:lnSpc>
               <a:buNone/>
             </a:pPr>
             <a:r>
               <a:rPr b="0" lang="en-IN" sz="1800" spc="-1" strike="noStrike">
+                <a:solidFill>
+                  <a:srgbClr val="000000"/>
+                </a:solidFill>
                 <a:latin typeface="Arial"/>
+                <a:ea typeface="DejaVu Sans"/>
               </a:rPr>
               <a:t>Language Dictionary:</a:t>
             </a:r>
@@ -14977,7 +14884,7 @@
         <p:spPr>
           <a:xfrm>
             <a:off x="5760000" y="6084000"/>
-            <a:ext cx="2520000" cy="720000"/>
+            <a:ext cx="2519640" cy="719640"/>
           </a:xfrm>
           <a:prstGeom prst="rect">
             <a:avLst/>
@@ -15003,11 +14910,18 @@
           </a:bodyPr>
           <a:p>
             <a:pPr algn="ctr">
+              <a:lnSpc>
+                <a:spcPct val="100000"/>
+              </a:lnSpc>
               <a:buNone/>
             </a:pPr>
             <a:r>
               <a:rPr b="0" lang="en-IN" sz="1800" spc="-1" strike="noStrike">
+                <a:solidFill>
+                  <a:srgbClr val="000000"/>
+                </a:solidFill>
                 <a:latin typeface="Arial"/>
+                <a:ea typeface="DejaVu Sans"/>
               </a:rPr>
               <a:t>Days of the week in English</a:t>
             </a:r>
@@ -15395,7 +15309,7 @@
         <p:spPr>
           <a:xfrm>
             <a:off x="1852560" y="3318120"/>
-            <a:ext cx="2350440" cy="927720"/>
+            <a:ext cx="2350080" cy="927360"/>
           </a:xfrm>
           <a:prstGeom prst="rect">
             <a:avLst/>
@@ -15418,7 +15332,7 @@
         <p:spPr>
           <a:xfrm>
             <a:off x="838080" y="365040"/>
-            <a:ext cx="10515600" cy="1324440"/>
+            <a:ext cx="10515240" cy="1324080"/>
           </a:xfrm>
           <a:prstGeom prst="rect">
             <a:avLst/>
@@ -15467,7 +15381,7 @@
         <p:spPr>
           <a:xfrm>
             <a:off x="838080" y="1825560"/>
-            <a:ext cx="10515600" cy="4350240"/>
+            <a:ext cx="10515240" cy="4349880"/>
           </a:xfrm>
           <a:prstGeom prst="rect">
             <a:avLst/>
@@ -15535,8 +15449,8 @@
         </p:nvSpPr>
         <p:spPr>
           <a:xfrm flipV="1">
-            <a:off x="2176920" y="3531240"/>
-            <a:ext cx="517680" cy="1248480"/>
+            <a:off x="2176920" y="3530520"/>
+            <a:ext cx="517320" cy="1248120"/>
           </a:xfrm>
           <a:custGeom>
             <a:avLst/>
@@ -15584,7 +15498,7 @@
         <p:spPr>
           <a:xfrm flipV="1">
             <a:off x="2515680" y="4190760"/>
-            <a:ext cx="1503720" cy="705240"/>
+            <a:ext cx="1503360" cy="704880"/>
           </a:xfrm>
           <a:custGeom>
             <a:avLst/>
@@ -15632,7 +15546,7 @@
         <p:spPr>
           <a:xfrm>
             <a:off x="1064520" y="4933800"/>
-            <a:ext cx="2742480" cy="363960"/>
+            <a:ext cx="2742120" cy="363960"/>
           </a:xfrm>
           <a:prstGeom prst="rect">
             <a:avLst/>
@@ -15683,8 +15597,8 @@
         </p:nvSpPr>
         <p:spPr>
           <a:xfrm flipH="1" flipV="1">
-            <a:off x="4202640" y="3525480"/>
-            <a:ext cx="1585080" cy="511920"/>
+            <a:off x="4202640" y="3524760"/>
+            <a:ext cx="1584720" cy="511560"/>
           </a:xfrm>
           <a:custGeom>
             <a:avLst/>
@@ -15732,7 +15646,7 @@
         <p:spPr>
           <a:xfrm>
             <a:off x="5455080" y="3958200"/>
-            <a:ext cx="2742480" cy="363960"/>
+            <a:ext cx="2742120" cy="363960"/>
           </a:xfrm>
           <a:prstGeom prst="rect">
             <a:avLst/>
@@ -16298,7 +16212,7 @@
         <p:spPr>
           <a:xfrm>
             <a:off x="838080" y="365040"/>
-            <a:ext cx="10515600" cy="1324440"/>
+            <a:ext cx="10515240" cy="1324080"/>
           </a:xfrm>
           <a:prstGeom prst="rect">
             <a:avLst/>
@@ -16347,7 +16261,7 @@
         <p:spPr>
           <a:xfrm>
             <a:off x="838080" y="1825560"/>
-            <a:ext cx="10515600" cy="4350240"/>
+            <a:ext cx="10515240" cy="4349880"/>
           </a:xfrm>
           <a:prstGeom prst="rect">
             <a:avLst/>
@@ -16509,7 +16423,7 @@
         <p:spPr>
           <a:xfrm>
             <a:off x="838080" y="365040"/>
-            <a:ext cx="10515600" cy="1324440"/>
+            <a:ext cx="10515240" cy="1324080"/>
           </a:xfrm>
           <a:prstGeom prst="rect">
             <a:avLst/>
@@ -16554,7 +16468,7 @@
         <p:spPr>
           <a:xfrm>
             <a:off x="838080" y="1651680"/>
-            <a:ext cx="10449360" cy="455400"/>
+            <a:ext cx="10449000" cy="455400"/>
           </a:xfrm>
           <a:prstGeom prst="rect">
             <a:avLst/>
@@ -16610,7 +16524,7 @@
         <p:spPr>
           <a:xfrm>
             <a:off x="808560" y="2345040"/>
-            <a:ext cx="8728920" cy="2635200"/>
+            <a:ext cx="8728560" cy="2634840"/>
           </a:xfrm>
           <a:prstGeom prst="rect">
             <a:avLst/>
@@ -16658,7 +16572,7 @@
         <p:spPr>
           <a:xfrm>
             <a:off x="838080" y="365040"/>
-            <a:ext cx="10515600" cy="1324440"/>
+            <a:ext cx="10515240" cy="1324080"/>
           </a:xfrm>
           <a:prstGeom prst="rect">
             <a:avLst/>
@@ -16707,7 +16621,7 @@
         <p:spPr>
           <a:xfrm>
             <a:off x="1207440" y="2778480"/>
-            <a:ext cx="9059760" cy="1236240"/>
+            <a:ext cx="9059400" cy="1235880"/>
           </a:xfrm>
           <a:prstGeom prst="rect">
             <a:avLst/>
@@ -16726,7 +16640,7 @@
         <p:spPr>
           <a:xfrm>
             <a:off x="839160" y="1692360"/>
-            <a:ext cx="9697320" cy="516240"/>
+            <a:ext cx="9696960" cy="516240"/>
           </a:xfrm>
           <a:prstGeom prst="rect">
             <a:avLst/>
@@ -16778,7 +16692,7 @@
         <p:spPr>
           <a:xfrm>
             <a:off x="839160" y="4762080"/>
-            <a:ext cx="9697320" cy="516240"/>
+            <a:ext cx="9696960" cy="516240"/>
           </a:xfrm>
           <a:prstGeom prst="rect">
             <a:avLst/>
@@ -16859,7 +16773,7 @@
         <p:spPr>
           <a:xfrm>
             <a:off x="838080" y="365040"/>
-            <a:ext cx="10515600" cy="1324440"/>
+            <a:ext cx="10515240" cy="1324080"/>
           </a:xfrm>
           <a:prstGeom prst="rect">
             <a:avLst/>
@@ -16908,7 +16822,7 @@
         <p:spPr>
           <a:xfrm>
             <a:off x="918360" y="2493720"/>
-            <a:ext cx="8937360" cy="2611800"/>
+            <a:ext cx="8937000" cy="2611440"/>
           </a:xfrm>
           <a:prstGeom prst="rect">
             <a:avLst/>
@@ -16927,7 +16841,7 @@
         <p:spPr>
           <a:xfrm>
             <a:off x="839160" y="1692360"/>
-            <a:ext cx="10137600" cy="516240"/>
+            <a:ext cx="10137240" cy="516240"/>
           </a:xfrm>
           <a:prstGeom prst="rect">
             <a:avLst/>
@@ -17008,7 +16922,7 @@
         <p:spPr>
           <a:xfrm>
             <a:off x="838080" y="365040"/>
-            <a:ext cx="10515600" cy="1324440"/>
+            <a:ext cx="10515240" cy="1324080"/>
           </a:xfrm>
           <a:prstGeom prst="rect">
             <a:avLst/>
@@ -17057,7 +16971,7 @@
         <p:spPr>
           <a:xfrm>
             <a:off x="838080" y="1825560"/>
-            <a:ext cx="10515600" cy="4350240"/>
+            <a:ext cx="10515240" cy="4349880"/>
           </a:xfrm>
           <a:prstGeom prst="rect">
             <a:avLst/>
@@ -17223,7 +17137,7 @@
         <p:spPr>
           <a:xfrm>
             <a:off x="837360" y="2542320"/>
-            <a:ext cx="7826040" cy="1357560"/>
+            <a:ext cx="7825680" cy="1357200"/>
           </a:xfrm>
           <a:prstGeom prst="rect">
             <a:avLst/>
@@ -17271,7 +17185,7 @@
         <p:spPr>
           <a:xfrm>
             <a:off x="838080" y="365040"/>
-            <a:ext cx="10515600" cy="1324440"/>
+            <a:ext cx="10515240" cy="1324080"/>
           </a:xfrm>
           <a:prstGeom prst="rect">
             <a:avLst/>
@@ -17320,7 +17234,7 @@
         <p:spPr>
           <a:xfrm>
             <a:off x="838080" y="1616760"/>
-            <a:ext cx="10515600" cy="2053440"/>
+            <a:ext cx="10515240" cy="2053080"/>
           </a:xfrm>
           <a:prstGeom prst="rect">
             <a:avLst/>
@@ -17492,7 +17406,7 @@
         <p:spPr>
           <a:xfrm>
             <a:off x="1084320" y="3668760"/>
-            <a:ext cx="7754400" cy="2395440"/>
+            <a:ext cx="7754040" cy="2395080"/>
           </a:xfrm>
           <a:prstGeom prst="rect">
             <a:avLst/>
@@ -17540,7 +17454,7 @@
         <p:spPr>
           <a:xfrm>
             <a:off x="838080" y="365040"/>
-            <a:ext cx="10515600" cy="1324440"/>
+            <a:ext cx="10515240" cy="1324080"/>
           </a:xfrm>
           <a:prstGeom prst="rect">
             <a:avLst/>
@@ -17589,7 +17503,7 @@
         <p:spPr>
           <a:xfrm>
             <a:off x="838080" y="1825560"/>
-            <a:ext cx="10515600" cy="4350240"/>
+            <a:ext cx="10515240" cy="4349880"/>
           </a:xfrm>
           <a:prstGeom prst="rect">
             <a:avLst/>
@@ -17662,7 +17576,7 @@
         <p:spPr>
           <a:xfrm>
             <a:off x="1074600" y="2628720"/>
-            <a:ext cx="6243480" cy="1535400"/>
+            <a:ext cx="6243120" cy="1535040"/>
           </a:xfrm>
           <a:prstGeom prst="rect">
             <a:avLst/>
@@ -17681,7 +17595,7 @@
         <p:spPr>
           <a:xfrm>
             <a:off x="1860840" y="2719440"/>
-            <a:ext cx="999000" cy="355320"/>
+            <a:ext cx="998640" cy="354960"/>
           </a:xfrm>
           <a:prstGeom prst="roundRect">
             <a:avLst>
@@ -17716,8 +17630,8 @@
         </p:nvSpPr>
         <p:spPr>
           <a:xfrm flipH="1" flipV="1">
-            <a:off x="2989080" y="2849040"/>
-            <a:ext cx="2304720" cy="18360"/>
+            <a:off x="2988360" y="2849040"/>
+            <a:ext cx="2304360" cy="18000"/>
           </a:xfrm>
           <a:custGeom>
             <a:avLst/>
@@ -17765,7 +17679,7 @@
         <p:spPr>
           <a:xfrm>
             <a:off x="5291280" y="2663640"/>
-            <a:ext cx="2585880" cy="363960"/>
+            <a:ext cx="2585520" cy="363960"/>
           </a:xfrm>
           <a:prstGeom prst="rect">
             <a:avLst/>
@@ -17817,7 +17731,7 @@
         <p:spPr>
           <a:xfrm>
             <a:off x="1904040" y="3041640"/>
-            <a:ext cx="2062080" cy="387360"/>
+            <a:ext cx="2061720" cy="387000"/>
           </a:xfrm>
           <a:prstGeom prst="roundRect">
             <a:avLst>
@@ -17853,7 +17767,7 @@
         <p:spPr>
           <a:xfrm>
             <a:off x="1989720" y="3674880"/>
-            <a:ext cx="3393000" cy="387360"/>
+            <a:ext cx="3392640" cy="387000"/>
           </a:xfrm>
           <a:prstGeom prst="roundRect">
             <a:avLst>
@@ -17888,8 +17802,8 @@
         </p:nvSpPr>
         <p:spPr>
           <a:xfrm flipH="1" flipV="1">
-            <a:off x="4029840" y="3235320"/>
-            <a:ext cx="2304720" cy="18360"/>
+            <a:off x="4029120" y="3235320"/>
+            <a:ext cx="2304360" cy="18000"/>
           </a:xfrm>
           <a:custGeom>
             <a:avLst/>
@@ -17936,8 +17850,8 @@
         </p:nvSpPr>
         <p:spPr>
           <a:xfrm flipH="1" flipV="1">
-            <a:off x="5479200" y="3868560"/>
-            <a:ext cx="2304720" cy="18360"/>
+            <a:off x="5478480" y="3868560"/>
+            <a:ext cx="2304360" cy="18000"/>
           </a:xfrm>
           <a:custGeom>
             <a:avLst/>
@@ -17985,7 +17899,7 @@
         <p:spPr>
           <a:xfrm>
             <a:off x="6364800" y="3060720"/>
-            <a:ext cx="3186720" cy="363960"/>
+            <a:ext cx="3186360" cy="363960"/>
           </a:xfrm>
           <a:prstGeom prst="rect">
             <a:avLst/>
@@ -18047,7 +17961,7 @@
         <p:spPr>
           <a:xfrm>
             <a:off x="7781400" y="3672720"/>
-            <a:ext cx="2918520" cy="638280"/>
+            <a:ext cx="2918160" cy="638280"/>
           </a:xfrm>
           <a:prstGeom prst="rect">
             <a:avLst/>
@@ -18998,7 +18912,7 @@
         <p:spPr>
           <a:xfrm>
             <a:off x="838080" y="365040"/>
-            <a:ext cx="10515600" cy="1324440"/>
+            <a:ext cx="10515240" cy="1324080"/>
           </a:xfrm>
           <a:prstGeom prst="rect">
             <a:avLst/>
@@ -19047,7 +18961,7 @@
         <p:spPr>
           <a:xfrm>
             <a:off x="838080" y="1825560"/>
-            <a:ext cx="10515600" cy="4350240"/>
+            <a:ext cx="10515240" cy="4349880"/>
           </a:xfrm>
           <a:prstGeom prst="rect">
             <a:avLst/>
@@ -19148,7 +19062,7 @@
         <p:spPr>
           <a:xfrm>
             <a:off x="961920" y="3425760"/>
-            <a:ext cx="9249840" cy="1684080"/>
+            <a:ext cx="9249480" cy="1683720"/>
           </a:xfrm>
           <a:prstGeom prst="rect">
             <a:avLst/>
@@ -19196,7 +19110,7 @@
         <p:spPr>
           <a:xfrm>
             <a:off x="838080" y="365040"/>
-            <a:ext cx="10515600" cy="1324440"/>
+            <a:ext cx="10515240" cy="1324080"/>
           </a:xfrm>
           <a:prstGeom prst="rect">
             <a:avLst/>
@@ -19245,7 +19159,7 @@
         <p:spPr>
           <a:xfrm>
             <a:off x="900360" y="2745360"/>
-            <a:ext cx="9317880" cy="1877760"/>
+            <a:ext cx="9317520" cy="1877400"/>
           </a:xfrm>
           <a:prstGeom prst="rect">
             <a:avLst/>
@@ -19264,7 +19178,7 @@
         <p:spPr>
           <a:xfrm>
             <a:off x="839160" y="1692360"/>
-            <a:ext cx="7905240" cy="942840"/>
+            <a:ext cx="7904880" cy="942840"/>
           </a:xfrm>
           <a:prstGeom prst="rect">
             <a:avLst/>
@@ -19341,7 +19255,7 @@
         <p:spPr>
           <a:xfrm>
             <a:off x="903600" y="4709520"/>
-            <a:ext cx="9311040" cy="550440"/>
+            <a:ext cx="9310680" cy="550080"/>
           </a:xfrm>
           <a:prstGeom prst="rect">
             <a:avLst/>
@@ -19510,7 +19424,7 @@
         <p:spPr>
           <a:xfrm>
             <a:off x="2185920" y="2980440"/>
-            <a:ext cx="6516720" cy="3134520"/>
+            <a:ext cx="6516360" cy="3134160"/>
           </a:xfrm>
           <a:prstGeom prst="rect">
             <a:avLst/>
@@ -19533,7 +19447,7 @@
         <p:spPr>
           <a:xfrm>
             <a:off x="838080" y="365040"/>
-            <a:ext cx="10515600" cy="1324440"/>
+            <a:ext cx="10515240" cy="1324080"/>
           </a:xfrm>
           <a:prstGeom prst="rect">
             <a:avLst/>
@@ -19582,7 +19496,7 @@
         <p:spPr>
           <a:xfrm>
             <a:off x="466560" y="1553040"/>
-            <a:ext cx="11258640" cy="2148480"/>
+            <a:ext cx="11258280" cy="2148120"/>
           </a:xfrm>
           <a:prstGeom prst="rect">
             <a:avLst/>
@@ -19702,7 +19616,7 @@
         <p:spPr>
           <a:xfrm>
             <a:off x="2819520" y="3780720"/>
-            <a:ext cx="4820400" cy="372960"/>
+            <a:ext cx="4820040" cy="372600"/>
           </a:xfrm>
           <a:prstGeom prst="rect">
             <a:avLst/>
@@ -19736,7 +19650,7 @@
         <p:spPr>
           <a:xfrm>
             <a:off x="2530440" y="3422160"/>
-            <a:ext cx="6163200" cy="1298880"/>
+            <a:ext cx="6162840" cy="1298520"/>
           </a:xfrm>
           <a:prstGeom prst="rect">
             <a:avLst/>
@@ -19770,7 +19684,7 @@
         <p:spPr>
           <a:xfrm>
             <a:off x="2185920" y="3253320"/>
-            <a:ext cx="6516720" cy="1808280"/>
+            <a:ext cx="6516360" cy="1807920"/>
           </a:xfrm>
           <a:prstGeom prst="rect">
             <a:avLst/>
@@ -19804,7 +19718,7 @@
         <p:spPr>
           <a:xfrm>
             <a:off x="2819520" y="4348440"/>
-            <a:ext cx="5759280" cy="372960"/>
+            <a:ext cx="5758920" cy="372600"/>
           </a:xfrm>
           <a:prstGeom prst="rect">
             <a:avLst/>
@@ -19838,7 +19752,7 @@
         <p:spPr>
           <a:xfrm>
             <a:off x="2530440" y="4890600"/>
-            <a:ext cx="6163200" cy="171000"/>
+            <a:ext cx="6162840" cy="170640"/>
           </a:xfrm>
           <a:prstGeom prst="rect">
             <a:avLst/>
@@ -20386,7 +20300,7 @@
         <p:spPr>
           <a:xfrm>
             <a:off x="838080" y="365040"/>
-            <a:ext cx="10515600" cy="1324440"/>
+            <a:ext cx="10515240" cy="1324080"/>
           </a:xfrm>
           <a:prstGeom prst="rect">
             <a:avLst/>
@@ -20435,7 +20349,7 @@
         <p:spPr>
           <a:xfrm>
             <a:off x="838080" y="1825560"/>
-            <a:ext cx="10515600" cy="4350240"/>
+            <a:ext cx="10515240" cy="4349880"/>
           </a:xfrm>
           <a:prstGeom prst="rect">
             <a:avLst/>
@@ -20645,7 +20559,7 @@
         <p:spPr>
           <a:xfrm>
             <a:off x="839160" y="2612880"/>
-            <a:ext cx="7787160" cy="2210400"/>
+            <a:ext cx="7786800" cy="2210040"/>
           </a:xfrm>
           <a:prstGeom prst="rect">
             <a:avLst/>
@@ -20693,7 +20607,7 @@
         <p:spPr>
           <a:xfrm>
             <a:off x="838080" y="365040"/>
-            <a:ext cx="10515600" cy="1324440"/>
+            <a:ext cx="10515240" cy="1324080"/>
           </a:xfrm>
           <a:prstGeom prst="rect">
             <a:avLst/>
@@ -20742,7 +20656,7 @@
         <p:spPr>
           <a:xfrm>
             <a:off x="838080" y="1825560"/>
-            <a:ext cx="10515600" cy="4350240"/>
+            <a:ext cx="10515240" cy="4349880"/>
           </a:xfrm>
           <a:prstGeom prst="rect">
             <a:avLst/>
@@ -20879,7 +20793,7 @@
         <p:spPr>
           <a:xfrm>
             <a:off x="839160" y="3096720"/>
-            <a:ext cx="7862040" cy="920880"/>
+            <a:ext cx="7861680" cy="920520"/>
           </a:xfrm>
           <a:prstGeom prst="rect">
             <a:avLst/>
@@ -20927,7 +20841,7 @@
         <p:spPr>
           <a:xfrm>
             <a:off x="838080" y="365040"/>
-            <a:ext cx="10515600" cy="1324440"/>
+            <a:ext cx="10515240" cy="1324080"/>
           </a:xfrm>
           <a:prstGeom prst="rect">
             <a:avLst/>
@@ -20976,7 +20890,7 @@
         <p:spPr>
           <a:xfrm>
             <a:off x="838080" y="1825560"/>
-            <a:ext cx="10515600" cy="4350240"/>
+            <a:ext cx="10515240" cy="4349880"/>
           </a:xfrm>
           <a:prstGeom prst="rect">
             <a:avLst/>
@@ -21143,7 +21057,7 @@
         <p:spPr>
           <a:xfrm>
             <a:off x="918720" y="2305440"/>
-            <a:ext cx="10043280" cy="3065400"/>
+            <a:ext cx="10042920" cy="3065040"/>
           </a:xfrm>
           <a:prstGeom prst="rect">
             <a:avLst/>
@@ -21187,7 +21101,7 @@
         <p:spPr>
           <a:xfrm>
             <a:off x="838080" y="1696680"/>
-            <a:ext cx="10515600" cy="4350240"/>
+            <a:ext cx="10515240" cy="4349880"/>
           </a:xfrm>
           <a:prstGeom prst="rect">
             <a:avLst/>
@@ -21376,7 +21290,7 @@
         <p:spPr>
           <a:xfrm>
             <a:off x="838080" y="365040"/>
-            <a:ext cx="10515600" cy="1324440"/>
+            <a:ext cx="10515240" cy="1324080"/>
           </a:xfrm>
           <a:prstGeom prst="rect">
             <a:avLst/>
@@ -21425,7 +21339,7 @@
         <p:spPr>
           <a:xfrm>
             <a:off x="839880" y="2326320"/>
-            <a:ext cx="9159840" cy="2204640"/>
+            <a:ext cx="9159480" cy="2204280"/>
           </a:xfrm>
           <a:prstGeom prst="rect">
             <a:avLst/>
@@ -21473,7 +21387,7 @@
         <p:spPr>
           <a:xfrm>
             <a:off x="838080" y="365040"/>
-            <a:ext cx="10515600" cy="1324440"/>
+            <a:ext cx="10515240" cy="1324080"/>
           </a:xfrm>
           <a:prstGeom prst="rect">
             <a:avLst/>
@@ -21522,7 +21436,7 @@
         <p:spPr>
           <a:xfrm>
             <a:off x="1388880" y="1479240"/>
-            <a:ext cx="8874360" cy="3911760"/>
+            <a:ext cx="8874000" cy="3911400"/>
           </a:xfrm>
           <a:prstGeom prst="rect">
             <a:avLst/>
@@ -21570,7 +21484,7 @@
         <p:spPr>
           <a:xfrm>
             <a:off x="838080" y="365040"/>
-            <a:ext cx="10515600" cy="1324440"/>
+            <a:ext cx="10515240" cy="1324080"/>
           </a:xfrm>
           <a:prstGeom prst="rect">
             <a:avLst/>
@@ -21619,7 +21533,7 @@
         <p:spPr>
           <a:xfrm>
             <a:off x="562680" y="1518480"/>
-            <a:ext cx="10828080" cy="4350240"/>
+            <a:ext cx="10827720" cy="4349880"/>
           </a:xfrm>
           <a:prstGeom prst="rect">
             <a:avLst/>
@@ -21702,7 +21616,7 @@
         <p:spPr>
           <a:xfrm>
             <a:off x="955080" y="2905560"/>
-            <a:ext cx="8457840" cy="3112920"/>
+            <a:ext cx="8457480" cy="3112560"/>
           </a:xfrm>
           <a:prstGeom prst="rect">
             <a:avLst/>
@@ -21750,7 +21664,7 @@
         <p:spPr>
           <a:xfrm>
             <a:off x="838080" y="365040"/>
-            <a:ext cx="10515600" cy="1324440"/>
+            <a:ext cx="10515240" cy="1324080"/>
           </a:xfrm>
           <a:prstGeom prst="rect">
             <a:avLst/>
@@ -21799,7 +21713,7 @@
         <p:spPr>
           <a:xfrm>
             <a:off x="838080" y="1825560"/>
-            <a:ext cx="10515600" cy="4350240"/>
+            <a:ext cx="10515240" cy="4349880"/>
           </a:xfrm>
           <a:prstGeom prst="rect">
             <a:avLst/>
@@ -21978,7 +21892,7 @@
         <p:spPr>
           <a:xfrm>
             <a:off x="838080" y="365040"/>
-            <a:ext cx="10515600" cy="1324440"/>
+            <a:ext cx="10515240" cy="1324080"/>
           </a:xfrm>
           <a:prstGeom prst="rect">
             <a:avLst/>
@@ -22027,7 +21941,7 @@
         <p:spPr>
           <a:xfrm>
             <a:off x="838080" y="1825560"/>
-            <a:ext cx="10515600" cy="4350240"/>
+            <a:ext cx="10515240" cy="4349880"/>
           </a:xfrm>
           <a:prstGeom prst="rect">
             <a:avLst/>
@@ -22143,16 +22057,7 @@
                 </a:solidFill>
                 <a:latin typeface="Calibri"/>
               </a:rPr>
-              <a:t>Rule of thumb - if you are planning on using very similar code more than </a:t>
-            </a:r>
-            <a:r>
-              <a:rPr b="0" lang="en-US" sz="2800" spc="-1" strike="noStrike">
-                <a:solidFill>
-                  <a:srgbClr val="000000"/>
-                </a:solidFill>
-                <a:latin typeface="Calibri"/>
-              </a:rPr>
-              <a:t>once, it may be worthwhile writing it as a reusable function.</a:t>
+              <a:t>Rule of thumb - if you are planning on using very similar code more than once, it may be worthwhile writing it as a reusable function.</a:t>
             </a:r>
             <a:endParaRPr b="0" lang="en-IN" sz="2800" spc="-1" strike="noStrike">
               <a:latin typeface="Arial"/>
@@ -22198,7 +22103,7 @@
         <p:spPr>
           <a:xfrm>
             <a:off x="838080" y="365040"/>
-            <a:ext cx="10515600" cy="1324440"/>
+            <a:ext cx="10515240" cy="1324080"/>
           </a:xfrm>
           <a:prstGeom prst="rect">
             <a:avLst/>
@@ -22247,7 +22152,7 @@
         <p:spPr>
           <a:xfrm>
             <a:off x="2361960" y="4795560"/>
-            <a:ext cx="7503120" cy="1100160"/>
+            <a:ext cx="7502760" cy="1099800"/>
           </a:xfrm>
           <a:prstGeom prst="rect">
             <a:avLst/>
@@ -22266,7 +22171,7 @@
         <p:spPr>
           <a:xfrm>
             <a:off x="838080" y="1518840"/>
-            <a:ext cx="10222560" cy="3075840"/>
+            <a:ext cx="10222200" cy="3075840"/>
           </a:xfrm>
           <a:prstGeom prst="rect">
             <a:avLst/>
@@ -22430,7 +22335,7 @@
         <p:spPr>
           <a:xfrm>
             <a:off x="1073160" y="2439720"/>
-            <a:ext cx="8564400" cy="903960"/>
+            <a:ext cx="8564040" cy="903600"/>
           </a:xfrm>
           <a:prstGeom prst="rect">
             <a:avLst/>
@@ -22599,7 +22504,7 @@
         <p:spPr>
           <a:xfrm>
             <a:off x="838080" y="365040"/>
-            <a:ext cx="10515600" cy="1324440"/>
+            <a:ext cx="10515240" cy="1324080"/>
           </a:xfrm>
           <a:prstGeom prst="rect">
             <a:avLst/>
@@ -22648,7 +22553,7 @@
         <p:spPr>
           <a:xfrm>
             <a:off x="687240" y="2061720"/>
-            <a:ext cx="9394200" cy="1906920"/>
+            <a:ext cx="9393840" cy="1906560"/>
           </a:xfrm>
           <a:prstGeom prst="rect">
             <a:avLst/>
@@ -22667,7 +22572,7 @@
         <p:spPr>
           <a:xfrm>
             <a:off x="979920" y="2060280"/>
-            <a:ext cx="595080" cy="344160"/>
+            <a:ext cx="594720" cy="343800"/>
           </a:xfrm>
           <a:prstGeom prst="roundRect">
             <a:avLst>
@@ -22703,7 +22608,7 @@
         <p:spPr>
           <a:xfrm>
             <a:off x="902880" y="1722600"/>
-            <a:ext cx="295920" cy="276840"/>
+            <a:ext cx="295560" cy="276480"/>
           </a:xfrm>
           <a:custGeom>
             <a:avLst/>
@@ -22751,7 +22656,7 @@
         <p:spPr>
           <a:xfrm>
             <a:off x="-503640" y="1382040"/>
-            <a:ext cx="2742480" cy="363960"/>
+            <a:ext cx="2742120" cy="363960"/>
           </a:xfrm>
           <a:prstGeom prst="rect">
             <a:avLst/>
@@ -22803,7 +22708,7 @@
         <p:spPr>
           <a:xfrm>
             <a:off x="3111480" y="2031480"/>
-            <a:ext cx="5996880" cy="411840"/>
+            <a:ext cx="5996520" cy="411480"/>
           </a:xfrm>
           <a:prstGeom prst="roundRect">
             <a:avLst>
@@ -22838,8 +22743,8 @@
         </p:nvSpPr>
         <p:spPr>
           <a:xfrm flipH="1">
-            <a:off x="6203520" y="1711080"/>
-            <a:ext cx="193680" cy="286200"/>
+            <a:off x="6202800" y="1711080"/>
+            <a:ext cx="193320" cy="285840"/>
           </a:xfrm>
           <a:custGeom>
             <a:avLst/>
@@ -22887,7 +22792,7 @@
         <p:spPr>
           <a:xfrm>
             <a:off x="5041080" y="1351440"/>
-            <a:ext cx="2742480" cy="363960"/>
+            <a:ext cx="2742120" cy="363960"/>
           </a:xfrm>
           <a:prstGeom prst="rect">
             <a:avLst/>
@@ -22938,8 +22843,8 @@
         </p:nvSpPr>
         <p:spPr>
           <a:xfrm flipH="1" flipV="1">
-            <a:off x="3876120" y="3703320"/>
-            <a:ext cx="859320" cy="357840"/>
+            <a:off x="3876120" y="3702600"/>
+            <a:ext cx="858960" cy="357480"/>
           </a:xfrm>
           <a:custGeom>
             <a:avLst/>
@@ -22987,7 +22892,7 @@
         <p:spPr>
           <a:xfrm>
             <a:off x="4721040" y="3886200"/>
-            <a:ext cx="5163480" cy="363960"/>
+            <a:ext cx="5163120" cy="363960"/>
           </a:xfrm>
           <a:prstGeom prst="rect">
             <a:avLst/>
@@ -23039,7 +22944,7 @@
         <p:spPr>
           <a:xfrm>
             <a:off x="978840" y="4718880"/>
-            <a:ext cx="9847800" cy="874800"/>
+            <a:ext cx="9847440" cy="874800"/>
           </a:xfrm>
           <a:prstGeom prst="rect">
             <a:avLst/>
@@ -23126,9 +23031,9 @@
         <p:grpSpPr>
           <a:xfrm>
             <a:off x="1440000" y="2443320"/>
-            <a:ext cx="11751480" cy="1442880"/>
+            <a:ext cx="11751120" cy="1442520"/>
             <a:chOff x="1440000" y="2443320"/>
-            <a:chExt cx="11751480" cy="1442880"/>
+            <a:chExt cx="11751120" cy="1442520"/>
           </a:xfrm>
         </p:grpSpPr>
         <p:sp>
@@ -23140,7 +23045,7 @@
           <p:spPr>
             <a:xfrm>
               <a:off x="1440000" y="2443320"/>
-              <a:ext cx="6516720" cy="1442880"/>
+              <a:ext cx="6516360" cy="1442520"/>
             </a:xfrm>
             <a:prstGeom prst="rect">
               <a:avLst/>
@@ -23174,7 +23079,7 @@
           <p:spPr>
             <a:xfrm>
               <a:off x="8028000" y="3024000"/>
-              <a:ext cx="5163480" cy="363960"/>
+              <a:ext cx="5163120" cy="363960"/>
             </a:xfrm>
             <a:prstGeom prst="rect">
               <a:avLst/>
@@ -24059,7 +23964,7 @@
         <p:spPr>
           <a:xfrm>
             <a:off x="838080" y="365040"/>
-            <a:ext cx="10515600" cy="1324440"/>
+            <a:ext cx="10515240" cy="1324080"/>
           </a:xfrm>
           <a:prstGeom prst="rect">
             <a:avLst/>
@@ -24108,7 +24013,7 @@
         <p:spPr>
           <a:xfrm>
             <a:off x="764640" y="1808640"/>
-            <a:ext cx="10655280" cy="3216240"/>
+            <a:ext cx="10654920" cy="3215880"/>
           </a:xfrm>
           <a:prstGeom prst="rect">
             <a:avLst/>
@@ -24156,7 +24061,7 @@
         <p:spPr>
           <a:xfrm>
             <a:off x="838080" y="365040"/>
-            <a:ext cx="10515600" cy="1324440"/>
+            <a:ext cx="10515240" cy="1324080"/>
           </a:xfrm>
           <a:prstGeom prst="rect">
             <a:avLst/>
@@ -24205,7 +24110,7 @@
         <p:spPr>
           <a:xfrm>
             <a:off x="838080" y="1825560"/>
-            <a:ext cx="10515600" cy="4350240"/>
+            <a:ext cx="10515240" cy="4349880"/>
           </a:xfrm>
           <a:prstGeom prst="rect">
             <a:avLst/>
@@ -24265,7 +24170,7 @@
         <p:spPr>
           <a:xfrm>
             <a:off x="1149480" y="2449440"/>
-            <a:ext cx="8695800" cy="3258000"/>
+            <a:ext cx="8695440" cy="3257640"/>
           </a:xfrm>
           <a:prstGeom prst="rect">
             <a:avLst/>
@@ -24284,7 +24189,7 @@
         <p:spPr>
           <a:xfrm>
             <a:off x="840240" y="1537920"/>
-            <a:ext cx="10515600" cy="4350240"/>
+            <a:ext cx="10515240" cy="4349880"/>
           </a:xfrm>
           <a:prstGeom prst="rect">
             <a:avLst/>
@@ -24398,7 +24303,7 @@
         <p:spPr>
           <a:xfrm>
             <a:off x="838080" y="365040"/>
-            <a:ext cx="10515600" cy="1324440"/>
+            <a:ext cx="10515240" cy="1324080"/>
           </a:xfrm>
           <a:prstGeom prst="rect">
             <a:avLst/>
@@ -24447,7 +24352,7 @@
         <p:spPr>
           <a:xfrm>
             <a:off x="1322640" y="1449000"/>
-            <a:ext cx="7621560" cy="4301640"/>
+            <a:ext cx="7621200" cy="4301280"/>
           </a:xfrm>
           <a:prstGeom prst="rect">
             <a:avLst/>
@@ -24495,7 +24400,7 @@
         <p:spPr>
           <a:xfrm>
             <a:off x="838080" y="365040"/>
-            <a:ext cx="10515600" cy="1324440"/>
+            <a:ext cx="10515240" cy="1324080"/>
           </a:xfrm>
           <a:prstGeom prst="rect">
             <a:avLst/>
@@ -24544,7 +24449,7 @@
         <p:spPr>
           <a:xfrm>
             <a:off x="2535120" y="1285560"/>
-            <a:ext cx="5779800" cy="1742400"/>
+            <a:ext cx="5779440" cy="1742040"/>
           </a:xfrm>
           <a:prstGeom prst="rect">
             <a:avLst/>
@@ -24567,7 +24472,7 @@
         <p:spPr>
           <a:xfrm>
             <a:off x="720000" y="3087720"/>
-            <a:ext cx="10639080" cy="1952280"/>
+            <a:ext cx="10638720" cy="1951920"/>
           </a:xfrm>
           <a:prstGeom prst="rect">
             <a:avLst/>
@@ -24615,7 +24520,7 @@
         <p:spPr>
           <a:xfrm>
             <a:off x="216000" y="2700000"/>
-            <a:ext cx="11770920" cy="2160000"/>
+            <a:ext cx="11770560" cy="2159640"/>
           </a:xfrm>
           <a:prstGeom prst="rect">
             <a:avLst/>
@@ -24638,7 +24543,7 @@
         <p:spPr>
           <a:xfrm>
             <a:off x="838080" y="365040"/>
-            <a:ext cx="10515600" cy="1324440"/>
+            <a:ext cx="10515240" cy="1324080"/>
           </a:xfrm>
           <a:prstGeom prst="rect">
             <a:avLst/>
@@ -24687,7 +24592,7 @@
         <p:spPr>
           <a:xfrm>
             <a:off x="2535120" y="1321560"/>
-            <a:ext cx="5779800" cy="1742400"/>
+            <a:ext cx="5779440" cy="1742040"/>
           </a:xfrm>
           <a:prstGeom prst="rect">
             <a:avLst/>
@@ -24706,9 +24611,9 @@
         <p:grpSpPr>
           <a:xfrm>
             <a:off x="360000" y="1620360"/>
-            <a:ext cx="3130200" cy="2519640"/>
+            <a:ext cx="3129840" cy="2519280"/>
             <a:chOff x="360000" y="1620360"/>
-            <a:chExt cx="3130200" cy="2519640"/>
+            <a:chExt cx="3129840" cy="2519280"/>
           </a:xfrm>
         </p:grpSpPr>
         <p:sp>
@@ -24720,7 +24625,7 @@
           <p:spPr>
             <a:xfrm>
               <a:off x="2448000" y="3132000"/>
-              <a:ext cx="540000" cy="360000"/>
+              <a:ext cx="539640" cy="359640"/>
             </a:xfrm>
             <a:prstGeom prst="roundRect">
               <a:avLst>
@@ -24750,13 +24655,13 @@
         <p:sp>
           <p:nvSpPr>
             <p:cNvPr id="264" name=""/>
-            <p:cNvSpPr txBox="1"/>
+            <p:cNvSpPr/>
             <p:nvPr/>
           </p:nvSpPr>
           <p:spPr>
             <a:xfrm>
               <a:off x="360000" y="1620360"/>
-              <a:ext cx="3130200" cy="899640"/>
+              <a:ext cx="3129840" cy="899280"/>
             </a:xfrm>
             <a:prstGeom prst="rect">
               <a:avLst/>
@@ -24769,11 +24674,23 @@
               <a:round/>
             </a:ln>
           </p:spPr>
+          <p:style>
+            <a:lnRef idx="0"/>
+            <a:fillRef idx="0"/>
+            <a:effectRef idx="0"/>
+            <a:fontRef idx="minor"/>
+          </p:style>
           <p:txBody>
             <a:bodyPr lIns="126000" rIns="126000" tIns="81000" bIns="81000" anchor="t">
               <a:noAutofit/>
             </a:bodyPr>
             <a:p>
+              <a:pPr>
+                <a:lnSpc>
+                  <a:spcPct val="100000"/>
+                </a:lnSpc>
+                <a:buNone/>
+              </a:pPr>
               <a:r>
                 <a:rPr b="0" lang="en-IN" sz="1300" spc="-1" strike="noStrike">
                   <a:latin typeface="Arial"/>
@@ -24785,11 +24702,23 @@
               </a:endParaRPr>
             </a:p>
             <a:p>
+              <a:pPr>
+                <a:lnSpc>
+                  <a:spcPct val="100000"/>
+                </a:lnSpc>
+                <a:buNone/>
+              </a:pPr>
               <a:endParaRPr b="0" lang="en-IN" sz="1300" spc="-1" strike="noStrike">
                 <a:latin typeface="Arial"/>
               </a:endParaRPr>
             </a:p>
             <a:p>
+              <a:pPr>
+                <a:lnSpc>
+                  <a:spcPct val="100000"/>
+                </a:lnSpc>
+                <a:buNone/>
+              </a:pPr>
               <a:r>
                 <a:rPr b="0" lang="en-IN" sz="1300" spc="-1" strike="noStrike">
                   <a:latin typeface="Arial"/>
@@ -24802,23 +24731,34 @@
             </a:p>
           </p:txBody>
         </p:sp>
-        <p:cxnSp>
-          <p:nvCxnSpPr>
+        <p:sp>
+          <p:nvSpPr>
             <p:cNvPr id="265" name=""/>
-            <p:cNvCxnSpPr>
-              <a:stCxn id="264" idx="2"/>
-              <a:endCxn id="263" idx="2"/>
-            </p:cNvCxnSpPr>
+            <p:cNvSpPr/>
             <p:nvPr/>
-          </p:nvCxnSpPr>
+          </p:nvSpPr>
           <p:spPr>
             <a:xfrm>
               <a:off x="1924920" y="2520000"/>
-              <a:ext cx="793440" cy="612360"/>
+              <a:ext cx="793080" cy="612000"/>
             </a:xfrm>
-            <a:prstGeom prst="straightConnector1">
+            <a:custGeom>
               <a:avLst/>
-            </a:prstGeom>
+              <a:gdLst/>
+              <a:ahLst/>
+              <a:rect l="l" t="t" r="r" b="b"/>
+              <a:pathLst>
+                <a:path w="21600" h="21600">
+                  <a:moveTo>
+                    <a:pt x="0" y="0"/>
+                  </a:moveTo>
+                  <a:lnTo>
+                    <a:pt x="21600" y="21600"/>
+                  </a:lnTo>
+                </a:path>
+              </a:pathLst>
+            </a:custGeom>
+            <a:noFill/>
             <a:ln w="36000">
               <a:solidFill>
                 <a:srgbClr val="3465a4"/>
@@ -24827,7 +24767,13 @@
               <a:tailEnd len="med" type="triangle" w="med"/>
             </a:ln>
           </p:spPr>
-        </p:cxnSp>
+          <p:style>
+            <a:lnRef idx="0"/>
+            <a:fillRef idx="0"/>
+            <a:effectRef idx="0"/>
+            <a:fontRef idx="minor"/>
+          </p:style>
+        </p:sp>
         <p:sp>
           <p:nvSpPr>
             <p:cNvPr id="266" name="Rectangle: Rounded Corners 12"/>
@@ -24837,7 +24783,7 @@
           <p:spPr>
             <a:xfrm>
               <a:off x="2700000" y="3672000"/>
-              <a:ext cx="288000" cy="468000"/>
+              <a:ext cx="287640" cy="467640"/>
             </a:xfrm>
             <a:prstGeom prst="roundRect">
               <a:avLst>
@@ -24874,9 +24820,9 @@
         <p:grpSpPr>
           <a:xfrm>
             <a:off x="3420000" y="3111480"/>
-            <a:ext cx="7430040" cy="3444480"/>
+            <a:ext cx="7429680" cy="3444120"/>
             <a:chOff x="3420000" y="3111480"/>
-            <a:chExt cx="7430040" cy="3444480"/>
+            <a:chExt cx="7429680" cy="3444120"/>
           </a:xfrm>
         </p:grpSpPr>
         <p:sp>
@@ -24888,7 +24834,7 @@
           <p:spPr>
             <a:xfrm>
               <a:off x="3420000" y="3111480"/>
-              <a:ext cx="900000" cy="360000"/>
+              <a:ext cx="899640" cy="359640"/>
             </a:xfrm>
             <a:prstGeom prst="roundRect">
               <a:avLst>
@@ -24924,7 +24870,7 @@
           <p:spPr>
             <a:xfrm>
               <a:off x="4104000" y="3651480"/>
-              <a:ext cx="1116000" cy="360000"/>
+              <a:ext cx="1115640" cy="359640"/>
             </a:xfrm>
             <a:prstGeom prst="roundRect">
               <a:avLst>
@@ -24954,13 +24900,13 @@
         <p:sp>
           <p:nvSpPr>
             <p:cNvPr id="270" name=""/>
-            <p:cNvSpPr txBox="1"/>
+            <p:cNvSpPr/>
             <p:nvPr/>
           </p:nvSpPr>
           <p:spPr>
             <a:xfrm>
               <a:off x="6696360" y="5472000"/>
-              <a:ext cx="4153680" cy="1083960"/>
+              <a:ext cx="4153320" cy="1083600"/>
             </a:xfrm>
             <a:prstGeom prst="rect">
               <a:avLst/>
@@ -24973,11 +24919,23 @@
               <a:round/>
             </a:ln>
           </p:spPr>
+          <p:style>
+            <a:lnRef idx="0"/>
+            <a:fillRef idx="0"/>
+            <a:effectRef idx="0"/>
+            <a:fontRef idx="minor"/>
+          </p:style>
           <p:txBody>
             <a:bodyPr lIns="126000" rIns="126000" tIns="81000" bIns="81000" anchor="t">
               <a:noAutofit/>
             </a:bodyPr>
             <a:p>
+              <a:pPr>
+                <a:lnSpc>
+                  <a:spcPct val="100000"/>
+                </a:lnSpc>
+                <a:buNone/>
+              </a:pPr>
               <a:r>
                 <a:rPr b="0" lang="en-IN" sz="1300" spc="-1" strike="noStrike">
                   <a:latin typeface="Arial"/>
@@ -24989,12 +24947,21 @@
               </a:endParaRPr>
             </a:p>
             <a:p>
+              <a:pPr>
+                <a:lnSpc>
+                  <a:spcPct val="100000"/>
+                </a:lnSpc>
+                <a:buNone/>
+              </a:pPr>
               <a:endParaRPr b="0" lang="en-IN" sz="1300" spc="-1" strike="noStrike">
                 <a:latin typeface="Arial"/>
               </a:endParaRPr>
             </a:p>
             <a:p>
               <a:pPr marL="216000" indent="-216000">
+                <a:lnSpc>
+                  <a:spcPct val="100000"/>
+                </a:lnSpc>
                 <a:buClr>
                   <a:srgbClr val="000000"/>
                 </a:buClr>
@@ -25014,6 +24981,9 @@
             </a:p>
             <a:p>
               <a:pPr marL="216000" indent="-216000">
+                <a:lnSpc>
+                  <a:spcPct val="100000"/>
+                </a:lnSpc>
                 <a:buClr>
                   <a:srgbClr val="000000"/>
                 </a:buClr>
@@ -25033,6 +25003,9 @@
             </a:p>
             <a:p>
               <a:pPr marL="216000" indent="-216000">
+                <a:lnSpc>
+                  <a:spcPct val="100000"/>
+                </a:lnSpc>
                 <a:buClr>
                   <a:srgbClr val="000000"/>
                 </a:buClr>
@@ -25052,23 +25025,34 @@
             </a:p>
           </p:txBody>
         </p:sp>
-        <p:cxnSp>
-          <p:nvCxnSpPr>
+        <p:sp>
+          <p:nvSpPr>
             <p:cNvPr id="271" name=""/>
-            <p:cNvCxnSpPr>
-              <a:stCxn id="270" idx="0"/>
-              <a:endCxn id="268" idx="5"/>
-            </p:cNvCxnSpPr>
+            <p:cNvSpPr/>
             <p:nvPr/>
-          </p:nvCxnSpPr>
+          </p:nvSpPr>
           <p:spPr>
             <a:xfrm flipH="1" flipV="1">
-              <a:off x="4320000" y="3291480"/>
-              <a:ext cx="4453560" cy="2180880"/>
+              <a:off x="4320000" y="3290760"/>
+              <a:ext cx="4453200" cy="2180520"/>
             </a:xfrm>
-            <a:prstGeom prst="straightConnector1">
+            <a:custGeom>
               <a:avLst/>
-            </a:prstGeom>
+              <a:gdLst/>
+              <a:ahLst/>
+              <a:rect l="l" t="t" r="r" b="b"/>
+              <a:pathLst>
+                <a:path w="21600" h="21600">
+                  <a:moveTo>
+                    <a:pt x="0" y="0"/>
+                  </a:moveTo>
+                  <a:lnTo>
+                    <a:pt x="21600" y="21600"/>
+                  </a:lnTo>
+                </a:path>
+              </a:pathLst>
+            </a:custGeom>
+            <a:noFill/>
             <a:ln w="36000">
               <a:solidFill>
                 <a:srgbClr val="3465a4"/>
@@ -25077,7 +25061,13 @@
               <a:tailEnd len="med" type="triangle" w="med"/>
             </a:ln>
           </p:spPr>
-        </p:cxnSp>
+          <p:style>
+            <a:lnRef idx="0"/>
+            <a:fillRef idx="0"/>
+            <a:effectRef idx="0"/>
+            <a:fontRef idx="minor"/>
+          </p:style>
+        </p:sp>
       </p:grpSp>
     </p:spTree>
   </p:cSld>
@@ -25112,7 +25102,7 @@
                                   <p:childTnLst>
                                     <p:set>
                                       <p:cBhvr>
-                                        <p:cTn id="230" dur="0" fill="hold">
+                                        <p:cTn id="230" fill="hold">
                                           <p:stCondLst>
                                             <p:cond delay="0"/>
                                           </p:stCondLst>
@@ -25157,7 +25147,7 @@
                                   <p:childTnLst>
                                     <p:set>
                                       <p:cBhvr>
-                                        <p:cTn id="234" dur="0" fill="hold">
+                                        <p:cTn id="234" fill="hold">
                                           <p:stCondLst>
                                             <p:cond delay="0"/>
                                           </p:stCondLst>
@@ -25237,7 +25227,7 @@
         <p:spPr>
           <a:xfrm>
             <a:off x="914400" y="2130120"/>
-            <a:ext cx="10364040" cy="1469520"/>
+            <a:ext cx="10363680" cy="1469160"/>
           </a:xfrm>
           <a:prstGeom prst="rect">
             <a:avLst/>
@@ -25330,7 +25320,7 @@
         <p:spPr>
           <a:xfrm>
             <a:off x="609480" y="274320"/>
-            <a:ext cx="10973520" cy="1142640"/>
+            <a:ext cx="10973160" cy="1142280"/>
           </a:xfrm>
           <a:prstGeom prst="rect">
             <a:avLst/>
@@ -25375,9 +25365,6 @@
               <a:t>What are modules?</a:t>
             </a:r>
             <a:endParaRPr b="0" lang="en-IN" sz="5000" spc="-1" strike="noStrike">
-              <a:solidFill>
-                <a:srgbClr val="1c1c1c"/>
-              </a:solidFill>
               <a:latin typeface="Arial"/>
             </a:endParaRPr>
           </a:p>
@@ -25392,7 +25379,7 @@
         <p:spPr>
           <a:xfrm>
             <a:off x="609480" y="1600200"/>
-            <a:ext cx="10973520" cy="4525560"/>
+            <a:ext cx="10973160" cy="4525200"/>
           </a:xfrm>
           <a:prstGeom prst="rect">
             <a:avLst/>
@@ -25446,6 +25433,7 @@
                   <a:srgbClr val="000000"/>
                 </a:solidFill>
                 <a:latin typeface="Constantia"/>
+                <a:ea typeface="DejaVu Sans"/>
               </a:rPr>
               <a:t>Definitions of functions and variables are not saved when interpreter is exited</a:t>
             </a:r>
@@ -25487,6 +25475,7 @@
                   <a:srgbClr val="000000"/>
                 </a:solidFill>
                 <a:latin typeface="Constantia"/>
+                <a:ea typeface="DejaVu Sans"/>
               </a:rPr>
               <a:t>Modules allow definitions to be saved for later access</a:t>
             </a:r>
@@ -25528,6 +25517,7 @@
                   <a:srgbClr val="000000"/>
                 </a:solidFill>
                 <a:latin typeface="Constantia"/>
+                <a:ea typeface="DejaVu Sans"/>
               </a:rPr>
               <a:t>Modules also allow statements to be run as executable scripts</a:t>
             </a:r>
@@ -25569,6 +25559,7 @@
                   <a:srgbClr val="000000"/>
                 </a:solidFill>
                 <a:latin typeface="Constantia"/>
+                <a:ea typeface="DejaVu Sans"/>
               </a:rPr>
               <a:t>Modules are files with .py extension</a:t>
             </a:r>
@@ -25621,7 +25612,7 @@
         <p:spPr>
           <a:xfrm>
             <a:off x="609480" y="274320"/>
-            <a:ext cx="10973520" cy="1142640"/>
+            <a:ext cx="10973160" cy="1142280"/>
           </a:xfrm>
           <a:prstGeom prst="rect">
             <a:avLst/>
@@ -25666,9 +25657,6 @@
               <a:t>Importing modules</a:t>
             </a:r>
             <a:endParaRPr b="0" lang="en-IN" sz="5000" spc="-1" strike="noStrike">
-              <a:solidFill>
-                <a:srgbClr val="1c1c1c"/>
-              </a:solidFill>
               <a:latin typeface="Arial"/>
             </a:endParaRPr>
           </a:p>
@@ -25683,7 +25671,7 @@
         <p:spPr>
           <a:xfrm>
             <a:off x="609480" y="1600200"/>
-            <a:ext cx="10973520" cy="4525560"/>
+            <a:ext cx="10973160" cy="4525200"/>
           </a:xfrm>
           <a:prstGeom prst="rect">
             <a:avLst/>
@@ -25703,6 +25691,166 @@
           <a:bodyPr lIns="90000" rIns="90000" tIns="45000" bIns="45000" anchor="t">
             <a:normAutofit fontScale="75000"/>
           </a:bodyPr>
+          <a:p>
+            <a:pPr>
+              <a:lnSpc>
+                <a:spcPct val="100000"/>
+              </a:lnSpc>
+              <a:spcBef>
+                <a:spcPts val="700"/>
+              </a:spcBef>
+              <a:buNone/>
+              <a:tabLst>
+                <a:tab algn="l" pos="914400"/>
+                <a:tab algn="l" pos="1828800"/>
+                <a:tab algn="l" pos="2743200"/>
+                <a:tab algn="l" pos="3657600"/>
+                <a:tab algn="l" pos="4572000"/>
+                <a:tab algn="l" pos="5486400"/>
+                <a:tab algn="l" pos="6400800"/>
+                <a:tab algn="l" pos="7315200"/>
+                <a:tab algn="l" pos="8229600"/>
+                <a:tab algn="l" pos="9144000"/>
+                <a:tab algn="l" pos="10058400"/>
+              </a:tabLst>
+            </a:pPr>
+            <a:endParaRPr b="0" lang="en-IN" sz="2800" spc="-1" strike="noStrike">
+              <a:latin typeface="Arial"/>
+            </a:endParaRPr>
+          </a:p>
+          <a:p>
+            <a:pPr>
+              <a:lnSpc>
+                <a:spcPct val="100000"/>
+              </a:lnSpc>
+              <a:spcBef>
+                <a:spcPts val="700"/>
+              </a:spcBef>
+              <a:buNone/>
+              <a:tabLst>
+                <a:tab algn="l" pos="914400"/>
+                <a:tab algn="l" pos="1828800"/>
+                <a:tab algn="l" pos="2743200"/>
+                <a:tab algn="l" pos="3657600"/>
+                <a:tab algn="l" pos="4572000"/>
+                <a:tab algn="l" pos="5486400"/>
+                <a:tab algn="l" pos="6400800"/>
+                <a:tab algn="l" pos="7315200"/>
+                <a:tab algn="l" pos="8229600"/>
+                <a:tab algn="l" pos="9144000"/>
+                <a:tab algn="l" pos="10058400"/>
+              </a:tabLst>
+            </a:pPr>
+            <a:r>
+              <a:rPr b="0" lang="en-US" sz="2800" spc="-1" strike="noStrike">
+                <a:solidFill>
+                  <a:srgbClr val="000000"/>
+                </a:solidFill>
+                <a:latin typeface="Constantia"/>
+                <a:ea typeface="DejaVu Sans"/>
+              </a:rPr>
+              <a:t>Modules  are imported by using built-in import command, without the .py extension</a:t>
+            </a:r>
+            <a:endParaRPr b="0" lang="en-IN" sz="2800" spc="-1" strike="noStrike">
+              <a:latin typeface="Arial"/>
+            </a:endParaRPr>
+          </a:p>
+          <a:p>
+            <a:pPr>
+              <a:lnSpc>
+                <a:spcPct val="100000"/>
+              </a:lnSpc>
+              <a:spcBef>
+                <a:spcPts val="700"/>
+              </a:spcBef>
+              <a:buNone/>
+              <a:tabLst>
+                <a:tab algn="l" pos="914400"/>
+                <a:tab algn="l" pos="1828800"/>
+                <a:tab algn="l" pos="2743200"/>
+                <a:tab algn="l" pos="3657600"/>
+                <a:tab algn="l" pos="4572000"/>
+                <a:tab algn="l" pos="5486400"/>
+                <a:tab algn="l" pos="6400800"/>
+                <a:tab algn="l" pos="7315200"/>
+                <a:tab algn="l" pos="8229600"/>
+                <a:tab algn="l" pos="9144000"/>
+                <a:tab algn="l" pos="10058400"/>
+              </a:tabLst>
+            </a:pPr>
+            <a:endParaRPr b="0" lang="en-IN" sz="2800" spc="-1" strike="noStrike">
+              <a:latin typeface="Arial"/>
+            </a:endParaRPr>
+          </a:p>
+          <a:p>
+            <a:pPr lvl="2" marL="343080" indent="-343080">
+              <a:lnSpc>
+                <a:spcPct val="100000"/>
+              </a:lnSpc>
+              <a:spcBef>
+                <a:spcPts val="700"/>
+              </a:spcBef>
+              <a:buClr>
+                <a:srgbClr val="000000"/>
+              </a:buClr>
+              <a:buSzPct val="45000"/>
+              <a:buFont typeface="Wingdings" charset="2"/>
+              <a:buChar char=""/>
+              <a:tabLst>
+                <a:tab algn="l" pos="0"/>
+              </a:tabLst>
+            </a:pPr>
+            <a:r>
+              <a:rPr b="1" lang="en-US" sz="2800" spc="-1" strike="noStrike">
+                <a:solidFill>
+                  <a:srgbClr val="007020"/>
+                </a:solidFill>
+                <a:latin typeface="Arial"/>
+                <a:ea typeface="DejaVu Sans"/>
+              </a:rPr>
+              <a:t>import</a:t>
+            </a:r>
+            <a:r>
+              <a:rPr b="0" lang="en-US" sz="2800" spc="-1" strike="noStrike">
+                <a:solidFill>
+                  <a:srgbClr val="000000"/>
+                </a:solidFill>
+                <a:latin typeface="Arial"/>
+                <a:ea typeface="DejaVu Sans"/>
+              </a:rPr>
+              <a:t> </a:t>
+            </a:r>
+            <a:r>
+              <a:rPr b="1" lang="en-US" sz="2800" spc="-1" strike="noStrike">
+                <a:solidFill>
+                  <a:srgbClr val="0e84b5"/>
+                </a:solidFill>
+                <a:latin typeface="Arial"/>
+                <a:ea typeface="DejaVu Sans"/>
+              </a:rPr>
+              <a:t>example</a:t>
+            </a:r>
+            <a:endParaRPr b="0" lang="en-IN" sz="2800" spc="-1" strike="noStrike">
+              <a:latin typeface="Arial"/>
+            </a:endParaRPr>
+          </a:p>
+          <a:p>
+            <a:pPr>
+              <a:lnSpc>
+                <a:spcPct val="100000"/>
+              </a:lnSpc>
+              <a:spcBef>
+                <a:spcPts val="700"/>
+              </a:spcBef>
+              <a:buNone/>
+              <a:tabLst>
+                <a:tab algn="l" pos="0"/>
+              </a:tabLst>
+            </a:pPr>
+            <a:endParaRPr b="0" lang="en-IN" sz="2800" spc="-1" strike="noStrike">
+              <a:latin typeface="Arial"/>
+            </a:endParaRPr>
+          </a:p>
           <a:p>
             <a:pPr marL="216000" indent="-216000">
               <a:lnSpc>
@@ -25731,6 +25879,16 @@
                 <a:tab algn="l" pos="10058400"/>
               </a:tabLst>
             </a:pPr>
+            <a:r>
+              <a:rPr b="0" lang="en-US" sz="2800" spc="-1" strike="noStrike">
+                <a:solidFill>
+                  <a:srgbClr val="000000"/>
+                </a:solidFill>
+                <a:latin typeface="Constantia"/>
+                <a:ea typeface="DejaVu Sans"/>
+              </a:rPr>
+              <a:t>To make access easier, individual definitions within a module may be imported</a:t>
+            </a:r>
             <a:endParaRPr b="0" lang="en-IN" sz="2800" spc="-1" strike="noStrike">
               <a:latin typeface="Arial"/>
             </a:endParaRPr>
@@ -25758,15 +25916,105 @@
                 <a:tab algn="l" pos="10058400"/>
               </a:tabLst>
             </a:pPr>
+            <a:endParaRPr b="0" lang="en-IN" sz="2800" spc="-1" strike="noStrike">
+              <a:latin typeface="Arial"/>
+            </a:endParaRPr>
+          </a:p>
+          <a:p>
+            <a:pPr lvl="2" marL="343080" indent="-343080">
+              <a:lnSpc>
+                <a:spcPct val="100000"/>
+              </a:lnSpc>
+              <a:spcBef>
+                <a:spcPts val="700"/>
+              </a:spcBef>
+              <a:buClr>
+                <a:srgbClr val="000000"/>
+              </a:buClr>
+              <a:buSzPct val="45000"/>
+              <a:buFont typeface="Wingdings" charset="2"/>
+              <a:buChar char=""/>
+              <a:tabLst>
+                <a:tab algn="l" pos="0"/>
+              </a:tabLst>
+            </a:pPr>
+            <a:r>
+              <a:rPr b="1" lang="en-US" sz="2800" spc="-1" strike="noStrike">
+                <a:solidFill>
+                  <a:srgbClr val="007020"/>
+                </a:solidFill>
+                <a:latin typeface="Arial"/>
+                <a:ea typeface="DejaVu Sans"/>
+              </a:rPr>
+              <a:t>from</a:t>
+            </a:r>
             <a:r>
               <a:rPr b="0" lang="en-US" sz="2800" spc="-1" strike="noStrike">
                 <a:solidFill>
                   <a:srgbClr val="000000"/>
                 </a:solidFill>
-                <a:latin typeface="Constantia"/>
-              </a:rPr>
-              <a:t>Modules  are imported by using built-in import command, without the .py extension</a:t>
-            </a:r>
+                <a:latin typeface="Arial"/>
+                <a:ea typeface="DejaVu Sans"/>
+              </a:rPr>
+              <a:t> </a:t>
+            </a:r>
+            <a:r>
+              <a:rPr b="1" lang="en-US" sz="2800" spc="-1" strike="noStrike">
+                <a:solidFill>
+                  <a:srgbClr val="0e84b5"/>
+                </a:solidFill>
+                <a:latin typeface="Arial"/>
+                <a:ea typeface="DejaVu Sans"/>
+              </a:rPr>
+              <a:t>function</a:t>
+            </a:r>
+            <a:r>
+              <a:rPr b="0" lang="en-US" sz="2800" spc="-1" strike="noStrike">
+                <a:solidFill>
+                  <a:srgbClr val="000000"/>
+                </a:solidFill>
+                <a:latin typeface="Arial"/>
+                <a:ea typeface="DejaVu Sans"/>
+              </a:rPr>
+              <a:t> </a:t>
+            </a:r>
+            <a:r>
+              <a:rPr b="1" lang="en-US" sz="2800" spc="-1" strike="noStrike">
+                <a:solidFill>
+                  <a:srgbClr val="007020"/>
+                </a:solidFill>
+                <a:latin typeface="Arial"/>
+                <a:ea typeface="DejaVu Sans"/>
+              </a:rPr>
+              <a:t>import</a:t>
+            </a:r>
+            <a:r>
+              <a:rPr b="0" lang="en-US" sz="2800" spc="-1" strike="noStrike">
+                <a:solidFill>
+                  <a:srgbClr val="000000"/>
+                </a:solidFill>
+                <a:latin typeface="Arial"/>
+                <a:ea typeface="DejaVu Sans"/>
+              </a:rPr>
+              <a:t> func1, func2</a:t>
+            </a:r>
+            <a:endParaRPr b="0" lang="en-IN" sz="2800" spc="-1" strike="noStrike">
+              <a:latin typeface="Arial"/>
+            </a:endParaRPr>
+          </a:p>
+          <a:p>
+            <a:pPr>
+              <a:lnSpc>
+                <a:spcPct val="100000"/>
+              </a:lnSpc>
+              <a:spcBef>
+                <a:spcPts val="700"/>
+              </a:spcBef>
+              <a:buNone/>
+              <a:tabLst>
+                <a:tab algn="l" pos="0"/>
+              </a:tabLst>
+            </a:pPr>
             <a:endParaRPr b="0" lang="en-IN" sz="2800" spc="-1" strike="noStrike">
               <a:latin typeface="Arial"/>
             </a:endParaRPr>
@@ -25799,286 +26047,13 @@
                 <a:tab algn="l" pos="10058400"/>
               </a:tabLst>
             </a:pPr>
-            <a:endParaRPr b="0" lang="en-IN" sz="2800" spc="-1" strike="noStrike">
-              <a:latin typeface="Arial"/>
-            </a:endParaRPr>
-          </a:p>
-          <a:p>
-            <a:pPr lvl="2" marL="343080" indent="-343080">
-              <a:lnSpc>
-                <a:spcPct val="100000"/>
-              </a:lnSpc>
-              <a:spcBef>
-                <a:spcPts val="700"/>
-              </a:spcBef>
-              <a:buClr>
-                <a:srgbClr val="000000"/>
-              </a:buClr>
-              <a:buSzPct val="45000"/>
-              <a:buFont typeface="Wingdings" charset="2"/>
-              <a:buChar char=""/>
-              <a:tabLst>
-                <a:tab algn="l" pos="0"/>
-              </a:tabLst>
-            </a:pPr>
-            <a:r>
-              <a:rPr b="1" lang="en-US" sz="2800" spc="-1" strike="noStrike">
-                <a:solidFill>
-                  <a:srgbClr val="007020"/>
-                </a:solidFill>
-                <a:latin typeface="Arial"/>
-              </a:rPr>
-              <a:t>import</a:t>
-            </a:r>
-            <a:r>
-              <a:rPr b="0" lang="en-US" sz="2800" spc="-1" strike="noStrike">
-                <a:solidFill>
-                  <a:srgbClr val="000000"/>
-                </a:solidFill>
-                <a:latin typeface="Arial"/>
-              </a:rPr>
-              <a:t> </a:t>
-            </a:r>
-            <a:r>
-              <a:rPr b="1" lang="en-US" sz="2800" spc="-1" strike="noStrike">
-                <a:solidFill>
-                  <a:srgbClr val="0e84b5"/>
-                </a:solidFill>
-                <a:latin typeface="Arial"/>
-              </a:rPr>
-              <a:t>example</a:t>
-            </a:r>
-            <a:endParaRPr b="0" lang="en-IN" sz="2800" spc="-1" strike="noStrike">
-              <a:latin typeface="Arial"/>
-            </a:endParaRPr>
-          </a:p>
-          <a:p>
-            <a:pPr lvl="2" marL="343080" indent="-343080">
-              <a:lnSpc>
-                <a:spcPct val="100000"/>
-              </a:lnSpc>
-              <a:spcBef>
-                <a:spcPts val="700"/>
-              </a:spcBef>
-              <a:buClr>
-                <a:srgbClr val="000000"/>
-              </a:buClr>
-              <a:buSzPct val="45000"/>
-              <a:buFont typeface="Wingdings" charset="2"/>
-              <a:buChar char=""/>
-              <a:tabLst>
-                <a:tab algn="l" pos="0"/>
-              </a:tabLst>
-            </a:pPr>
-            <a:endParaRPr b="0" lang="en-IN" sz="2800" spc="-1" strike="noStrike">
-              <a:latin typeface="Arial"/>
-            </a:endParaRPr>
-          </a:p>
-          <a:p>
-            <a:pPr marL="216000" indent="-216000">
-              <a:lnSpc>
-                <a:spcPct val="100000"/>
-              </a:lnSpc>
-              <a:spcBef>
-                <a:spcPts val="700"/>
-              </a:spcBef>
-              <a:buClr>
-                <a:srgbClr val="1c1c1c"/>
-              </a:buClr>
-              <a:buSzPct val="45000"/>
-              <a:buFont typeface="Wingdings" charset="2"/>
-              <a:buChar char=""/>
-              <a:tabLst>
-                <a:tab algn="l" pos="914400"/>
-                <a:tab algn="l" pos="1828800"/>
-                <a:tab algn="l" pos="2743200"/>
-                <a:tab algn="l" pos="3657600"/>
-                <a:tab algn="l" pos="4572000"/>
-                <a:tab algn="l" pos="5486400"/>
-                <a:tab algn="l" pos="6400800"/>
-                <a:tab algn="l" pos="7315200"/>
-                <a:tab algn="l" pos="8229600"/>
-                <a:tab algn="l" pos="9144000"/>
-                <a:tab algn="l" pos="10058400"/>
-              </a:tabLst>
-            </a:pPr>
             <a:r>
               <a:rPr b="0" lang="en-US" sz="2800" spc="-1" strike="noStrike">
                 <a:solidFill>
                   <a:srgbClr val="000000"/>
                 </a:solidFill>
                 <a:latin typeface="Constantia"/>
-              </a:rPr>
-              <a:t>To make access easier, individual definitions within a module may be imported</a:t>
-            </a:r>
-            <a:endParaRPr b="0" lang="en-IN" sz="2800" spc="-1" strike="noStrike">
-              <a:latin typeface="Arial"/>
-            </a:endParaRPr>
-          </a:p>
-          <a:p>
-            <a:pPr marL="216000" indent="-216000">
-              <a:lnSpc>
-                <a:spcPct val="100000"/>
-              </a:lnSpc>
-              <a:spcBef>
-                <a:spcPts val="700"/>
-              </a:spcBef>
-              <a:buClr>
-                <a:srgbClr val="1c1c1c"/>
-              </a:buClr>
-              <a:buSzPct val="45000"/>
-              <a:buFont typeface="Wingdings" charset="2"/>
-              <a:buChar char=""/>
-              <a:tabLst>
-                <a:tab algn="l" pos="914400"/>
-                <a:tab algn="l" pos="1828800"/>
-                <a:tab algn="l" pos="2743200"/>
-                <a:tab algn="l" pos="3657600"/>
-                <a:tab algn="l" pos="4572000"/>
-                <a:tab algn="l" pos="5486400"/>
-                <a:tab algn="l" pos="6400800"/>
-                <a:tab algn="l" pos="7315200"/>
-                <a:tab algn="l" pos="8229600"/>
-                <a:tab algn="l" pos="9144000"/>
-                <a:tab algn="l" pos="10058400"/>
-              </a:tabLst>
-            </a:pPr>
-            <a:endParaRPr b="0" lang="en-IN" sz="2800" spc="-1" strike="noStrike">
-              <a:latin typeface="Arial"/>
-            </a:endParaRPr>
-          </a:p>
-          <a:p>
-            <a:pPr lvl="2" marL="343080" indent="-343080">
-              <a:lnSpc>
-                <a:spcPct val="100000"/>
-              </a:lnSpc>
-              <a:spcBef>
-                <a:spcPts val="700"/>
-              </a:spcBef>
-              <a:buClr>
-                <a:srgbClr val="000000"/>
-              </a:buClr>
-              <a:buSzPct val="45000"/>
-              <a:buFont typeface="Wingdings" charset="2"/>
-              <a:buChar char=""/>
-              <a:tabLst>
-                <a:tab algn="l" pos="0"/>
-              </a:tabLst>
-            </a:pPr>
-            <a:r>
-              <a:rPr b="1" lang="en-US" sz="2800" spc="-1" strike="noStrike">
-                <a:solidFill>
-                  <a:srgbClr val="007020"/>
-                </a:solidFill>
-                <a:latin typeface="Arial"/>
-              </a:rPr>
-              <a:t>from</a:t>
-            </a:r>
-            <a:r>
-              <a:rPr b="0" lang="en-US" sz="2800" spc="-1" strike="noStrike">
-                <a:solidFill>
-                  <a:srgbClr val="000000"/>
-                </a:solidFill>
-                <a:latin typeface="Arial"/>
-              </a:rPr>
-              <a:t> </a:t>
-            </a:r>
-            <a:r>
-              <a:rPr b="1" lang="en-US" sz="2800" spc="-1" strike="noStrike">
-                <a:solidFill>
-                  <a:srgbClr val="0e84b5"/>
-                </a:solidFill>
-                <a:latin typeface="Arial"/>
-              </a:rPr>
-              <a:t>function</a:t>
-            </a:r>
-            <a:r>
-              <a:rPr b="0" lang="en-US" sz="2800" spc="-1" strike="noStrike">
-                <a:solidFill>
-                  <a:srgbClr val="000000"/>
-                </a:solidFill>
-                <a:latin typeface="Arial"/>
-              </a:rPr>
-              <a:t> </a:t>
-            </a:r>
-            <a:r>
-              <a:rPr b="1" lang="en-US" sz="2800" spc="-1" strike="noStrike">
-                <a:solidFill>
-                  <a:srgbClr val="007020"/>
-                </a:solidFill>
-                <a:latin typeface="Arial"/>
-              </a:rPr>
-              <a:t>import</a:t>
-            </a:r>
-            <a:r>
-              <a:rPr b="0" lang="en-US" sz="2800" spc="-1" strike="noStrike">
-                <a:solidFill>
-                  <a:srgbClr val="000000"/>
-                </a:solidFill>
-                <a:latin typeface="Arial"/>
-              </a:rPr>
-              <a:t> func1, func2</a:t>
-            </a:r>
-            <a:endParaRPr b="0" lang="en-IN" sz="2800" spc="-1" strike="noStrike">
-              <a:latin typeface="Arial"/>
-            </a:endParaRPr>
-          </a:p>
-          <a:p>
-            <a:pPr lvl="2" marL="343080" indent="-343080">
-              <a:lnSpc>
-                <a:spcPct val="100000"/>
-              </a:lnSpc>
-              <a:spcBef>
-                <a:spcPts val="700"/>
-              </a:spcBef>
-              <a:buClr>
-                <a:srgbClr val="000000"/>
-              </a:buClr>
-              <a:buSzPct val="45000"/>
-              <a:buFont typeface="Wingdings" charset="2"/>
-              <a:buChar char=""/>
-              <a:tabLst>
-                <a:tab algn="l" pos="0"/>
-              </a:tabLst>
-            </a:pPr>
-            <a:endParaRPr b="0" lang="en-IN" sz="2800" spc="-1" strike="noStrike">
-              <a:latin typeface="Arial"/>
-            </a:endParaRPr>
-          </a:p>
-          <a:p>
-            <a:pPr marL="216000" indent="-216000">
-              <a:lnSpc>
-                <a:spcPct val="100000"/>
-              </a:lnSpc>
-              <a:spcBef>
-                <a:spcPts val="700"/>
-              </a:spcBef>
-              <a:buClr>
-                <a:srgbClr val="1c1c1c"/>
-              </a:buClr>
-              <a:buSzPct val="45000"/>
-              <a:buFont typeface="Wingdings" charset="2"/>
-              <a:buChar char=""/>
-              <a:tabLst>
-                <a:tab algn="l" pos="914400"/>
-                <a:tab algn="l" pos="1828800"/>
-                <a:tab algn="l" pos="2743200"/>
-                <a:tab algn="l" pos="3657600"/>
-                <a:tab algn="l" pos="4572000"/>
-                <a:tab algn="l" pos="5486400"/>
-                <a:tab algn="l" pos="6400800"/>
-                <a:tab algn="l" pos="7315200"/>
-                <a:tab algn="l" pos="8229600"/>
-                <a:tab algn="l" pos="9144000"/>
-                <a:tab algn="l" pos="10058400"/>
-              </a:tabLst>
-            </a:pPr>
-            <a:r>
-              <a:rPr b="0" lang="en-US" sz="2800" spc="-1" strike="noStrike">
-                <a:solidFill>
-                  <a:srgbClr val="000000"/>
-                </a:solidFill>
-                <a:latin typeface="Constantia"/>
+                <a:ea typeface="DejaVu Sans"/>
               </a:rPr>
               <a:t>When modules are imported, all statements and definitions will be executed</a:t>
             </a:r>
@@ -26131,7 +26106,7 @@
         <p:spPr>
           <a:xfrm>
             <a:off x="609480" y="274320"/>
-            <a:ext cx="10973520" cy="1142640"/>
+            <a:ext cx="10973160" cy="1142280"/>
           </a:xfrm>
           <a:prstGeom prst="rect">
             <a:avLst/>
@@ -26176,9 +26151,6 @@
               <a:t>Accessing module components</a:t>
             </a:r>
             <a:endParaRPr b="0" lang="en-IN" sz="5000" spc="-1" strike="noStrike">
-              <a:solidFill>
-                <a:srgbClr val="1c1c1c"/>
-              </a:solidFill>
               <a:latin typeface="Arial"/>
             </a:endParaRPr>
           </a:p>
@@ -26193,7 +26165,7 @@
         <p:spPr>
           <a:xfrm>
             <a:off x="609480" y="1600200"/>
-            <a:ext cx="10973520" cy="4525560"/>
+            <a:ext cx="10973160" cy="4525200"/>
           </a:xfrm>
           <a:prstGeom prst="rect">
             <a:avLst/>
@@ -26247,9 +26219,91 @@
                   <a:srgbClr val="000000"/>
                 </a:solidFill>
                 <a:latin typeface="Constantia"/>
+                <a:ea typeface="DejaVu Sans"/>
               </a:rPr>
               <a:t>To use functions defined in module, type module name followed by dot</a:t>
             </a:r>
+            <a:endParaRPr b="0" lang="en-IN" sz="2600" spc="-1" strike="noStrike">
+              <a:latin typeface="Arial"/>
+            </a:endParaRPr>
+          </a:p>
+          <a:p>
+            <a:pPr>
+              <a:lnSpc>
+                <a:spcPct val="100000"/>
+              </a:lnSpc>
+              <a:spcBef>
+                <a:spcPts val="799"/>
+              </a:spcBef>
+              <a:buNone/>
+              <a:tabLst>
+                <a:tab algn="l" pos="914400"/>
+                <a:tab algn="l" pos="1828800"/>
+                <a:tab algn="l" pos="2743200"/>
+                <a:tab algn="l" pos="3657600"/>
+                <a:tab algn="l" pos="4572000"/>
+                <a:tab algn="l" pos="5486400"/>
+                <a:tab algn="l" pos="6400800"/>
+                <a:tab algn="l" pos="7315200"/>
+                <a:tab algn="l" pos="8229600"/>
+                <a:tab algn="l" pos="9144000"/>
+                <a:tab algn="l" pos="10058400"/>
+              </a:tabLst>
+            </a:pPr>
+            <a:endParaRPr b="0" lang="en-IN" sz="2600" spc="-1" strike="noStrike">
+              <a:latin typeface="Arial"/>
+            </a:endParaRPr>
+          </a:p>
+          <a:p>
+            <a:pPr>
+              <a:lnSpc>
+                <a:spcPct val="100000"/>
+              </a:lnSpc>
+              <a:spcBef>
+                <a:spcPts val="799"/>
+              </a:spcBef>
+              <a:buNone/>
+              <a:tabLst>
+                <a:tab algn="l" pos="0"/>
+              </a:tabLst>
+            </a:pPr>
+            <a:r>
+              <a:rPr b="1" lang="en-US" sz="2800" spc="-1" strike="noStrike">
+                <a:solidFill>
+                  <a:srgbClr val="0e84b5"/>
+                </a:solidFill>
+                <a:latin typeface="Arial"/>
+                <a:ea typeface="DejaVu Sans"/>
+              </a:rPr>
+              <a:t>example</a:t>
+            </a:r>
+            <a:r>
+              <a:rPr b="0" lang="en-US" sz="1800" spc="-1" strike="noStrike">
+                <a:solidFill>
+                  <a:srgbClr val="000000"/>
+                </a:solidFill>
+                <a:latin typeface="Arial"/>
+                <a:ea typeface="DejaVu Sans"/>
+              </a:rPr>
+              <a:t>.func(3)</a:t>
+            </a:r>
+            <a:endParaRPr b="0" lang="en-IN" sz="1800" spc="-1" strike="noStrike">
+              <a:latin typeface="Arial"/>
+            </a:endParaRPr>
+          </a:p>
+          <a:p>
+            <a:pPr>
+              <a:lnSpc>
+                <a:spcPct val="100000"/>
+              </a:lnSpc>
+              <a:spcBef>
+                <a:spcPts val="799"/>
+              </a:spcBef>
+              <a:buNone/>
+              <a:tabLst>
+                <a:tab algn="l" pos="0"/>
+              </a:tabLst>
+            </a:pPr>
             <a:endParaRPr b="0" lang="en-IN" sz="2600" spc="-1" strike="noStrike">
               <a:latin typeface="Arial"/>
             </a:endParaRPr>
@@ -26282,6 +26336,36 @@
                 <a:tab algn="l" pos="10058400"/>
               </a:tabLst>
             </a:pPr>
+            <a:r>
+              <a:rPr b="0" lang="en-US" sz="2600" spc="-1" strike="noStrike">
+                <a:solidFill>
+                  <a:srgbClr val="000000"/>
+                </a:solidFill>
+                <a:latin typeface="Constantia"/>
+                <a:ea typeface="DejaVu Sans"/>
+              </a:rPr>
+              <a:t>If function in module was imported individually with </a:t>
+            </a:r>
+            <a:r>
+              <a:rPr b="1" lang="en-US" sz="2600" spc="-1" strike="noStrike">
+                <a:solidFill>
+                  <a:srgbClr val="007020"/>
+                </a:solidFill>
+                <a:latin typeface="Arial"/>
+                <a:ea typeface="DejaVu Sans"/>
+              </a:rPr>
+              <a:t>from</a:t>
+            </a:r>
+            <a:r>
+              <a:rPr b="0" lang="en-US" sz="2600" spc="-1" strike="noStrike">
+                <a:solidFill>
+                  <a:srgbClr val="000000"/>
+                </a:solidFill>
+                <a:latin typeface="Constantia"/>
+                <a:ea typeface="DejaVu Sans"/>
+              </a:rPr>
+              <a:t>, the module name and the dot may be excluded</a:t>
+            </a:r>
             <a:endParaRPr b="0" lang="en-IN" sz="2600" spc="-1" strike="noStrike">
               <a:latin typeface="Arial"/>
             </a:endParaRPr>
@@ -26310,118 +26394,7 @@
                   <a:srgbClr val="000000"/>
                 </a:solidFill>
                 <a:latin typeface="Arial"/>
-              </a:rPr>
-              <a:t>example.func(3)</a:t>
-            </a:r>
-            <a:endParaRPr b="0" lang="en-IN" sz="2600" spc="-1" strike="noStrike">
-              <a:latin typeface="Arial"/>
-            </a:endParaRPr>
-          </a:p>
-          <a:p>
-            <a:pPr lvl="2" marL="343080" indent="-343080">
-              <a:lnSpc>
-                <a:spcPct val="100000"/>
-              </a:lnSpc>
-              <a:spcBef>
-                <a:spcPts val="799"/>
-              </a:spcBef>
-              <a:buClr>
-                <a:srgbClr val="000000"/>
-              </a:buClr>
-              <a:buSzPct val="45000"/>
-              <a:buFont typeface="Wingdings" charset="2"/>
-              <a:buChar char=""/>
-              <a:tabLst>
-                <a:tab algn="l" pos="0"/>
-              </a:tabLst>
-            </a:pPr>
-            <a:endParaRPr b="0" lang="en-IN" sz="2600" spc="-1" strike="noStrike">
-              <a:latin typeface="Arial"/>
-            </a:endParaRPr>
-          </a:p>
-          <a:p>
-            <a:pPr marL="216000" indent="-216000">
-              <a:lnSpc>
-                <a:spcPct val="100000"/>
-              </a:lnSpc>
-              <a:spcBef>
-                <a:spcPts val="799"/>
-              </a:spcBef>
-              <a:buClr>
-                <a:srgbClr val="1c1c1c"/>
-              </a:buClr>
-              <a:buSzPct val="45000"/>
-              <a:buFont typeface="Wingdings" charset="2"/>
-              <a:buChar char=""/>
-              <a:tabLst>
-                <a:tab algn="l" pos="914400"/>
-                <a:tab algn="l" pos="1828800"/>
-                <a:tab algn="l" pos="2743200"/>
-                <a:tab algn="l" pos="3657600"/>
-                <a:tab algn="l" pos="4572000"/>
-                <a:tab algn="l" pos="5486400"/>
-                <a:tab algn="l" pos="6400800"/>
-                <a:tab algn="l" pos="7315200"/>
-                <a:tab algn="l" pos="8229600"/>
-                <a:tab algn="l" pos="9144000"/>
-                <a:tab algn="l" pos="10058400"/>
-              </a:tabLst>
-            </a:pPr>
-            <a:r>
-              <a:rPr b="0" lang="en-US" sz="2600" spc="-1" strike="noStrike">
-                <a:solidFill>
-                  <a:srgbClr val="000000"/>
-                </a:solidFill>
-                <a:latin typeface="Constantia"/>
-              </a:rPr>
-              <a:t>If function in module was imported individually with </a:t>
-            </a:r>
-            <a:r>
-              <a:rPr b="1" lang="en-US" sz="2600" spc="-1" strike="noStrike">
-                <a:solidFill>
-                  <a:srgbClr val="007020"/>
-                </a:solidFill>
-                <a:latin typeface="Arial"/>
-              </a:rPr>
-              <a:t>from</a:t>
-            </a:r>
-            <a:r>
-              <a:rPr b="0" lang="en-US" sz="2600" spc="-1" strike="noStrike">
-                <a:solidFill>
-                  <a:srgbClr val="000000"/>
-                </a:solidFill>
-                <a:latin typeface="Constantia"/>
-              </a:rPr>
-              <a:t>, the module name and the dot may be excluded</a:t>
-            </a:r>
-            <a:endParaRPr b="0" lang="en-IN" sz="2600" spc="-1" strike="noStrike">
-              <a:latin typeface="Arial"/>
-            </a:endParaRPr>
-          </a:p>
-          <a:p>
-            <a:pPr lvl="2" marL="343080" indent="-343080">
-              <a:lnSpc>
-                <a:spcPct val="100000"/>
-              </a:lnSpc>
-              <a:spcBef>
-                <a:spcPts val="799"/>
-              </a:spcBef>
-              <a:buClr>
-                <a:srgbClr val="000000"/>
-              </a:buClr>
-              <a:buSzPct val="45000"/>
-              <a:buFont typeface="Wingdings" charset="2"/>
-              <a:buChar char=""/>
-              <a:tabLst>
-                <a:tab algn="l" pos="0"/>
-              </a:tabLst>
-            </a:pPr>
-            <a:r>
-              <a:rPr b="0" lang="en-US" sz="2600" spc="-1" strike="noStrike">
-                <a:solidFill>
-                  <a:srgbClr val="000000"/>
-                </a:solidFill>
-                <a:latin typeface="Arial"/>
+                <a:ea typeface="DejaVu Sans"/>
               </a:rPr>
               <a:t>func(3)</a:t>
             </a:r>
@@ -26491,7 +26464,7 @@
         <p:spPr>
           <a:xfrm>
             <a:off x="838080" y="365040"/>
-            <a:ext cx="10515600" cy="1324440"/>
+            <a:ext cx="10515240" cy="1324080"/>
           </a:xfrm>
           <a:prstGeom prst="rect">
             <a:avLst/>
@@ -26540,7 +26513,7 @@
         <p:spPr>
           <a:xfrm>
             <a:off x="838080" y="1825560"/>
-            <a:ext cx="10515600" cy="4350240"/>
+            <a:ext cx="10515240" cy="4349880"/>
           </a:xfrm>
           <a:prstGeom prst="rect">
             <a:avLst/>
@@ -26665,7 +26638,7 @@
         <p:spPr>
           <a:xfrm>
             <a:off x="839160" y="3800880"/>
-            <a:ext cx="8495280" cy="961920"/>
+            <a:ext cx="8494920" cy="961560"/>
           </a:xfrm>
           <a:prstGeom prst="rect">
             <a:avLst/>
@@ -26713,7 +26686,7 @@
         <p:spPr>
           <a:xfrm>
             <a:off x="609480" y="274320"/>
-            <a:ext cx="10973520" cy="1142640"/>
+            <a:ext cx="10973160" cy="1142280"/>
           </a:xfrm>
           <a:prstGeom prst="rect">
             <a:avLst/>
@@ -26758,9 +26731,6 @@
               <a:t>Module search path</a:t>
             </a:r>
             <a:endParaRPr b="0" lang="en-IN" sz="5000" spc="-1" strike="noStrike">
-              <a:solidFill>
-                <a:srgbClr val="1c1c1c"/>
-              </a:solidFill>
               <a:latin typeface="Arial"/>
             </a:endParaRPr>
           </a:p>
@@ -26775,7 +26745,7 @@
         <p:spPr>
           <a:xfrm>
             <a:off x="609480" y="1600200"/>
-            <a:ext cx="10973520" cy="4525560"/>
+            <a:ext cx="10973160" cy="4525200"/>
           </a:xfrm>
           <a:prstGeom prst="rect">
             <a:avLst/>
@@ -26829,6 +26799,7 @@
                   <a:srgbClr val="000000"/>
                 </a:solidFill>
                 <a:latin typeface="Constantia"/>
+                <a:ea typeface="DejaVu Sans"/>
               </a:rPr>
               <a:t>Interpreter looks for all imported modules in certain designated places, in the following order, until the module is found:</a:t>
             </a:r>
@@ -26868,6 +26839,7 @@
                   <a:srgbClr val="000000"/>
                 </a:solidFill>
                 <a:latin typeface="Constantia"/>
+                <a:ea typeface="DejaVu Sans"/>
               </a:rPr>
               <a:t>Current directory</a:t>
             </a:r>
@@ -26907,6 +26879,7 @@
                   <a:srgbClr val="000000"/>
                 </a:solidFill>
                 <a:latin typeface="Constantia"/>
+                <a:ea typeface="DejaVu Sans"/>
               </a:rPr>
               <a:t>The list of directories in PYTHONPATH environment variable</a:t>
             </a:r>
@@ -26946,6 +26919,7 @@
                   <a:srgbClr val="000000"/>
                 </a:solidFill>
                 <a:latin typeface="Constantia"/>
+                <a:ea typeface="DejaVu Sans"/>
               </a:rPr>
               <a:t>Installation-dependent default path</a:t>
             </a:r>
@@ -26998,7 +26972,7 @@
         <p:spPr>
           <a:xfrm>
             <a:off x="609480" y="274320"/>
-            <a:ext cx="10973520" cy="1142640"/>
+            <a:ext cx="10973160" cy="1142280"/>
           </a:xfrm>
           <a:prstGeom prst="rect">
             <a:avLst/>
@@ -27043,9 +27017,6 @@
               <a:t>Standard modules</a:t>
             </a:r>
             <a:endParaRPr b="0" lang="en-IN" sz="5000" spc="-1" strike="noStrike">
-              <a:solidFill>
-                <a:srgbClr val="1c1c1c"/>
-              </a:solidFill>
               <a:latin typeface="Arial"/>
             </a:endParaRPr>
           </a:p>
@@ -27060,7 +27031,7 @@
         <p:spPr>
           <a:xfrm>
             <a:off x="609480" y="1600200"/>
-            <a:ext cx="10973520" cy="4525560"/>
+            <a:ext cx="10973160" cy="4525200"/>
           </a:xfrm>
           <a:prstGeom prst="rect">
             <a:avLst/>
@@ -27114,9 +27085,37 @@
                   <a:srgbClr val="000000"/>
                 </a:solidFill>
                 <a:latin typeface="Constantia"/>
+                <a:ea typeface="DejaVu Sans"/>
               </a:rPr>
               <a:t>There is a standard library of Python modules</a:t>
             </a:r>
+            <a:endParaRPr b="0" lang="en-IN" sz="2600" spc="-1" strike="noStrike">
+              <a:latin typeface="Arial"/>
+            </a:endParaRPr>
+          </a:p>
+          <a:p>
+            <a:pPr>
+              <a:lnSpc>
+                <a:spcPct val="100000"/>
+              </a:lnSpc>
+              <a:spcBef>
+                <a:spcPts val="799"/>
+              </a:spcBef>
+              <a:buNone/>
+              <a:tabLst>
+                <a:tab algn="l" pos="914400"/>
+                <a:tab algn="l" pos="1828800"/>
+                <a:tab algn="l" pos="2743200"/>
+                <a:tab algn="l" pos="3657600"/>
+                <a:tab algn="l" pos="4572000"/>
+                <a:tab algn="l" pos="5486400"/>
+                <a:tab algn="l" pos="6400800"/>
+                <a:tab algn="l" pos="7315200"/>
+                <a:tab algn="l" pos="8229600"/>
+                <a:tab algn="l" pos="9144000"/>
+                <a:tab algn="l" pos="10058400"/>
+              </a:tabLst>
+            </a:pPr>
             <a:endParaRPr b="0" lang="en-IN" sz="2600" spc="-1" strike="noStrike">
               <a:latin typeface="Arial"/>
             </a:endParaRPr>
@@ -27149,6 +27148,43 @@
                 <a:tab algn="l" pos="10058400"/>
               </a:tabLst>
             </a:pPr>
+            <a:r>
+              <a:rPr b="0" lang="en-US" sz="2600" spc="-1" strike="noStrike">
+                <a:solidFill>
+                  <a:srgbClr val="000000"/>
+                </a:solidFill>
+                <a:latin typeface="Constantia"/>
+                <a:ea typeface="DejaVu Sans"/>
+              </a:rPr>
+              <a:t>These modules contain built-in operations that are not actually a part of Python at its core</a:t>
+            </a:r>
+            <a:endParaRPr b="0" lang="en-IN" sz="2600" spc="-1" strike="noStrike">
+              <a:latin typeface="Arial"/>
+            </a:endParaRPr>
+          </a:p>
+          <a:p>
+            <a:pPr>
+              <a:lnSpc>
+                <a:spcPct val="100000"/>
+              </a:lnSpc>
+              <a:spcBef>
+                <a:spcPts val="799"/>
+              </a:spcBef>
+              <a:buNone/>
+              <a:tabLst>
+                <a:tab algn="l" pos="914400"/>
+                <a:tab algn="l" pos="1828800"/>
+                <a:tab algn="l" pos="2743200"/>
+                <a:tab algn="l" pos="3657600"/>
+                <a:tab algn="l" pos="4572000"/>
+                <a:tab algn="l" pos="5486400"/>
+                <a:tab algn="l" pos="6400800"/>
+                <a:tab algn="l" pos="7315200"/>
+                <a:tab algn="l" pos="8229600"/>
+                <a:tab algn="l" pos="9144000"/>
+                <a:tab algn="l" pos="10058400"/>
+              </a:tabLst>
+            </a:pPr>
             <a:endParaRPr b="0" lang="en-IN" sz="2600" spc="-1" strike="noStrike">
               <a:latin typeface="Arial"/>
             </a:endParaRPr>
@@ -27187,9 +27223,37 @@
                   <a:srgbClr val="000000"/>
                 </a:solidFill>
                 <a:latin typeface="Constantia"/>
-              </a:rPr>
-              <a:t>These modules contain built-in operations that are not actually a part of Python at its core</a:t>
-            </a:r>
+                <a:ea typeface="DejaVu Sans"/>
+              </a:rPr>
+              <a:t>Some modules are only imported if a certain operating system is being used</a:t>
+            </a:r>
+            <a:endParaRPr b="0" lang="en-IN" sz="2600" spc="-1" strike="noStrike">
+              <a:latin typeface="Arial"/>
+            </a:endParaRPr>
+          </a:p>
+          <a:p>
+            <a:pPr>
+              <a:lnSpc>
+                <a:spcPct val="100000"/>
+              </a:lnSpc>
+              <a:spcBef>
+                <a:spcPts val="799"/>
+              </a:spcBef>
+              <a:buNone/>
+              <a:tabLst>
+                <a:tab algn="l" pos="914400"/>
+                <a:tab algn="l" pos="1828800"/>
+                <a:tab algn="l" pos="2743200"/>
+                <a:tab algn="l" pos="3657600"/>
+                <a:tab algn="l" pos="4572000"/>
+                <a:tab algn="l" pos="5486400"/>
+                <a:tab algn="l" pos="6400800"/>
+                <a:tab algn="l" pos="7315200"/>
+                <a:tab algn="l" pos="8229600"/>
+                <a:tab algn="l" pos="9144000"/>
+                <a:tab algn="l" pos="10058400"/>
+              </a:tabLst>
+            </a:pPr>
             <a:endParaRPr b="0" lang="en-IN" sz="2600" spc="-1" strike="noStrike">
               <a:latin typeface="Arial"/>
             </a:endParaRPr>
@@ -27222,24 +27286,29 @@
                 <a:tab algn="l" pos="10058400"/>
               </a:tabLst>
             </a:pPr>
+            <a:r>
+              <a:rPr b="0" lang="en-US" sz="2600" spc="-1" strike="noStrike">
+                <a:solidFill>
+                  <a:srgbClr val="000000"/>
+                </a:solidFill>
+                <a:latin typeface="Constantia"/>
+                <a:ea typeface="DejaVu Sans"/>
+              </a:rPr>
+              <a:t>One important library module is called the “math module”</a:t>
+            </a:r>
             <a:endParaRPr b="0" lang="en-IN" sz="2600" spc="-1" strike="noStrike">
               <a:latin typeface="Arial"/>
             </a:endParaRPr>
           </a:p>
           <a:p>
-            <a:pPr marL="272880" indent="-272880">
+            <a:pPr>
               <a:lnSpc>
                 <a:spcPct val="100000"/>
               </a:lnSpc>
               <a:spcBef>
                 <a:spcPts val="799"/>
               </a:spcBef>
-              <a:buClr>
-                <a:srgbClr val="1c1c1c"/>
-              </a:buClr>
-              <a:buSzPct val="95000"/>
-              <a:buFont typeface="Wingdings 2" charset="2"/>
-              <a:buChar char=""/>
+              <a:buNone/>
               <a:tabLst>
                 <a:tab algn="l" pos="914400"/>
                 <a:tab algn="l" pos="1828800"/>
@@ -27260,124 +27329,17 @@
                   <a:srgbClr val="000000"/>
                 </a:solidFill>
                 <a:latin typeface="Constantia"/>
-              </a:rPr>
-              <a:t>Some modules are only imported if a certain operating system is being used</a:t>
-            </a:r>
-            <a:endParaRPr b="0" lang="en-IN" sz="2600" spc="-1" strike="noStrike">
-              <a:latin typeface="Arial"/>
-            </a:endParaRPr>
-          </a:p>
-          <a:p>
-            <a:pPr marL="272880" indent="-272880">
-              <a:lnSpc>
-                <a:spcPct val="100000"/>
-              </a:lnSpc>
-              <a:spcBef>
-                <a:spcPts val="799"/>
-              </a:spcBef>
-              <a:buClr>
-                <a:srgbClr val="1c1c1c"/>
-              </a:buClr>
-              <a:buSzPct val="95000"/>
-              <a:buFont typeface="Wingdings 2" charset="2"/>
-              <a:buChar char=""/>
-              <a:tabLst>
-                <a:tab algn="l" pos="914400"/>
-                <a:tab algn="l" pos="1828800"/>
-                <a:tab algn="l" pos="2743200"/>
-                <a:tab algn="l" pos="3657600"/>
-                <a:tab algn="l" pos="4572000"/>
-                <a:tab algn="l" pos="5486400"/>
-                <a:tab algn="l" pos="6400800"/>
-                <a:tab algn="l" pos="7315200"/>
-                <a:tab algn="l" pos="8229600"/>
-                <a:tab algn="l" pos="9144000"/>
-                <a:tab algn="l" pos="10058400"/>
-              </a:tabLst>
-            </a:pPr>
-            <a:endParaRPr b="0" lang="en-IN" sz="2600" spc="-1" strike="noStrike">
-              <a:latin typeface="Arial"/>
-            </a:endParaRPr>
-          </a:p>
-          <a:p>
-            <a:pPr marL="272880" indent="-272880">
-              <a:lnSpc>
-                <a:spcPct val="100000"/>
-              </a:lnSpc>
-              <a:spcBef>
-                <a:spcPts val="799"/>
-              </a:spcBef>
-              <a:buClr>
-                <a:srgbClr val="1c1c1c"/>
-              </a:buClr>
-              <a:buSzPct val="95000"/>
-              <a:buFont typeface="Wingdings 2" charset="2"/>
-              <a:buChar char=""/>
-              <a:tabLst>
-                <a:tab algn="l" pos="914400"/>
-                <a:tab algn="l" pos="1828800"/>
-                <a:tab algn="l" pos="2743200"/>
-                <a:tab algn="l" pos="3657600"/>
-                <a:tab algn="l" pos="4572000"/>
-                <a:tab algn="l" pos="5486400"/>
-                <a:tab algn="l" pos="6400800"/>
-                <a:tab algn="l" pos="7315200"/>
-                <a:tab algn="l" pos="8229600"/>
-                <a:tab algn="l" pos="9144000"/>
-                <a:tab algn="l" pos="10058400"/>
-              </a:tabLst>
-            </a:pPr>
+                <a:ea typeface="DejaVu Sans"/>
+              </a:rPr>
+              <a:t>	</a:t>
+            </a:r>
             <a:r>
               <a:rPr b="0" lang="en-US" sz="2600" spc="-1" strike="noStrike">
                 <a:solidFill>
                   <a:srgbClr val="000000"/>
                 </a:solidFill>
                 <a:latin typeface="Constantia"/>
-              </a:rPr>
-              <a:t>One important library module is called the “math module”</a:t>
-            </a:r>
-            <a:endParaRPr b="0" lang="en-IN" sz="2600" spc="-1" strike="noStrike">
-              <a:latin typeface="Arial"/>
-            </a:endParaRPr>
-          </a:p>
-          <a:p>
-            <a:pPr>
-              <a:lnSpc>
-                <a:spcPct val="100000"/>
-              </a:lnSpc>
-              <a:spcBef>
-                <a:spcPts val="799"/>
-              </a:spcBef>
-              <a:buNone/>
-              <a:tabLst>
-                <a:tab algn="l" pos="914400"/>
-                <a:tab algn="l" pos="1828800"/>
-                <a:tab algn="l" pos="2743200"/>
-                <a:tab algn="l" pos="3657600"/>
-                <a:tab algn="l" pos="4572000"/>
-                <a:tab algn="l" pos="5486400"/>
-                <a:tab algn="l" pos="6400800"/>
-                <a:tab algn="l" pos="7315200"/>
-                <a:tab algn="l" pos="8229600"/>
-                <a:tab algn="l" pos="9144000"/>
-                <a:tab algn="l" pos="10058400"/>
-              </a:tabLst>
-            </a:pPr>
-            <a:r>
-              <a:rPr b="0" lang="en-US" sz="2600" spc="-1" strike="noStrike">
-                <a:solidFill>
-                  <a:srgbClr val="000000"/>
-                </a:solidFill>
-                <a:latin typeface="Constantia"/>
-              </a:rPr>
-              <a:t>	</a:t>
-            </a:r>
-            <a:r>
-              <a:rPr b="0" lang="en-US" sz="2600" spc="-1" strike="noStrike">
-                <a:solidFill>
-                  <a:srgbClr val="000000"/>
-                </a:solidFill>
-                <a:latin typeface="Constantia"/>
+                <a:ea typeface="DejaVu Sans"/>
               </a:rPr>
               <a:t>Python has a built-in math module</a:t>
             </a:r>
@@ -27430,7 +27392,7 @@
         <p:spPr>
           <a:xfrm>
             <a:off x="609480" y="274320"/>
-            <a:ext cx="10973520" cy="1142640"/>
+            <a:ext cx="10973160" cy="1142280"/>
           </a:xfrm>
           <a:prstGeom prst="rect">
             <a:avLst/>
@@ -27475,9 +27437,6 @@
               <a:t>Example: The math module</a:t>
             </a:r>
             <a:endParaRPr b="0" lang="en-IN" sz="5000" spc="-1" strike="noStrike">
-              <a:solidFill>
-                <a:srgbClr val="1c1c1c"/>
-              </a:solidFill>
               <a:latin typeface="Arial"/>
             </a:endParaRPr>
           </a:p>
@@ -27492,7 +27451,7 @@
         <p:spPr>
           <a:xfrm>
             <a:off x="609480" y="1600200"/>
-            <a:ext cx="10973520" cy="4525560"/>
+            <a:ext cx="10973160" cy="4525200"/>
           </a:xfrm>
           <a:prstGeom prst="rect">
             <a:avLst/>
@@ -27546,6 +27505,7 @@
                   <a:srgbClr val="000000"/>
                 </a:solidFill>
                 <a:latin typeface="Constantia"/>
+                <a:ea typeface="DejaVu Sans"/>
               </a:rPr>
               <a:t>Two functions contained in math, sqrt and pow, allow for the calculation of square roots and powers</a:t>
             </a:r>
@@ -27585,6 +27545,7 @@
                   <a:srgbClr val="000000"/>
                 </a:solidFill>
                 <a:latin typeface="Arial"/>
+                <a:ea typeface="DejaVu Sans"/>
               </a:rPr>
               <a:t> </a:t>
             </a:r>
@@ -27641,7 +27602,7 @@
         <p:spPr>
           <a:xfrm>
             <a:off x="720000" y="3161880"/>
-            <a:ext cx="10820160" cy="2238120"/>
+            <a:ext cx="10819800" cy="2237760"/>
           </a:xfrm>
           <a:prstGeom prst="rect">
             <a:avLst/>
@@ -27694,7 +27655,7 @@
         <p:spPr>
           <a:xfrm>
             <a:off x="609480" y="274320"/>
-            <a:ext cx="10973520" cy="1142640"/>
+            <a:ext cx="10973160" cy="1142280"/>
           </a:xfrm>
           <a:prstGeom prst="rect">
             <a:avLst/>
@@ -27753,7 +27714,7 @@
         <p:spPr>
           <a:xfrm>
             <a:off x="609480" y="1600200"/>
-            <a:ext cx="10973520" cy="4525560"/>
+            <a:ext cx="10973160" cy="4525200"/>
           </a:xfrm>
           <a:prstGeom prst="rect">
             <a:avLst/>
@@ -27807,6 +27768,7 @@
                   <a:srgbClr val="000000"/>
                 </a:solidFill>
                 <a:latin typeface="Constantia"/>
+                <a:ea typeface="DejaVu Sans"/>
               </a:rPr>
               <a:t>To check out all the functions and variables in the math module, run</a:t>
             </a:r>
@@ -27860,6 +27822,7 @@
                   <a:srgbClr val="c65d09"/>
                 </a:solidFill>
                 <a:latin typeface="Arial"/>
+                <a:ea typeface="DejaVu Sans"/>
               </a:rPr>
               <a:t>&gt;&gt;&gt; </a:t>
             </a:r>
@@ -27869,6 +27832,7 @@
                   <a:srgbClr val="007020"/>
                 </a:solidFill>
                 <a:latin typeface="Arial"/>
+                <a:ea typeface="DejaVu Sans"/>
               </a:rPr>
               <a:t>import</a:t>
             </a:r>
@@ -27878,6 +27842,7 @@
                   <a:srgbClr val="000000"/>
                 </a:solidFill>
                 <a:latin typeface="Arial"/>
+                <a:ea typeface="DejaVu Sans"/>
               </a:rPr>
               <a:t> </a:t>
             </a:r>
@@ -27887,6 +27852,7 @@
                   <a:srgbClr val="0e84b5"/>
                 </a:solidFill>
                 <a:latin typeface="Arial"/>
+                <a:ea typeface="DejaVu Sans"/>
               </a:rPr>
               <a:t>math</a:t>
             </a:r>
@@ -27896,6 +27862,7 @@
                   <a:srgbClr val="000000"/>
                 </a:solidFill>
                 <a:latin typeface="Arial"/>
+                <a:ea typeface="DejaVu Sans"/>
               </a:rPr>
               <a:t> </a:t>
             </a:r>
@@ -27922,6 +27889,7 @@
                   <a:srgbClr val="c65d09"/>
                 </a:solidFill>
                 <a:latin typeface="Arial"/>
+                <a:ea typeface="DejaVu Sans"/>
               </a:rPr>
               <a:t>&gt;&gt;&gt; </a:t>
             </a:r>
@@ -27931,6 +27899,7 @@
                   <a:srgbClr val="000000"/>
                 </a:solidFill>
                 <a:latin typeface="Arial"/>
+                <a:ea typeface="DejaVu Sans"/>
               </a:rPr>
               <a:t>dir(math)</a:t>
             </a:r>
@@ -27957,6 +27926,7 @@
                   <a:srgbClr val="666666"/>
                 </a:solidFill>
                 <a:latin typeface="Arial"/>
+                <a:ea typeface="DejaVu Sans"/>
               </a:rPr>
               <a:t>['__doc__', '__file__', '__loader__', '__name__', '__package__', '__spec__', 'acos', 'acosh', 'asin', 'asinh', 'atan', 'atan2', 'atanh', 'cbrt', 'ceil', 'comb', 'copysign', 'cos', 'cosh', 'degrees', 'dist', 'e', 'erf', 'erfc', 'exp', 'exp2', 'expm1', 'fabs', 'factorial', 'floor', 'fmod', 'frexp', 'fsum', 'gamma', 'gcd', 'hypot', 'inf', 'isclose', 'isfinite', 'isinf', 'isnan', 'isqrt', 'lcm', 'ldexp', 'lgamma', 'log', 'log10', 'log1p', 'log2', 'modf', 'nan', 'nextafter', 'perm', 'pi', 'pow', 'prod', 'radians', 'remainder', 'sin', 'sinh', 'sqrt', 'tan', 'tanh', 'tau', 'trunc', 'ulp']</a:t>
             </a:r>
@@ -27983,6 +27953,7 @@
                   <a:srgbClr val="c65d09"/>
                 </a:solidFill>
                 <a:latin typeface="Arial"/>
+                <a:ea typeface="DejaVu Sans"/>
               </a:rPr>
               <a:t>&gt;&gt;&gt; </a:t>
             </a:r>
@@ -27992,6 +27963,7 @@
                   <a:srgbClr val="000000"/>
                 </a:solidFill>
                 <a:latin typeface="Arial"/>
+                <a:ea typeface="DejaVu Sans"/>
               </a:rPr>
               <a:t>math.pi # Print value of pi</a:t>
             </a:r>
@@ -28018,6 +27990,7 @@
                   <a:srgbClr val="999999"/>
                 </a:solidFill>
                 <a:latin typeface="Arial"/>
+                <a:ea typeface="DejaVu Sans"/>
               </a:rPr>
               <a:t>3.141592653589793</a:t>
             </a:r>
@@ -28047,6 +28020,7 @@
                   <a:srgbClr val="000000"/>
                 </a:solidFill>
                 <a:latin typeface="Arial"/>
+                <a:ea typeface="DejaVu Sans"/>
               </a:rPr>
               <a:t> </a:t>
             </a:r>
@@ -28099,7 +28073,7 @@
         <p:spPr>
           <a:xfrm>
             <a:off x="7560000" y="4155840"/>
-            <a:ext cx="595080" cy="344160"/>
+            <a:ext cx="594720" cy="343800"/>
           </a:xfrm>
           <a:prstGeom prst="roundRect">
             <a:avLst>
@@ -28135,7 +28109,7 @@
         <p:spPr>
           <a:xfrm>
             <a:off x="8548920" y="3312000"/>
-            <a:ext cx="595080" cy="344160"/>
+            <a:ext cx="594720" cy="343800"/>
           </a:xfrm>
           <a:prstGeom prst="roundRect">
             <a:avLst>
@@ -28171,7 +28145,7 @@
         <p:spPr>
           <a:xfrm>
             <a:off x="6424920" y="3600000"/>
-            <a:ext cx="1135080" cy="344160"/>
+            <a:ext cx="1134720" cy="343800"/>
           </a:xfrm>
           <a:prstGeom prst="roundRect">
             <a:avLst>
@@ -28207,7 +28181,7 @@
         <p:spPr>
           <a:xfrm>
             <a:off x="9576000" y="4155840"/>
-            <a:ext cx="1044000" cy="344160"/>
+            <a:ext cx="1043640" cy="343800"/>
           </a:xfrm>
           <a:prstGeom prst="roundRect">
             <a:avLst>
@@ -28433,7 +28407,7 @@
         <p:spPr>
           <a:xfrm>
             <a:off x="609480" y="274320"/>
-            <a:ext cx="10973520" cy="1142640"/>
+            <a:ext cx="10973160" cy="1142280"/>
           </a:xfrm>
           <a:prstGeom prst="rect">
             <a:avLst/>
@@ -28496,7 +28470,7 @@
         <p:spPr>
           <a:xfrm>
             <a:off x="760320" y="1479240"/>
-            <a:ext cx="10696320" cy="1580760"/>
+            <a:ext cx="10695960" cy="1580400"/>
           </a:xfrm>
           <a:prstGeom prst="rect">
             <a:avLst/>
@@ -28519,7 +28493,7 @@
         <p:spPr>
           <a:xfrm>
             <a:off x="823680" y="3960000"/>
-            <a:ext cx="10696320" cy="1580760"/>
+            <a:ext cx="10695960" cy="1580400"/>
           </a:xfrm>
           <a:prstGeom prst="rect">
             <a:avLst/>
@@ -28572,7 +28546,7 @@
         <p:spPr>
           <a:xfrm>
             <a:off x="609480" y="274320"/>
-            <a:ext cx="10973520" cy="1142640"/>
+            <a:ext cx="10973160" cy="1142280"/>
           </a:xfrm>
           <a:prstGeom prst="rect">
             <a:avLst/>
@@ -28635,7 +28609,7 @@
         <p:spPr>
           <a:xfrm>
             <a:off x="774720" y="1926000"/>
-            <a:ext cx="10667520" cy="1314000"/>
+            <a:ext cx="10667160" cy="1313640"/>
           </a:xfrm>
           <a:prstGeom prst="rect">
             <a:avLst/>
@@ -28658,7 +28632,7 @@
         <p:spPr>
           <a:xfrm>
             <a:off x="900000" y="4320000"/>
-            <a:ext cx="10648440" cy="1933200"/>
+            <a:ext cx="10648080" cy="1932840"/>
           </a:xfrm>
           <a:prstGeom prst="rect">
             <a:avLst/>
@@ -28711,7 +28685,7 @@
         <p:spPr>
           <a:xfrm>
             <a:off x="838080" y="365040"/>
-            <a:ext cx="10515600" cy="1324440"/>
+            <a:ext cx="10515240" cy="1324080"/>
           </a:xfrm>
           <a:prstGeom prst="rect">
             <a:avLst/>
@@ -28760,7 +28734,7 @@
         <p:spPr>
           <a:xfrm>
             <a:off x="838080" y="1825560"/>
-            <a:ext cx="10515600" cy="4350240"/>
+            <a:ext cx="10515240" cy="4349880"/>
           </a:xfrm>
           <a:prstGeom prst="rect">
             <a:avLst/>
@@ -28866,7 +28840,7 @@
         <p:spPr>
           <a:xfrm>
             <a:off x="1046880" y="1482840"/>
-            <a:ext cx="7917840" cy="1230840"/>
+            <a:ext cx="7917480" cy="1230480"/>
           </a:xfrm>
           <a:prstGeom prst="rect">
             <a:avLst/>
@@ -28889,7 +28863,7 @@
         <p:spPr>
           <a:xfrm>
             <a:off x="1046880" y="3502080"/>
-            <a:ext cx="7990200" cy="2035800"/>
+            <a:ext cx="7989840" cy="2035440"/>
           </a:xfrm>
           <a:prstGeom prst="rect">
             <a:avLst/>
@@ -29149,7 +29123,7 @@
         <p:spPr>
           <a:xfrm>
             <a:off x="838080" y="365040"/>
-            <a:ext cx="10515600" cy="1324440"/>
+            <a:ext cx="10515240" cy="1324080"/>
           </a:xfrm>
           <a:prstGeom prst="rect">
             <a:avLst/>
@@ -29198,7 +29172,7 @@
         <p:spPr>
           <a:xfrm>
             <a:off x="1003680" y="2550960"/>
-            <a:ext cx="8179200" cy="2448720"/>
+            <a:ext cx="8178840" cy="2448360"/>
           </a:xfrm>
           <a:prstGeom prst="rect">
             <a:avLst/>
@@ -29217,7 +29191,7 @@
         <p:spPr>
           <a:xfrm>
             <a:off x="839160" y="1692360"/>
-            <a:ext cx="10245240" cy="455400"/>
+            <a:ext cx="10244880" cy="455400"/>
           </a:xfrm>
           <a:prstGeom prst="rect">
             <a:avLst/>
@@ -29308,7 +29282,7 @@
         <p:spPr>
           <a:xfrm>
             <a:off x="838080" y="365040"/>
-            <a:ext cx="10515600" cy="1324440"/>
+            <a:ext cx="10515240" cy="1324080"/>
           </a:xfrm>
           <a:prstGeom prst="rect">
             <a:avLst/>
@@ -29353,7 +29327,7 @@
         <p:spPr>
           <a:xfrm>
             <a:off x="839160" y="1692360"/>
-            <a:ext cx="10019520" cy="821160"/>
+            <a:ext cx="10019160" cy="821160"/>
           </a:xfrm>
           <a:prstGeom prst="rect">
             <a:avLst/>
@@ -29433,13 +29407,13 @@
         </p:nvPicPr>
         <p:blipFill>
           <a:blip r:embed="rId1"/>
-          <a:srcRect l="13160" t="56777" r="64495" b="22128"/>
+          <a:srcRect l="13158" t="56770" r="64487" b="22124"/>
           <a:stretch/>
         </p:blipFill>
         <p:spPr>
           <a:xfrm>
             <a:off x="564840" y="2656800"/>
-            <a:ext cx="10789200" cy="2863440"/>
+            <a:ext cx="10788840" cy="2863080"/>
           </a:xfrm>
           <a:prstGeom prst="rect">
             <a:avLst/>
@@ -29487,7 +29461,7 @@
         <p:spPr>
           <a:xfrm>
             <a:off x="838080" y="365040"/>
-            <a:ext cx="10515600" cy="1324440"/>
+            <a:ext cx="10515240" cy="1324080"/>
           </a:xfrm>
           <a:prstGeom prst="rect">
             <a:avLst/>
@@ -29536,7 +29510,7 @@
         <p:spPr>
           <a:xfrm>
             <a:off x="838080" y="1825560"/>
-            <a:ext cx="10515600" cy="4350240"/>
+            <a:ext cx="10515240" cy="4349880"/>
           </a:xfrm>
           <a:prstGeom prst="rect">
             <a:avLst/>
@@ -29592,7 +29566,7 @@
         <p:spPr>
           <a:xfrm>
             <a:off x="841680" y="2528280"/>
-            <a:ext cx="8492040" cy="1212840"/>
+            <a:ext cx="8491680" cy="1212480"/>
           </a:xfrm>
           <a:prstGeom prst="rect">
             <a:avLst/>
@@ -29640,7 +29614,7 @@
         <p:spPr>
           <a:xfrm>
             <a:off x="838080" y="365040"/>
-            <a:ext cx="10515600" cy="1324440"/>
+            <a:ext cx="10515240" cy="1324080"/>
           </a:xfrm>
           <a:prstGeom prst="rect">
             <a:avLst/>
@@ -29689,7 +29663,7 @@
         <p:spPr>
           <a:xfrm>
             <a:off x="838080" y="1825560"/>
-            <a:ext cx="10515600" cy="4350240"/>
+            <a:ext cx="10515240" cy="4349880"/>
           </a:xfrm>
           <a:prstGeom prst="rect">
             <a:avLst/>
